--- a/aws_sra_examples/solutions/s3/s3_block_account_public_access/documentation/s3-block-account-public-access.pptx
+++ b/aws_sra_examples/solutions/s3/s3_block_account_public_access/documentation/s3-block-account-public-access.pptx
@@ -197,7 +197,7 @@
           <a:p>
             <a:fld id="{FD8D84E3-00BA-4A46-8256-7E527D8B4480}" type="datetimeFigureOut">
               <a:rPr lang="en-US" smtClean="0"/>
-              <a:t>11/18/21</a:t>
+              <a:t>3/9/22</a:t>
             </a:fld>
             <a:endParaRPr lang="en-US"/>
           </a:p>
@@ -695,7 +695,7 @@
           <a:p>
             <a:fld id="{9FE185F7-9B28-9F45-9F43-9CB5A0B99390}" type="datetimeFigureOut">
               <a:rPr lang="en-US" smtClean="0"/>
-              <a:t>11/18/21</a:t>
+              <a:t>3/9/22</a:t>
             </a:fld>
             <a:endParaRPr lang="en-US"/>
           </a:p>
@@ -893,7 +893,7 @@
           <a:p>
             <a:fld id="{9FE185F7-9B28-9F45-9F43-9CB5A0B99390}" type="datetimeFigureOut">
               <a:rPr lang="en-US" smtClean="0"/>
-              <a:t>11/18/21</a:t>
+              <a:t>3/9/22</a:t>
             </a:fld>
             <a:endParaRPr lang="en-US"/>
           </a:p>
@@ -1101,7 +1101,7 @@
           <a:p>
             <a:fld id="{9FE185F7-9B28-9F45-9F43-9CB5A0B99390}" type="datetimeFigureOut">
               <a:rPr lang="en-US" smtClean="0"/>
-              <a:t>11/18/21</a:t>
+              <a:t>3/9/22</a:t>
             </a:fld>
             <a:endParaRPr lang="en-US"/>
           </a:p>
@@ -1299,7 +1299,7 @@
           <a:p>
             <a:fld id="{9FE185F7-9B28-9F45-9F43-9CB5A0B99390}" type="datetimeFigureOut">
               <a:rPr lang="en-US" smtClean="0"/>
-              <a:t>11/18/21</a:t>
+              <a:t>3/9/22</a:t>
             </a:fld>
             <a:endParaRPr lang="en-US"/>
           </a:p>
@@ -1574,7 +1574,7 @@
           <a:p>
             <a:fld id="{9FE185F7-9B28-9F45-9F43-9CB5A0B99390}" type="datetimeFigureOut">
               <a:rPr lang="en-US" smtClean="0"/>
-              <a:t>11/18/21</a:t>
+              <a:t>3/9/22</a:t>
             </a:fld>
             <a:endParaRPr lang="en-US"/>
           </a:p>
@@ -1839,7 +1839,7 @@
           <a:p>
             <a:fld id="{9FE185F7-9B28-9F45-9F43-9CB5A0B99390}" type="datetimeFigureOut">
               <a:rPr lang="en-US" smtClean="0"/>
-              <a:t>11/18/21</a:t>
+              <a:t>3/9/22</a:t>
             </a:fld>
             <a:endParaRPr lang="en-US"/>
           </a:p>
@@ -2251,7 +2251,7 @@
           <a:p>
             <a:fld id="{9FE185F7-9B28-9F45-9F43-9CB5A0B99390}" type="datetimeFigureOut">
               <a:rPr lang="en-US" smtClean="0"/>
-              <a:t>11/18/21</a:t>
+              <a:t>3/9/22</a:t>
             </a:fld>
             <a:endParaRPr lang="en-US"/>
           </a:p>
@@ -2392,7 +2392,7 @@
           <a:p>
             <a:fld id="{9FE185F7-9B28-9F45-9F43-9CB5A0B99390}" type="datetimeFigureOut">
               <a:rPr lang="en-US" smtClean="0"/>
-              <a:t>11/18/21</a:t>
+              <a:t>3/9/22</a:t>
             </a:fld>
             <a:endParaRPr lang="en-US"/>
           </a:p>
@@ -2505,7 +2505,7 @@
           <a:p>
             <a:fld id="{9FE185F7-9B28-9F45-9F43-9CB5A0B99390}" type="datetimeFigureOut">
               <a:rPr lang="en-US" smtClean="0"/>
-              <a:t>11/18/21</a:t>
+              <a:t>3/9/22</a:t>
             </a:fld>
             <a:endParaRPr lang="en-US"/>
           </a:p>
@@ -2816,7 +2816,7 @@
           <a:p>
             <a:fld id="{9FE185F7-9B28-9F45-9F43-9CB5A0B99390}" type="datetimeFigureOut">
               <a:rPr lang="en-US" smtClean="0"/>
-              <a:t>11/18/21</a:t>
+              <a:t>3/9/22</a:t>
             </a:fld>
             <a:endParaRPr lang="en-US"/>
           </a:p>
@@ -3104,7 +3104,7 @@
           <a:p>
             <a:fld id="{9FE185F7-9B28-9F45-9F43-9CB5A0B99390}" type="datetimeFigureOut">
               <a:rPr lang="en-US" smtClean="0"/>
-              <a:t>11/18/21</a:t>
+              <a:t>3/9/22</a:t>
             </a:fld>
             <a:endParaRPr lang="en-US"/>
           </a:p>
@@ -3345,7 +3345,7 @@
           <a:p>
             <a:fld id="{9FE185F7-9B28-9F45-9F43-9CB5A0B99390}" type="datetimeFigureOut">
               <a:rPr lang="en-US" smtClean="0"/>
-              <a:t>11/18/21</a:t>
+              <a:t>3/9/22</a:t>
             </a:fld>
             <a:endParaRPr lang="en-US"/>
           </a:p>
@@ -3748,6 +3748,17 @@
 <file path=ppt/slides/slide1.xml><?xml version="1.0" encoding="utf-8"?>
 <p:sld xmlns:a="http://schemas.openxmlformats.org/drawingml/2006/main" xmlns:r="http://schemas.openxmlformats.org/officeDocument/2006/relationships" xmlns:p="http://schemas.openxmlformats.org/presentationml/2006/main">
   <p:cSld>
+    <p:bg>
+      <p:bgPr>
+        <a:solidFill>
+          <a:schemeClr val="tx1">
+            <a:lumMod val="75000"/>
+            <a:lumOff val="25000"/>
+          </a:schemeClr>
+        </a:solidFill>
+        <a:effectLst/>
+      </p:bgPr>
+    </p:bg>
     <p:spTree>
       <p:nvGrpSpPr>
         <p:cNvPr id="1" name=""/>
@@ -3776,8 +3787,8 @@
         </p:nvSpPr>
         <p:spPr>
           <a:xfrm>
-            <a:off x="935023" y="167532"/>
-            <a:ext cx="10321954" cy="4657387"/>
+            <a:off x="935023" y="171939"/>
+            <a:ext cx="10013018" cy="4392974"/>
           </a:xfrm>
           <a:prstGeom prst="rect">
             <a:avLst/>
@@ -3949,7 +3960,7 @@
         </p:blipFill>
         <p:spPr>
           <a:xfrm>
-            <a:off x="935023" y="167532"/>
+            <a:off x="942111" y="167532"/>
             <a:ext cx="330200" cy="330200"/>
           </a:xfrm>
           <a:prstGeom prst="rect">
@@ -3971,8 +3982,8 @@
         </p:nvSpPr>
         <p:spPr>
           <a:xfrm>
-            <a:off x="1115343" y="689208"/>
-            <a:ext cx="6219658" cy="3941158"/>
+            <a:off x="1094079" y="689208"/>
+            <a:ext cx="6155248" cy="3748113"/>
           </a:xfrm>
           <a:prstGeom prst="rect">
             <a:avLst/>
@@ -4038,8 +4049,8 @@
         </p:nvSpPr>
         <p:spPr>
           <a:xfrm>
-            <a:off x="7454497" y="689208"/>
-            <a:ext cx="3579609" cy="3941158"/>
+            <a:off x="7356766" y="689208"/>
+            <a:ext cx="3447282" cy="2763300"/>
           </a:xfrm>
           <a:prstGeom prst="rect">
             <a:avLst/>
@@ -4118,7 +4129,7 @@
         </p:nvSpPr>
         <p:spPr>
           <a:xfrm>
-            <a:off x="1074884" y="3007649"/>
+            <a:off x="1217612" y="2732309"/>
             <a:ext cx="1307240" cy="430887"/>
           </a:xfrm>
           <a:prstGeom prst="rect">
@@ -4143,58 +4154,22 @@
           </a:p>
         </p:txBody>
       </p:sp>
-      <p:pic>
-        <p:nvPicPr>
-          <p:cNvPr id="152" name="Graphic 151">
-            <a:extLst>
-              <a:ext uri="{FF2B5EF4-FFF2-40B4-BE49-F238E27FC236}">
-                <a16:creationId xmlns:a16="http://schemas.microsoft.com/office/drawing/2014/main" id="{399FFB55-9DC7-0642-93ED-51225281247C}"/>
-              </a:ext>
-            </a:extLst>
-          </p:cNvPr>
-          <p:cNvPicPr>
-            <a:picLocks noChangeAspect="1"/>
-          </p:cNvPicPr>
+      <p:sp>
+        <p:nvSpPr>
+          <p:cNvPr id="153" name="Rectangle 152">
+            <a:extLst>
+              <a:ext uri="{FF2B5EF4-FFF2-40B4-BE49-F238E27FC236}">
+                <a16:creationId xmlns:a16="http://schemas.microsoft.com/office/drawing/2014/main" id="{CB91CC3D-9B41-4F4E-A36E-8EBAE5690590}"/>
+              </a:ext>
+            </a:extLst>
+          </p:cNvPr>
+          <p:cNvSpPr/>
           <p:nvPr/>
-        </p:nvPicPr>
-        <p:blipFill>
-          <a:blip r:embed="rId5">
-            <a:extLst>
-              <a:ext uri="{96DAC541-7B7A-43D3-8B79-37D633B846F1}">
-                <asvg:svgBlip xmlns:asvg="http://schemas.microsoft.com/office/drawing/2016/SVG/main" r:embed="rId6"/>
-              </a:ext>
-            </a:extLst>
-          </a:blip>
-          <a:stretch>
-            <a:fillRect/>
-          </a:stretch>
-        </p:blipFill>
+        </p:nvSpPr>
         <p:spPr>
           <a:xfrm>
-            <a:off x="1450926" y="2419255"/>
-            <a:ext cx="555156" cy="555156"/>
-          </a:xfrm>
-          <a:prstGeom prst="rect">
-            <a:avLst/>
-          </a:prstGeom>
-        </p:spPr>
-      </p:pic>
-      <p:sp>
-        <p:nvSpPr>
-          <p:cNvPr id="153" name="Rectangle 152">
-            <a:extLst>
-              <a:ext uri="{FF2B5EF4-FFF2-40B4-BE49-F238E27FC236}">
-                <a16:creationId xmlns:a16="http://schemas.microsoft.com/office/drawing/2014/main" id="{CB91CC3D-9B41-4F4E-A36E-8EBAE5690590}"/>
-              </a:ext>
-            </a:extLst>
-          </p:cNvPr>
-          <p:cNvSpPr/>
-          <p:nvPr/>
-        </p:nvSpPr>
-        <p:spPr>
-          <a:xfrm>
-            <a:off x="2499929" y="1208917"/>
-            <a:ext cx="4663139" cy="3274879"/>
+            <a:off x="1222695" y="1091610"/>
+            <a:ext cx="5898469" cy="3239386"/>
           </a:xfrm>
           <a:prstGeom prst="rect">
             <a:avLst/>
@@ -4224,7 +4199,7 @@
           </a:fontRef>
         </p:style>
         <p:txBody>
-          <a:bodyPr rot="0" spcFirstLastPara="0" vertOverflow="overflow" horzOverflow="overflow" vert="horz" wrap="square" lIns="91440" tIns="91440" rIns="91440" bIns="45720" numCol="1" spcCol="0" rtlCol="0" fromWordArt="0" anchor="t" anchorCtr="0" forceAA="0" compatLnSpc="1">
+          <a:bodyPr rot="0" spcFirstLastPara="0" vertOverflow="overflow" horzOverflow="overflow" vert="horz" wrap="square" lIns="91440" tIns="0" rIns="91440" bIns="45720" numCol="1" spcCol="0" rtlCol="0" fromWordArt="0" anchor="t" anchorCtr="0" forceAA="0" compatLnSpc="1">
             <a:prstTxWarp prst="textNoShape">
               <a:avLst/>
             </a:prstTxWarp>
@@ -4232,12 +4207,14 @@
           </a:bodyPr>
           <a:lstStyle/>
           <a:p>
-            <a:pPr algn="ctr"/>
-            <a:endParaRPr lang="en-US" sz="1400" dirty="0">
-              <a:solidFill>
-                <a:srgbClr val="5A6B86"/>
-              </a:solidFill>
-            </a:endParaRPr>
+            <a:r>
+              <a:rPr lang="en-US" sz="1100" b="1" dirty="0">
+                <a:solidFill>
+                  <a:schemeClr val="tx1"/>
+                </a:solidFill>
+              </a:rPr>
+              <a:t>Home-region</a:t>
+            </a:r>
           </a:p>
         </p:txBody>
       </p:sp>
@@ -4255,7 +4232,7 @@
         </p:nvSpPr>
         <p:spPr>
           <a:xfrm>
-            <a:off x="1137305" y="716639"/>
+            <a:off x="1116041" y="716639"/>
             <a:ext cx="253435" cy="212902"/>
           </a:xfrm>
           <a:prstGeom prst="ellipse">
@@ -4303,10 +4280,10 @@
       </p:sp>
       <p:sp>
         <p:nvSpPr>
-          <p:cNvPr id="227" name="Oval 226">
-            <a:extLst>
-              <a:ext uri="{FF2B5EF4-FFF2-40B4-BE49-F238E27FC236}">
-                <a16:creationId xmlns:a16="http://schemas.microsoft.com/office/drawing/2014/main" id="{F0D1735B-0005-B145-8C48-3E3934A1D64E}"/>
+          <p:cNvPr id="233" name="Oval 232">
+            <a:extLst>
+              <a:ext uri="{FF2B5EF4-FFF2-40B4-BE49-F238E27FC236}">
+                <a16:creationId xmlns:a16="http://schemas.microsoft.com/office/drawing/2014/main" id="{4E5E3A8F-6978-7E4A-B538-0774C0EF83DA}"/>
               </a:ext>
             </a:extLst>
           </p:cNvPr>
@@ -4315,7 +4292,7 @@
         </p:nvSpPr>
         <p:spPr>
           <a:xfrm>
-            <a:off x="1451582" y="2425960"/>
+            <a:off x="7392580" y="714032"/>
             <a:ext cx="253435" cy="212902"/>
           </a:xfrm>
           <a:prstGeom prst="ellipse">
@@ -4352,21 +4329,2281 @@
           <a:p>
             <a:pPr algn="ctr"/>
             <a:r>
-              <a:rPr lang="en-US" sz="800" dirty="0">
+              <a:rPr lang="en-US" sz="800" dirty="0"/>
+              <a:t>2.0</a:t>
+            </a:r>
+          </a:p>
+        </p:txBody>
+      </p:sp>
+      <p:sp>
+        <p:nvSpPr>
+          <p:cNvPr id="107" name="Rectangle 106">
+            <a:extLst>
+              <a:ext uri="{FF2B5EF4-FFF2-40B4-BE49-F238E27FC236}">
+                <a16:creationId xmlns:a16="http://schemas.microsoft.com/office/drawing/2014/main" id="{F987F7DF-6CB9-144D-9E1D-1E6008DD66FB}"/>
+              </a:ext>
+            </a:extLst>
+          </p:cNvPr>
+          <p:cNvSpPr/>
+          <p:nvPr/>
+        </p:nvSpPr>
+        <p:spPr>
+          <a:xfrm>
+            <a:off x="7483193" y="1275705"/>
+            <a:ext cx="3201858" cy="2078967"/>
+          </a:xfrm>
+          <a:prstGeom prst="rect">
+            <a:avLst/>
+          </a:prstGeom>
+          <a:noFill/>
+          <a:ln w="12700">
+            <a:solidFill>
+              <a:schemeClr val="tx1"/>
+            </a:solidFill>
+            <a:prstDash val="dash"/>
+          </a:ln>
+        </p:spPr>
+        <p:style>
+          <a:lnRef idx="2">
+            <a:schemeClr val="accent1">
+              <a:shade val="50000"/>
+            </a:schemeClr>
+          </a:lnRef>
+          <a:fillRef idx="1">
+            <a:schemeClr val="accent1"/>
+          </a:fillRef>
+          <a:effectRef idx="0">
+            <a:schemeClr val="accent1"/>
+          </a:effectRef>
+          <a:fontRef idx="minor">
+            <a:schemeClr val="lt1"/>
+          </a:fontRef>
+        </p:style>
+        <p:txBody>
+          <a:bodyPr rot="0" spcFirstLastPara="0" vertOverflow="overflow" horzOverflow="overflow" vert="horz" wrap="square" lIns="91440" tIns="0" rIns="91440" bIns="45720" numCol="1" spcCol="0" rtlCol="0" fromWordArt="0" anchor="t" anchorCtr="0" forceAA="0" compatLnSpc="1">
+            <a:prstTxWarp prst="textNoShape">
+              <a:avLst/>
+            </a:prstTxWarp>
+            <a:noAutofit/>
+          </a:bodyPr>
+          <a:lstStyle/>
+          <a:p>
+            <a:r>
+              <a:rPr lang="en-US" sz="1100" b="1" dirty="0">
+                <a:solidFill>
+                  <a:schemeClr val="tx1"/>
+                </a:solidFill>
+              </a:rPr>
+              <a:t>Home-region</a:t>
+            </a:r>
+          </a:p>
+        </p:txBody>
+      </p:sp>
+      <p:sp>
+        <p:nvSpPr>
+          <p:cNvPr id="108" name="TextBox 107">
+            <a:extLst>
+              <a:ext uri="{FF2B5EF4-FFF2-40B4-BE49-F238E27FC236}">
+                <a16:creationId xmlns:a16="http://schemas.microsoft.com/office/drawing/2014/main" id="{B5BD843E-4A99-344F-B2BC-AB0E5E2CB733}"/>
+              </a:ext>
+            </a:extLst>
+          </p:cNvPr>
+          <p:cNvSpPr txBox="1"/>
+          <p:nvPr/>
+        </p:nvSpPr>
+        <p:spPr>
+          <a:xfrm>
+            <a:off x="7448744" y="2300825"/>
+            <a:ext cx="1288498" cy="430887"/>
+          </a:xfrm>
+          <a:prstGeom prst="rect">
+            <a:avLst/>
+          </a:prstGeom>
+          <a:noFill/>
+        </p:spPr>
+        <p:txBody>
+          <a:bodyPr wrap="square" rtlCol="0">
+            <a:spAutoFit/>
+          </a:bodyPr>
+          <a:lstStyle/>
+          <a:p>
+            <a:pPr algn="ctr"/>
+            <a:r>
+              <a:rPr lang="en-US" sz="1100" dirty="0">
                 <a:latin typeface="Arial" panose="020B0604020202020204" pitchFamily="34" charset="0"/>
                 <a:cs typeface="Arial" panose="020B0604020202020204" pitchFamily="34" charset="0"/>
               </a:rPr>
-              <a:t>1.1</a:t>
-            </a:r>
-          </a:p>
-        </p:txBody>
-      </p:sp>
-      <p:sp>
-        <p:nvSpPr>
-          <p:cNvPr id="233" name="Oval 232">
-            <a:extLst>
-              <a:ext uri="{FF2B5EF4-FFF2-40B4-BE49-F238E27FC236}">
-                <a16:creationId xmlns:a16="http://schemas.microsoft.com/office/drawing/2014/main" id="{4E5E3A8F-6978-7E4A-B538-0774C0EF83DA}"/>
+              <a:t>AWS CloudFormation</a:t>
+            </a:r>
+          </a:p>
+        </p:txBody>
+      </p:sp>
+      <p:sp>
+        <p:nvSpPr>
+          <p:cNvPr id="52" name="TextBox 29">
+            <a:extLst>
+              <a:ext uri="{FF2B5EF4-FFF2-40B4-BE49-F238E27FC236}">
+                <a16:creationId xmlns:a16="http://schemas.microsoft.com/office/drawing/2014/main" id="{95A77985-9994-9042-96C7-A75BE742DD29}"/>
+              </a:ext>
+            </a:extLst>
+          </p:cNvPr>
+          <p:cNvSpPr txBox="1">
+            <a:spLocks noChangeArrowheads="1"/>
+          </p:cNvSpPr>
+          <p:nvPr/>
+        </p:nvSpPr>
+        <p:spPr bwMode="auto">
+          <a:xfrm>
+            <a:off x="5730310" y="1768296"/>
+            <a:ext cx="1398873" cy="430887"/>
+          </a:xfrm>
+          <a:prstGeom prst="rect">
+            <a:avLst/>
+          </a:prstGeom>
+          <a:noFill/>
+          <a:ln>
+            <a:noFill/>
+          </a:ln>
+          <a:extLst>
+            <a:ext uri="{909E8E84-426E-40DD-AFC4-6F175D3DCCD1}">
+              <a14:hiddenFill xmlns:a14="http://schemas.microsoft.com/office/drawing/2010/main">
+                <a:solidFill>
+                  <a:srgbClr val="FFFFFF"/>
+                </a:solidFill>
+              </a14:hiddenFill>
+            </a:ext>
+            <a:ext uri="{91240B29-F687-4F45-9708-019B960494DF}">
+              <a14:hiddenLine xmlns:a14="http://schemas.microsoft.com/office/drawing/2010/main" w="9525">
+                <a:solidFill>
+                  <a:srgbClr val="000000"/>
+                </a:solidFill>
+                <a:miter lim="800000"/>
+                <a:headEnd/>
+                <a:tailEnd/>
+              </a14:hiddenLine>
+            </a:ext>
+          </a:extLst>
+        </p:spPr>
+        <p:txBody>
+          <a:bodyPr wrap="square">
+            <a:spAutoFit/>
+          </a:bodyPr>
+          <a:lstStyle>
+            <a:lvl1pPr>
+              <a:defRPr>
+                <a:solidFill>
+                  <a:schemeClr val="tx1"/>
+                </a:solidFill>
+                <a:latin typeface="Calibri" panose="020F0502020204030204" pitchFamily="34" charset="0"/>
+              </a:defRPr>
+            </a:lvl1pPr>
+            <a:lvl2pPr marL="742950" indent="-285750">
+              <a:defRPr>
+                <a:solidFill>
+                  <a:schemeClr val="tx1"/>
+                </a:solidFill>
+                <a:latin typeface="Calibri" panose="020F0502020204030204" pitchFamily="34" charset="0"/>
+              </a:defRPr>
+            </a:lvl2pPr>
+            <a:lvl3pPr marL="1143000" indent="-228600">
+              <a:defRPr>
+                <a:solidFill>
+                  <a:schemeClr val="tx1"/>
+                </a:solidFill>
+                <a:latin typeface="Calibri" panose="020F0502020204030204" pitchFamily="34" charset="0"/>
+              </a:defRPr>
+            </a:lvl3pPr>
+            <a:lvl4pPr marL="1600200" indent="-228600">
+              <a:defRPr>
+                <a:solidFill>
+                  <a:schemeClr val="tx1"/>
+                </a:solidFill>
+                <a:latin typeface="Calibri" panose="020F0502020204030204" pitchFamily="34" charset="0"/>
+              </a:defRPr>
+            </a:lvl4pPr>
+            <a:lvl5pPr marL="2057400" indent="-228600">
+              <a:defRPr>
+                <a:solidFill>
+                  <a:schemeClr val="tx1"/>
+                </a:solidFill>
+                <a:latin typeface="Calibri" panose="020F0502020204030204" pitchFamily="34" charset="0"/>
+              </a:defRPr>
+            </a:lvl5pPr>
+            <a:lvl6pPr marL="2514600" indent="-228600" eaLnBrk="0" fontAlgn="base" hangingPunct="0">
+              <a:spcBef>
+                <a:spcPct val="0"/>
+              </a:spcBef>
+              <a:spcAft>
+                <a:spcPct val="0"/>
+              </a:spcAft>
+              <a:defRPr>
+                <a:solidFill>
+                  <a:schemeClr val="tx1"/>
+                </a:solidFill>
+                <a:latin typeface="Calibri" panose="020F0502020204030204" pitchFamily="34" charset="0"/>
+              </a:defRPr>
+            </a:lvl6pPr>
+            <a:lvl7pPr marL="2971800" indent="-228600" eaLnBrk="0" fontAlgn="base" hangingPunct="0">
+              <a:spcBef>
+                <a:spcPct val="0"/>
+              </a:spcBef>
+              <a:spcAft>
+                <a:spcPct val="0"/>
+              </a:spcAft>
+              <a:defRPr>
+                <a:solidFill>
+                  <a:schemeClr val="tx1"/>
+                </a:solidFill>
+                <a:latin typeface="Calibri" panose="020F0502020204030204" pitchFamily="34" charset="0"/>
+              </a:defRPr>
+            </a:lvl7pPr>
+            <a:lvl8pPr marL="3429000" indent="-228600" eaLnBrk="0" fontAlgn="base" hangingPunct="0">
+              <a:spcBef>
+                <a:spcPct val="0"/>
+              </a:spcBef>
+              <a:spcAft>
+                <a:spcPct val="0"/>
+              </a:spcAft>
+              <a:defRPr>
+                <a:solidFill>
+                  <a:schemeClr val="tx1"/>
+                </a:solidFill>
+                <a:latin typeface="Calibri" panose="020F0502020204030204" pitchFamily="34" charset="0"/>
+              </a:defRPr>
+            </a:lvl8pPr>
+            <a:lvl9pPr marL="3886200" indent="-228600" eaLnBrk="0" fontAlgn="base" hangingPunct="0">
+              <a:spcBef>
+                <a:spcPct val="0"/>
+              </a:spcBef>
+              <a:spcAft>
+                <a:spcPct val="0"/>
+              </a:spcAft>
+              <a:defRPr>
+                <a:solidFill>
+                  <a:schemeClr val="tx1"/>
+                </a:solidFill>
+                <a:latin typeface="Calibri" panose="020F0502020204030204" pitchFamily="34" charset="0"/>
+              </a:defRPr>
+            </a:lvl9pPr>
+          </a:lstStyle>
+          <a:p>
+            <a:pPr algn="ctr" eaLnBrk="1" hangingPunct="1"/>
+            <a:r>
+              <a:rPr lang="en-US" altLang="en-US" sz="1100" dirty="0">
+                <a:latin typeface="Arial" panose="020B0604020202020204" pitchFamily="34" charset="0"/>
+                <a:ea typeface="Amazon Ember" panose="020B0603020204020204" pitchFamily="34" charset="0"/>
+                <a:cs typeface="Arial" panose="020B0604020202020204" pitchFamily="34" charset="0"/>
+              </a:rPr>
+              <a:t>S3 Block Account Public Access Role</a:t>
+            </a:r>
+          </a:p>
+        </p:txBody>
+      </p:sp>
+      <p:pic>
+        <p:nvPicPr>
+          <p:cNvPr id="53" name="Graphic 49">
+            <a:extLst>
+              <a:ext uri="{FF2B5EF4-FFF2-40B4-BE49-F238E27FC236}">
+                <a16:creationId xmlns:a16="http://schemas.microsoft.com/office/drawing/2014/main" id="{E5A43064-1E8C-D64F-9E2D-DA95886F7A4B}"/>
+              </a:ext>
+            </a:extLst>
+          </p:cNvPr>
+          <p:cNvPicPr>
+            <a:picLocks noChangeAspect="1" noChangeArrowheads="1"/>
+          </p:cNvPicPr>
+          <p:nvPr/>
+        </p:nvPicPr>
+        <p:blipFill>
+          <a:blip r:embed="rId5">
+            <a:extLst>
+              <a:ext uri="{28A0092B-C50C-407E-A947-70E740481C1C}">
+                <a14:useLocalDpi xmlns:a14="http://schemas.microsoft.com/office/drawing/2010/main" val="0"/>
+              </a:ext>
+            </a:extLst>
+          </a:blip>
+          <a:srcRect/>
+          <a:stretch>
+            <a:fillRect/>
+          </a:stretch>
+        </p:blipFill>
+        <p:spPr bwMode="auto">
+          <a:xfrm>
+            <a:off x="6176687" y="1401127"/>
+            <a:ext cx="457200" cy="457200"/>
+          </a:xfrm>
+          <a:prstGeom prst="rect">
+            <a:avLst/>
+          </a:prstGeom>
+          <a:noFill/>
+          <a:ln>
+            <a:noFill/>
+          </a:ln>
+          <a:extLst>
+            <a:ext uri="{909E8E84-426E-40DD-AFC4-6F175D3DCCD1}">
+              <a14:hiddenFill xmlns:a14="http://schemas.microsoft.com/office/drawing/2010/main">
+                <a:solidFill>
+                  <a:srgbClr val="FFFFFF"/>
+                </a:solidFill>
+              </a14:hiddenFill>
+            </a:ext>
+            <a:ext uri="{91240B29-F687-4F45-9708-019B960494DF}">
+              <a14:hiddenLine xmlns:a14="http://schemas.microsoft.com/office/drawing/2010/main" w="9525">
+                <a:solidFill>
+                  <a:srgbClr val="000000"/>
+                </a:solidFill>
+                <a:miter lim="800000"/>
+                <a:headEnd/>
+                <a:tailEnd/>
+              </a14:hiddenLine>
+            </a:ext>
+          </a:extLst>
+        </p:spPr>
+      </p:pic>
+      <p:pic>
+        <p:nvPicPr>
+          <p:cNvPr id="54" name="Graphic 24">
+            <a:extLst>
+              <a:ext uri="{FF2B5EF4-FFF2-40B4-BE49-F238E27FC236}">
+                <a16:creationId xmlns:a16="http://schemas.microsoft.com/office/drawing/2014/main" id="{0565F9CB-9F9E-E443-BF68-41C87611C350}"/>
+              </a:ext>
+            </a:extLst>
+          </p:cNvPr>
+          <p:cNvPicPr>
+            <a:picLocks noChangeAspect="1" noChangeArrowheads="1"/>
+          </p:cNvPicPr>
+          <p:nvPr/>
+        </p:nvPicPr>
+        <p:blipFill>
+          <a:blip r:embed="rId6">
+            <a:extLst>
+              <a:ext uri="{28A0092B-C50C-407E-A947-70E740481C1C}">
+                <a14:useLocalDpi xmlns:a14="http://schemas.microsoft.com/office/drawing/2010/main" val="0"/>
+              </a:ext>
+            </a:extLst>
+          </a:blip>
+          <a:srcRect/>
+          <a:stretch>
+            <a:fillRect/>
+          </a:stretch>
+        </p:blipFill>
+        <p:spPr bwMode="auto">
+          <a:xfrm>
+            <a:off x="2952072" y="3322462"/>
+            <a:ext cx="457200" cy="457200"/>
+          </a:xfrm>
+          <a:prstGeom prst="rect">
+            <a:avLst/>
+          </a:prstGeom>
+          <a:noFill/>
+          <a:ln>
+            <a:noFill/>
+          </a:ln>
+          <a:extLst>
+            <a:ext uri="{909E8E84-426E-40DD-AFC4-6F175D3DCCD1}">
+              <a14:hiddenFill xmlns:a14="http://schemas.microsoft.com/office/drawing/2010/main">
+                <a:solidFill>
+                  <a:srgbClr val="FFFFFF"/>
+                </a:solidFill>
+              </a14:hiddenFill>
+            </a:ext>
+            <a:ext uri="{91240B29-F687-4F45-9708-019B960494DF}">
+              <a14:hiddenLine xmlns:a14="http://schemas.microsoft.com/office/drawing/2010/main" w="9525">
+                <a:solidFill>
+                  <a:srgbClr val="000000"/>
+                </a:solidFill>
+                <a:miter lim="800000"/>
+                <a:headEnd/>
+                <a:tailEnd/>
+              </a14:hiddenLine>
+            </a:ext>
+          </a:extLst>
+        </p:spPr>
+      </p:pic>
+      <p:sp>
+        <p:nvSpPr>
+          <p:cNvPr id="55" name="TextBox 26">
+            <a:extLst>
+              <a:ext uri="{FF2B5EF4-FFF2-40B4-BE49-F238E27FC236}">
+                <a16:creationId xmlns:a16="http://schemas.microsoft.com/office/drawing/2014/main" id="{8C01A33B-B67C-0445-AA21-F3786470D6FF}"/>
+              </a:ext>
+            </a:extLst>
+          </p:cNvPr>
+          <p:cNvSpPr txBox="1">
+            <a:spLocks noChangeArrowheads="1"/>
+          </p:cNvSpPr>
+          <p:nvPr/>
+        </p:nvSpPr>
+        <p:spPr bwMode="auto">
+          <a:xfrm>
+            <a:off x="2465689" y="3822346"/>
+            <a:ext cx="1429966" cy="430887"/>
+          </a:xfrm>
+          <a:prstGeom prst="rect">
+            <a:avLst/>
+          </a:prstGeom>
+          <a:noFill/>
+          <a:ln>
+            <a:noFill/>
+          </a:ln>
+          <a:extLst>
+            <a:ext uri="{909E8E84-426E-40DD-AFC4-6F175D3DCCD1}">
+              <a14:hiddenFill xmlns:a14="http://schemas.microsoft.com/office/drawing/2010/main">
+                <a:solidFill>
+                  <a:srgbClr val="FFFFFF"/>
+                </a:solidFill>
+              </a14:hiddenFill>
+            </a:ext>
+            <a:ext uri="{91240B29-F687-4F45-9708-019B960494DF}">
+              <a14:hiddenLine xmlns:a14="http://schemas.microsoft.com/office/drawing/2010/main" w="9525">
+                <a:solidFill>
+                  <a:srgbClr val="000000"/>
+                </a:solidFill>
+                <a:miter lim="800000"/>
+                <a:headEnd/>
+                <a:tailEnd/>
+              </a14:hiddenLine>
+            </a:ext>
+          </a:extLst>
+        </p:spPr>
+        <p:txBody>
+          <a:bodyPr wrap="square">
+            <a:spAutoFit/>
+          </a:bodyPr>
+          <a:lstStyle>
+            <a:lvl1pPr>
+              <a:defRPr>
+                <a:solidFill>
+                  <a:schemeClr val="tx1"/>
+                </a:solidFill>
+                <a:latin typeface="Calibri" panose="020F0502020204030204" pitchFamily="34" charset="0"/>
+              </a:defRPr>
+            </a:lvl1pPr>
+            <a:lvl2pPr marL="742950" indent="-285750">
+              <a:defRPr>
+                <a:solidFill>
+                  <a:schemeClr val="tx1"/>
+                </a:solidFill>
+                <a:latin typeface="Calibri" panose="020F0502020204030204" pitchFamily="34" charset="0"/>
+              </a:defRPr>
+            </a:lvl2pPr>
+            <a:lvl3pPr marL="1143000" indent="-228600">
+              <a:defRPr>
+                <a:solidFill>
+                  <a:schemeClr val="tx1"/>
+                </a:solidFill>
+                <a:latin typeface="Calibri" panose="020F0502020204030204" pitchFamily="34" charset="0"/>
+              </a:defRPr>
+            </a:lvl3pPr>
+            <a:lvl4pPr marL="1600200" indent="-228600">
+              <a:defRPr>
+                <a:solidFill>
+                  <a:schemeClr val="tx1"/>
+                </a:solidFill>
+                <a:latin typeface="Calibri" panose="020F0502020204030204" pitchFamily="34" charset="0"/>
+              </a:defRPr>
+            </a:lvl4pPr>
+            <a:lvl5pPr marL="2057400" indent="-228600">
+              <a:defRPr>
+                <a:solidFill>
+                  <a:schemeClr val="tx1"/>
+                </a:solidFill>
+                <a:latin typeface="Calibri" panose="020F0502020204030204" pitchFamily="34" charset="0"/>
+              </a:defRPr>
+            </a:lvl5pPr>
+            <a:lvl6pPr marL="2514600" indent="-228600" eaLnBrk="0" fontAlgn="base" hangingPunct="0">
+              <a:spcBef>
+                <a:spcPct val="0"/>
+              </a:spcBef>
+              <a:spcAft>
+                <a:spcPct val="0"/>
+              </a:spcAft>
+              <a:defRPr>
+                <a:solidFill>
+                  <a:schemeClr val="tx1"/>
+                </a:solidFill>
+                <a:latin typeface="Calibri" panose="020F0502020204030204" pitchFamily="34" charset="0"/>
+              </a:defRPr>
+            </a:lvl6pPr>
+            <a:lvl7pPr marL="2971800" indent="-228600" eaLnBrk="0" fontAlgn="base" hangingPunct="0">
+              <a:spcBef>
+                <a:spcPct val="0"/>
+              </a:spcBef>
+              <a:spcAft>
+                <a:spcPct val="0"/>
+              </a:spcAft>
+              <a:defRPr>
+                <a:solidFill>
+                  <a:schemeClr val="tx1"/>
+                </a:solidFill>
+                <a:latin typeface="Calibri" panose="020F0502020204030204" pitchFamily="34" charset="0"/>
+              </a:defRPr>
+            </a:lvl7pPr>
+            <a:lvl8pPr marL="3429000" indent="-228600" eaLnBrk="0" fontAlgn="base" hangingPunct="0">
+              <a:spcBef>
+                <a:spcPct val="0"/>
+              </a:spcBef>
+              <a:spcAft>
+                <a:spcPct val="0"/>
+              </a:spcAft>
+              <a:defRPr>
+                <a:solidFill>
+                  <a:schemeClr val="tx1"/>
+                </a:solidFill>
+                <a:latin typeface="Calibri" panose="020F0502020204030204" pitchFamily="34" charset="0"/>
+              </a:defRPr>
+            </a:lvl8pPr>
+            <a:lvl9pPr marL="3886200" indent="-228600" eaLnBrk="0" fontAlgn="base" hangingPunct="0">
+              <a:spcBef>
+                <a:spcPct val="0"/>
+              </a:spcBef>
+              <a:spcAft>
+                <a:spcPct val="0"/>
+              </a:spcAft>
+              <a:defRPr>
+                <a:solidFill>
+                  <a:schemeClr val="tx1"/>
+                </a:solidFill>
+                <a:latin typeface="Calibri" panose="020F0502020204030204" pitchFamily="34" charset="0"/>
+              </a:defRPr>
+            </a:lvl9pPr>
+          </a:lstStyle>
+          <a:p>
+            <a:pPr algn="ctr" eaLnBrk="1" hangingPunct="1"/>
+            <a:r>
+              <a:rPr lang="en-US" altLang="en-US" sz="1100" dirty="0">
+                <a:latin typeface="Arial" panose="020B0604020202020204" pitchFamily="34" charset="0"/>
+                <a:ea typeface="Amazon Ember" panose="020B0603020204020204" pitchFamily="34" charset="0"/>
+                <a:cs typeface="Arial" panose="020B0604020202020204" pitchFamily="34" charset="0"/>
+              </a:rPr>
+              <a:t>Lifecycle Event Rule</a:t>
+            </a:r>
+          </a:p>
+        </p:txBody>
+      </p:sp>
+      <p:pic>
+        <p:nvPicPr>
+          <p:cNvPr id="56" name="Graphic 8">
+            <a:extLst>
+              <a:ext uri="{FF2B5EF4-FFF2-40B4-BE49-F238E27FC236}">
+                <a16:creationId xmlns:a16="http://schemas.microsoft.com/office/drawing/2014/main" id="{2F594637-2AA7-844B-A3DB-9EDCF5D59D42}"/>
+              </a:ext>
+            </a:extLst>
+          </p:cNvPr>
+          <p:cNvPicPr>
+            <a:picLocks noChangeAspect="1" noChangeArrowheads="1"/>
+          </p:cNvPicPr>
+          <p:nvPr/>
+        </p:nvPicPr>
+        <p:blipFill>
+          <a:blip r:embed="rId7">
+            <a:extLst>
+              <a:ext uri="{28A0092B-C50C-407E-A947-70E740481C1C}">
+                <a14:useLocalDpi xmlns:a14="http://schemas.microsoft.com/office/drawing/2010/main" val="0"/>
+              </a:ext>
+            </a:extLst>
+          </a:blip>
+          <a:srcRect/>
+          <a:stretch>
+            <a:fillRect/>
+          </a:stretch>
+        </p:blipFill>
+        <p:spPr bwMode="auto">
+          <a:xfrm>
+            <a:off x="6191782" y="2376548"/>
+            <a:ext cx="457200" cy="457200"/>
+          </a:xfrm>
+          <a:prstGeom prst="rect">
+            <a:avLst/>
+          </a:prstGeom>
+          <a:noFill/>
+          <a:ln>
+            <a:noFill/>
+          </a:ln>
+          <a:extLst>
+            <a:ext uri="{909E8E84-426E-40DD-AFC4-6F175D3DCCD1}">
+              <a14:hiddenFill xmlns:a14="http://schemas.microsoft.com/office/drawing/2010/main">
+                <a:solidFill>
+                  <a:srgbClr val="FFFFFF"/>
+                </a:solidFill>
+              </a14:hiddenFill>
+            </a:ext>
+            <a:ext uri="{91240B29-F687-4F45-9708-019B960494DF}">
+              <a14:hiddenLine xmlns:a14="http://schemas.microsoft.com/office/drawing/2010/main" w="9525">
+                <a:solidFill>
+                  <a:srgbClr val="000000"/>
+                </a:solidFill>
+                <a:miter lim="800000"/>
+                <a:headEnd/>
+                <a:tailEnd/>
+              </a14:hiddenLine>
+            </a:ext>
+          </a:extLst>
+        </p:spPr>
+      </p:pic>
+      <p:sp>
+        <p:nvSpPr>
+          <p:cNvPr id="57" name="TextBox 9">
+            <a:extLst>
+              <a:ext uri="{FF2B5EF4-FFF2-40B4-BE49-F238E27FC236}">
+                <a16:creationId xmlns:a16="http://schemas.microsoft.com/office/drawing/2014/main" id="{CC460320-434F-E54C-BC80-65AA0787D794}"/>
+              </a:ext>
+            </a:extLst>
+          </p:cNvPr>
+          <p:cNvSpPr txBox="1">
+            <a:spLocks noChangeArrowheads="1"/>
+          </p:cNvSpPr>
+          <p:nvPr/>
+        </p:nvSpPr>
+        <p:spPr bwMode="auto">
+          <a:xfrm>
+            <a:off x="5906934" y="2850275"/>
+            <a:ext cx="1045623" cy="430887"/>
+          </a:xfrm>
+          <a:prstGeom prst="rect">
+            <a:avLst/>
+          </a:prstGeom>
+          <a:noFill/>
+          <a:ln>
+            <a:noFill/>
+          </a:ln>
+          <a:extLst>
+            <a:ext uri="{909E8E84-426E-40DD-AFC4-6F175D3DCCD1}">
+              <a14:hiddenFill xmlns:a14="http://schemas.microsoft.com/office/drawing/2010/main">
+                <a:solidFill>
+                  <a:srgbClr val="FFFFFF"/>
+                </a:solidFill>
+              </a14:hiddenFill>
+            </a:ext>
+            <a:ext uri="{91240B29-F687-4F45-9708-019B960494DF}">
+              <a14:hiddenLine xmlns:a14="http://schemas.microsoft.com/office/drawing/2010/main" w="9525">
+                <a:solidFill>
+                  <a:srgbClr val="000000"/>
+                </a:solidFill>
+                <a:miter lim="800000"/>
+                <a:headEnd/>
+                <a:tailEnd/>
+              </a14:hiddenLine>
+            </a:ext>
+          </a:extLst>
+        </p:spPr>
+        <p:txBody>
+          <a:bodyPr wrap="square">
+            <a:spAutoFit/>
+          </a:bodyPr>
+          <a:lstStyle>
+            <a:lvl1pPr>
+              <a:defRPr>
+                <a:solidFill>
+                  <a:schemeClr val="tx1"/>
+                </a:solidFill>
+                <a:latin typeface="Calibri" panose="020F0502020204030204" pitchFamily="34" charset="0"/>
+              </a:defRPr>
+            </a:lvl1pPr>
+            <a:lvl2pPr marL="742950" indent="-285750">
+              <a:defRPr>
+                <a:solidFill>
+                  <a:schemeClr val="tx1"/>
+                </a:solidFill>
+                <a:latin typeface="Calibri" panose="020F0502020204030204" pitchFamily="34" charset="0"/>
+              </a:defRPr>
+            </a:lvl2pPr>
+            <a:lvl3pPr marL="1143000" indent="-228600">
+              <a:defRPr>
+                <a:solidFill>
+                  <a:schemeClr val="tx1"/>
+                </a:solidFill>
+                <a:latin typeface="Calibri" panose="020F0502020204030204" pitchFamily="34" charset="0"/>
+              </a:defRPr>
+            </a:lvl3pPr>
+            <a:lvl4pPr marL="1600200" indent="-228600">
+              <a:defRPr>
+                <a:solidFill>
+                  <a:schemeClr val="tx1"/>
+                </a:solidFill>
+                <a:latin typeface="Calibri" panose="020F0502020204030204" pitchFamily="34" charset="0"/>
+              </a:defRPr>
+            </a:lvl4pPr>
+            <a:lvl5pPr marL="2057400" indent="-228600">
+              <a:defRPr>
+                <a:solidFill>
+                  <a:schemeClr val="tx1"/>
+                </a:solidFill>
+                <a:latin typeface="Calibri" panose="020F0502020204030204" pitchFamily="34" charset="0"/>
+              </a:defRPr>
+            </a:lvl5pPr>
+            <a:lvl6pPr marL="2514600" indent="-228600" eaLnBrk="0" fontAlgn="base" hangingPunct="0">
+              <a:spcBef>
+                <a:spcPct val="0"/>
+              </a:spcBef>
+              <a:spcAft>
+                <a:spcPct val="0"/>
+              </a:spcAft>
+              <a:defRPr>
+                <a:solidFill>
+                  <a:schemeClr val="tx1"/>
+                </a:solidFill>
+                <a:latin typeface="Calibri" panose="020F0502020204030204" pitchFamily="34" charset="0"/>
+              </a:defRPr>
+            </a:lvl6pPr>
+            <a:lvl7pPr marL="2971800" indent="-228600" eaLnBrk="0" fontAlgn="base" hangingPunct="0">
+              <a:spcBef>
+                <a:spcPct val="0"/>
+              </a:spcBef>
+              <a:spcAft>
+                <a:spcPct val="0"/>
+              </a:spcAft>
+              <a:defRPr>
+                <a:solidFill>
+                  <a:schemeClr val="tx1"/>
+                </a:solidFill>
+                <a:latin typeface="Calibri" panose="020F0502020204030204" pitchFamily="34" charset="0"/>
+              </a:defRPr>
+            </a:lvl7pPr>
+            <a:lvl8pPr marL="3429000" indent="-228600" eaLnBrk="0" fontAlgn="base" hangingPunct="0">
+              <a:spcBef>
+                <a:spcPct val="0"/>
+              </a:spcBef>
+              <a:spcAft>
+                <a:spcPct val="0"/>
+              </a:spcAft>
+              <a:defRPr>
+                <a:solidFill>
+                  <a:schemeClr val="tx1"/>
+                </a:solidFill>
+                <a:latin typeface="Calibri" panose="020F0502020204030204" pitchFamily="34" charset="0"/>
+              </a:defRPr>
+            </a:lvl8pPr>
+            <a:lvl9pPr marL="3886200" indent="-228600" eaLnBrk="0" fontAlgn="base" hangingPunct="0">
+              <a:spcBef>
+                <a:spcPct val="0"/>
+              </a:spcBef>
+              <a:spcAft>
+                <a:spcPct val="0"/>
+              </a:spcAft>
+              <a:defRPr>
+                <a:solidFill>
+                  <a:schemeClr val="tx1"/>
+                </a:solidFill>
+                <a:latin typeface="Calibri" panose="020F0502020204030204" pitchFamily="34" charset="0"/>
+              </a:defRPr>
+            </a:lvl9pPr>
+          </a:lstStyle>
+          <a:p>
+            <a:pPr algn="ctr" eaLnBrk="1" hangingPunct="1"/>
+            <a:r>
+              <a:rPr lang="en-US" altLang="en-US" sz="1100" dirty="0">
+                <a:latin typeface="Arial" panose="020B0604020202020204" pitchFamily="34" charset="0"/>
+                <a:ea typeface="Amazon Ember" panose="020B0603020204020204" pitchFamily="34" charset="0"/>
+                <a:cs typeface="Arial" panose="020B0604020202020204" pitchFamily="34" charset="0"/>
+              </a:rPr>
+              <a:t>S3 Account Settings</a:t>
+            </a:r>
+          </a:p>
+        </p:txBody>
+      </p:sp>
+      <p:pic>
+        <p:nvPicPr>
+          <p:cNvPr id="58" name="Graphic 8">
+            <a:extLst>
+              <a:ext uri="{FF2B5EF4-FFF2-40B4-BE49-F238E27FC236}">
+                <a16:creationId xmlns:a16="http://schemas.microsoft.com/office/drawing/2014/main" id="{45DD3C80-AF80-F043-9D50-65A7B6DE057C}"/>
+              </a:ext>
+            </a:extLst>
+          </p:cNvPr>
+          <p:cNvPicPr>
+            <a:picLocks noChangeAspect="1" noChangeArrowheads="1"/>
+          </p:cNvPicPr>
+          <p:nvPr/>
+        </p:nvPicPr>
+        <p:blipFill>
+          <a:blip r:embed="rId7">
+            <a:extLst>
+              <a:ext uri="{28A0092B-C50C-407E-A947-70E740481C1C}">
+                <a14:useLocalDpi xmlns:a14="http://schemas.microsoft.com/office/drawing/2010/main" val="0"/>
+              </a:ext>
+            </a:extLst>
+          </a:blip>
+          <a:srcRect/>
+          <a:stretch>
+            <a:fillRect/>
+          </a:stretch>
+        </p:blipFill>
+        <p:spPr bwMode="auto">
+          <a:xfrm>
+            <a:off x="9460668" y="2363627"/>
+            <a:ext cx="457200" cy="457200"/>
+          </a:xfrm>
+          <a:prstGeom prst="rect">
+            <a:avLst/>
+          </a:prstGeom>
+          <a:noFill/>
+          <a:ln>
+            <a:noFill/>
+          </a:ln>
+          <a:extLst>
+            <a:ext uri="{909E8E84-426E-40DD-AFC4-6F175D3DCCD1}">
+              <a14:hiddenFill xmlns:a14="http://schemas.microsoft.com/office/drawing/2010/main">
+                <a:solidFill>
+                  <a:srgbClr val="FFFFFF"/>
+                </a:solidFill>
+              </a14:hiddenFill>
+            </a:ext>
+            <a:ext uri="{91240B29-F687-4F45-9708-019B960494DF}">
+              <a14:hiddenLine xmlns:a14="http://schemas.microsoft.com/office/drawing/2010/main" w="9525">
+                <a:solidFill>
+                  <a:srgbClr val="000000"/>
+                </a:solidFill>
+                <a:miter lim="800000"/>
+                <a:headEnd/>
+                <a:tailEnd/>
+              </a14:hiddenLine>
+            </a:ext>
+          </a:extLst>
+        </p:spPr>
+      </p:pic>
+      <p:sp>
+        <p:nvSpPr>
+          <p:cNvPr id="59" name="TextBox 9">
+            <a:extLst>
+              <a:ext uri="{FF2B5EF4-FFF2-40B4-BE49-F238E27FC236}">
+                <a16:creationId xmlns:a16="http://schemas.microsoft.com/office/drawing/2014/main" id="{A020D221-7DBD-E641-A86D-6BF65AA57425}"/>
+              </a:ext>
+            </a:extLst>
+          </p:cNvPr>
+          <p:cNvSpPr txBox="1">
+            <a:spLocks noChangeArrowheads="1"/>
+          </p:cNvSpPr>
+          <p:nvPr/>
+        </p:nvSpPr>
+        <p:spPr bwMode="auto">
+          <a:xfrm>
+            <a:off x="9233956" y="2831856"/>
+            <a:ext cx="960294" cy="430887"/>
+          </a:xfrm>
+          <a:prstGeom prst="rect">
+            <a:avLst/>
+          </a:prstGeom>
+          <a:noFill/>
+          <a:ln>
+            <a:noFill/>
+          </a:ln>
+          <a:extLst>
+            <a:ext uri="{909E8E84-426E-40DD-AFC4-6F175D3DCCD1}">
+              <a14:hiddenFill xmlns:a14="http://schemas.microsoft.com/office/drawing/2010/main">
+                <a:solidFill>
+                  <a:srgbClr val="FFFFFF"/>
+                </a:solidFill>
+              </a14:hiddenFill>
+            </a:ext>
+            <a:ext uri="{91240B29-F687-4F45-9708-019B960494DF}">
+              <a14:hiddenLine xmlns:a14="http://schemas.microsoft.com/office/drawing/2010/main" w="9525">
+                <a:solidFill>
+                  <a:srgbClr val="000000"/>
+                </a:solidFill>
+                <a:miter lim="800000"/>
+                <a:headEnd/>
+                <a:tailEnd/>
+              </a14:hiddenLine>
+            </a:ext>
+          </a:extLst>
+        </p:spPr>
+        <p:txBody>
+          <a:bodyPr wrap="square">
+            <a:spAutoFit/>
+          </a:bodyPr>
+          <a:lstStyle>
+            <a:lvl1pPr>
+              <a:defRPr>
+                <a:solidFill>
+                  <a:schemeClr val="tx1"/>
+                </a:solidFill>
+                <a:latin typeface="Calibri" panose="020F0502020204030204" pitchFamily="34" charset="0"/>
+              </a:defRPr>
+            </a:lvl1pPr>
+            <a:lvl2pPr marL="742950" indent="-285750">
+              <a:defRPr>
+                <a:solidFill>
+                  <a:schemeClr val="tx1"/>
+                </a:solidFill>
+                <a:latin typeface="Calibri" panose="020F0502020204030204" pitchFamily="34" charset="0"/>
+              </a:defRPr>
+            </a:lvl2pPr>
+            <a:lvl3pPr marL="1143000" indent="-228600">
+              <a:defRPr>
+                <a:solidFill>
+                  <a:schemeClr val="tx1"/>
+                </a:solidFill>
+                <a:latin typeface="Calibri" panose="020F0502020204030204" pitchFamily="34" charset="0"/>
+              </a:defRPr>
+            </a:lvl3pPr>
+            <a:lvl4pPr marL="1600200" indent="-228600">
+              <a:defRPr>
+                <a:solidFill>
+                  <a:schemeClr val="tx1"/>
+                </a:solidFill>
+                <a:latin typeface="Calibri" panose="020F0502020204030204" pitchFamily="34" charset="0"/>
+              </a:defRPr>
+            </a:lvl4pPr>
+            <a:lvl5pPr marL="2057400" indent="-228600">
+              <a:defRPr>
+                <a:solidFill>
+                  <a:schemeClr val="tx1"/>
+                </a:solidFill>
+                <a:latin typeface="Calibri" panose="020F0502020204030204" pitchFamily="34" charset="0"/>
+              </a:defRPr>
+            </a:lvl5pPr>
+            <a:lvl6pPr marL="2514600" indent="-228600" eaLnBrk="0" fontAlgn="base" hangingPunct="0">
+              <a:spcBef>
+                <a:spcPct val="0"/>
+              </a:spcBef>
+              <a:spcAft>
+                <a:spcPct val="0"/>
+              </a:spcAft>
+              <a:defRPr>
+                <a:solidFill>
+                  <a:schemeClr val="tx1"/>
+                </a:solidFill>
+                <a:latin typeface="Calibri" panose="020F0502020204030204" pitchFamily="34" charset="0"/>
+              </a:defRPr>
+            </a:lvl6pPr>
+            <a:lvl7pPr marL="2971800" indent="-228600" eaLnBrk="0" fontAlgn="base" hangingPunct="0">
+              <a:spcBef>
+                <a:spcPct val="0"/>
+              </a:spcBef>
+              <a:spcAft>
+                <a:spcPct val="0"/>
+              </a:spcAft>
+              <a:defRPr>
+                <a:solidFill>
+                  <a:schemeClr val="tx1"/>
+                </a:solidFill>
+                <a:latin typeface="Calibri" panose="020F0502020204030204" pitchFamily="34" charset="0"/>
+              </a:defRPr>
+            </a:lvl7pPr>
+            <a:lvl8pPr marL="3429000" indent="-228600" eaLnBrk="0" fontAlgn="base" hangingPunct="0">
+              <a:spcBef>
+                <a:spcPct val="0"/>
+              </a:spcBef>
+              <a:spcAft>
+                <a:spcPct val="0"/>
+              </a:spcAft>
+              <a:defRPr>
+                <a:solidFill>
+                  <a:schemeClr val="tx1"/>
+                </a:solidFill>
+                <a:latin typeface="Calibri" panose="020F0502020204030204" pitchFamily="34" charset="0"/>
+              </a:defRPr>
+            </a:lvl8pPr>
+            <a:lvl9pPr marL="3886200" indent="-228600" eaLnBrk="0" fontAlgn="base" hangingPunct="0">
+              <a:spcBef>
+                <a:spcPct val="0"/>
+              </a:spcBef>
+              <a:spcAft>
+                <a:spcPct val="0"/>
+              </a:spcAft>
+              <a:defRPr>
+                <a:solidFill>
+                  <a:schemeClr val="tx1"/>
+                </a:solidFill>
+                <a:latin typeface="Calibri" panose="020F0502020204030204" pitchFamily="34" charset="0"/>
+              </a:defRPr>
+            </a:lvl9pPr>
+          </a:lstStyle>
+          <a:p>
+            <a:pPr algn="ctr" eaLnBrk="1" hangingPunct="1"/>
+            <a:r>
+              <a:rPr lang="en-US" altLang="en-US" sz="1100" dirty="0">
+                <a:latin typeface="Arial" panose="020B0604020202020204" pitchFamily="34" charset="0"/>
+                <a:ea typeface="Amazon Ember" panose="020B0603020204020204" pitchFamily="34" charset="0"/>
+                <a:cs typeface="Arial" panose="020B0604020202020204" pitchFamily="34" charset="0"/>
+              </a:rPr>
+              <a:t>S3 Account Settings</a:t>
+            </a:r>
+          </a:p>
+        </p:txBody>
+      </p:sp>
+      <p:sp>
+        <p:nvSpPr>
+          <p:cNvPr id="60" name="TextBox 29">
+            <a:extLst>
+              <a:ext uri="{FF2B5EF4-FFF2-40B4-BE49-F238E27FC236}">
+                <a16:creationId xmlns:a16="http://schemas.microsoft.com/office/drawing/2014/main" id="{7256CFDB-E862-AB4F-AC9E-F667A8C5EADD}"/>
+              </a:ext>
+            </a:extLst>
+          </p:cNvPr>
+          <p:cNvSpPr txBox="1">
+            <a:spLocks noChangeArrowheads="1"/>
+          </p:cNvSpPr>
+          <p:nvPr/>
+        </p:nvSpPr>
+        <p:spPr bwMode="auto">
+          <a:xfrm>
+            <a:off x="8871600" y="1849889"/>
+            <a:ext cx="1521364" cy="430887"/>
+          </a:xfrm>
+          <a:prstGeom prst="rect">
+            <a:avLst/>
+          </a:prstGeom>
+          <a:noFill/>
+          <a:ln>
+            <a:noFill/>
+          </a:ln>
+          <a:extLst>
+            <a:ext uri="{909E8E84-426E-40DD-AFC4-6F175D3DCCD1}">
+              <a14:hiddenFill xmlns:a14="http://schemas.microsoft.com/office/drawing/2010/main">
+                <a:solidFill>
+                  <a:srgbClr val="FFFFFF"/>
+                </a:solidFill>
+              </a14:hiddenFill>
+            </a:ext>
+            <a:ext uri="{91240B29-F687-4F45-9708-019B960494DF}">
+              <a14:hiddenLine xmlns:a14="http://schemas.microsoft.com/office/drawing/2010/main" w="9525">
+                <a:solidFill>
+                  <a:srgbClr val="000000"/>
+                </a:solidFill>
+                <a:miter lim="800000"/>
+                <a:headEnd/>
+                <a:tailEnd/>
+              </a14:hiddenLine>
+            </a:ext>
+          </a:extLst>
+        </p:spPr>
+        <p:txBody>
+          <a:bodyPr wrap="square">
+            <a:spAutoFit/>
+          </a:bodyPr>
+          <a:lstStyle>
+            <a:lvl1pPr>
+              <a:defRPr>
+                <a:solidFill>
+                  <a:schemeClr val="tx1"/>
+                </a:solidFill>
+                <a:latin typeface="Calibri" panose="020F0502020204030204" pitchFamily="34" charset="0"/>
+              </a:defRPr>
+            </a:lvl1pPr>
+            <a:lvl2pPr marL="742950" indent="-285750">
+              <a:defRPr>
+                <a:solidFill>
+                  <a:schemeClr val="tx1"/>
+                </a:solidFill>
+                <a:latin typeface="Calibri" panose="020F0502020204030204" pitchFamily="34" charset="0"/>
+              </a:defRPr>
+            </a:lvl2pPr>
+            <a:lvl3pPr marL="1143000" indent="-228600">
+              <a:defRPr>
+                <a:solidFill>
+                  <a:schemeClr val="tx1"/>
+                </a:solidFill>
+                <a:latin typeface="Calibri" panose="020F0502020204030204" pitchFamily="34" charset="0"/>
+              </a:defRPr>
+            </a:lvl3pPr>
+            <a:lvl4pPr marL="1600200" indent="-228600">
+              <a:defRPr>
+                <a:solidFill>
+                  <a:schemeClr val="tx1"/>
+                </a:solidFill>
+                <a:latin typeface="Calibri" panose="020F0502020204030204" pitchFamily="34" charset="0"/>
+              </a:defRPr>
+            </a:lvl4pPr>
+            <a:lvl5pPr marL="2057400" indent="-228600">
+              <a:defRPr>
+                <a:solidFill>
+                  <a:schemeClr val="tx1"/>
+                </a:solidFill>
+                <a:latin typeface="Calibri" panose="020F0502020204030204" pitchFamily="34" charset="0"/>
+              </a:defRPr>
+            </a:lvl5pPr>
+            <a:lvl6pPr marL="2514600" indent="-228600" eaLnBrk="0" fontAlgn="base" hangingPunct="0">
+              <a:spcBef>
+                <a:spcPct val="0"/>
+              </a:spcBef>
+              <a:spcAft>
+                <a:spcPct val="0"/>
+              </a:spcAft>
+              <a:defRPr>
+                <a:solidFill>
+                  <a:schemeClr val="tx1"/>
+                </a:solidFill>
+                <a:latin typeface="Calibri" panose="020F0502020204030204" pitchFamily="34" charset="0"/>
+              </a:defRPr>
+            </a:lvl6pPr>
+            <a:lvl7pPr marL="2971800" indent="-228600" eaLnBrk="0" fontAlgn="base" hangingPunct="0">
+              <a:spcBef>
+                <a:spcPct val="0"/>
+              </a:spcBef>
+              <a:spcAft>
+                <a:spcPct val="0"/>
+              </a:spcAft>
+              <a:defRPr>
+                <a:solidFill>
+                  <a:schemeClr val="tx1"/>
+                </a:solidFill>
+                <a:latin typeface="Calibri" panose="020F0502020204030204" pitchFamily="34" charset="0"/>
+              </a:defRPr>
+            </a:lvl7pPr>
+            <a:lvl8pPr marL="3429000" indent="-228600" eaLnBrk="0" fontAlgn="base" hangingPunct="0">
+              <a:spcBef>
+                <a:spcPct val="0"/>
+              </a:spcBef>
+              <a:spcAft>
+                <a:spcPct val="0"/>
+              </a:spcAft>
+              <a:defRPr>
+                <a:solidFill>
+                  <a:schemeClr val="tx1"/>
+                </a:solidFill>
+                <a:latin typeface="Calibri" panose="020F0502020204030204" pitchFamily="34" charset="0"/>
+              </a:defRPr>
+            </a:lvl8pPr>
+            <a:lvl9pPr marL="3886200" indent="-228600" eaLnBrk="0" fontAlgn="base" hangingPunct="0">
+              <a:spcBef>
+                <a:spcPct val="0"/>
+              </a:spcBef>
+              <a:spcAft>
+                <a:spcPct val="0"/>
+              </a:spcAft>
+              <a:defRPr>
+                <a:solidFill>
+                  <a:schemeClr val="tx1"/>
+                </a:solidFill>
+                <a:latin typeface="Calibri" panose="020F0502020204030204" pitchFamily="34" charset="0"/>
+              </a:defRPr>
+            </a:lvl9pPr>
+          </a:lstStyle>
+          <a:p>
+            <a:pPr algn="ctr"/>
+            <a:r>
+              <a:rPr lang="en-US" altLang="en-US" sz="1100" dirty="0">
+                <a:latin typeface="Arial" panose="020B0604020202020204" pitchFamily="34" charset="0"/>
+                <a:ea typeface="Amazon Ember" panose="020B0603020204020204" pitchFamily="34" charset="0"/>
+                <a:cs typeface="Arial" panose="020B0604020202020204" pitchFamily="34" charset="0"/>
+              </a:rPr>
+              <a:t>S3 Block Account Public Access Role</a:t>
+            </a:r>
+          </a:p>
+        </p:txBody>
+      </p:sp>
+      <p:pic>
+        <p:nvPicPr>
+          <p:cNvPr id="61" name="Graphic 49">
+            <a:extLst>
+              <a:ext uri="{FF2B5EF4-FFF2-40B4-BE49-F238E27FC236}">
+                <a16:creationId xmlns:a16="http://schemas.microsoft.com/office/drawing/2014/main" id="{222F14F2-0D5F-3A49-B4BE-0AE368E5A3B3}"/>
+              </a:ext>
+            </a:extLst>
+          </p:cNvPr>
+          <p:cNvPicPr>
+            <a:picLocks noChangeAspect="1" noChangeArrowheads="1"/>
+          </p:cNvPicPr>
+          <p:nvPr/>
+        </p:nvPicPr>
+        <p:blipFill>
+          <a:blip r:embed="rId5">
+            <a:extLst>
+              <a:ext uri="{28A0092B-C50C-407E-A947-70E740481C1C}">
+                <a14:useLocalDpi xmlns:a14="http://schemas.microsoft.com/office/drawing/2010/main" val="0"/>
+              </a:ext>
+            </a:extLst>
+          </a:blip>
+          <a:srcRect/>
+          <a:stretch>
+            <a:fillRect/>
+          </a:stretch>
+        </p:blipFill>
+        <p:spPr bwMode="auto">
+          <a:xfrm>
+            <a:off x="9403682" y="1481116"/>
+            <a:ext cx="457200" cy="457200"/>
+          </a:xfrm>
+          <a:prstGeom prst="rect">
+            <a:avLst/>
+          </a:prstGeom>
+          <a:noFill/>
+          <a:ln>
+            <a:noFill/>
+          </a:ln>
+          <a:extLst>
+            <a:ext uri="{909E8E84-426E-40DD-AFC4-6F175D3DCCD1}">
+              <a14:hiddenFill xmlns:a14="http://schemas.microsoft.com/office/drawing/2010/main">
+                <a:solidFill>
+                  <a:srgbClr val="FFFFFF"/>
+                </a:solidFill>
+              </a14:hiddenFill>
+            </a:ext>
+            <a:ext uri="{91240B29-F687-4F45-9708-019B960494DF}">
+              <a14:hiddenLine xmlns:a14="http://schemas.microsoft.com/office/drawing/2010/main" w="9525">
+                <a:solidFill>
+                  <a:srgbClr val="000000"/>
+                </a:solidFill>
+                <a:miter lim="800000"/>
+                <a:headEnd/>
+                <a:tailEnd/>
+              </a14:hiddenLine>
+            </a:ext>
+          </a:extLst>
+        </p:spPr>
+      </p:pic>
+      <p:sp>
+        <p:nvSpPr>
+          <p:cNvPr id="62" name="TextBox 17">
+            <a:extLst>
+              <a:ext uri="{FF2B5EF4-FFF2-40B4-BE49-F238E27FC236}">
+                <a16:creationId xmlns:a16="http://schemas.microsoft.com/office/drawing/2014/main" id="{C27B09C0-4CF5-2042-835C-09CB7BEF2842}"/>
+              </a:ext>
+            </a:extLst>
+          </p:cNvPr>
+          <p:cNvSpPr txBox="1">
+            <a:spLocks noChangeArrowheads="1"/>
+          </p:cNvSpPr>
+          <p:nvPr/>
+        </p:nvSpPr>
+        <p:spPr bwMode="auto">
+          <a:xfrm>
+            <a:off x="3782507" y="2853300"/>
+            <a:ext cx="1362074" cy="261610"/>
+          </a:xfrm>
+          <a:prstGeom prst="rect">
+            <a:avLst/>
+          </a:prstGeom>
+          <a:noFill/>
+          <a:ln>
+            <a:noFill/>
+          </a:ln>
+          <a:extLst>
+            <a:ext uri="{909E8E84-426E-40DD-AFC4-6F175D3DCCD1}">
+              <a14:hiddenFill xmlns:a14="http://schemas.microsoft.com/office/drawing/2010/main">
+                <a:solidFill>
+                  <a:srgbClr val="FFFFFF"/>
+                </a:solidFill>
+              </a14:hiddenFill>
+            </a:ext>
+            <a:ext uri="{91240B29-F687-4F45-9708-019B960494DF}">
+              <a14:hiddenLine xmlns:a14="http://schemas.microsoft.com/office/drawing/2010/main" w="9525">
+                <a:solidFill>
+                  <a:srgbClr val="000000"/>
+                </a:solidFill>
+                <a:miter lim="800000"/>
+                <a:headEnd/>
+                <a:tailEnd/>
+              </a14:hiddenLine>
+            </a:ext>
+          </a:extLst>
+        </p:spPr>
+        <p:txBody>
+          <a:bodyPr wrap="square">
+            <a:spAutoFit/>
+          </a:bodyPr>
+          <a:lstStyle>
+            <a:lvl1pPr>
+              <a:defRPr>
+                <a:solidFill>
+                  <a:schemeClr val="tx1"/>
+                </a:solidFill>
+                <a:latin typeface="Calibri" panose="020F0502020204030204" pitchFamily="34" charset="0"/>
+              </a:defRPr>
+            </a:lvl1pPr>
+            <a:lvl2pPr marL="742950" indent="-285750">
+              <a:defRPr>
+                <a:solidFill>
+                  <a:schemeClr val="tx1"/>
+                </a:solidFill>
+                <a:latin typeface="Calibri" panose="020F0502020204030204" pitchFamily="34" charset="0"/>
+              </a:defRPr>
+            </a:lvl2pPr>
+            <a:lvl3pPr marL="1143000" indent="-228600">
+              <a:defRPr>
+                <a:solidFill>
+                  <a:schemeClr val="tx1"/>
+                </a:solidFill>
+                <a:latin typeface="Calibri" panose="020F0502020204030204" pitchFamily="34" charset="0"/>
+              </a:defRPr>
+            </a:lvl3pPr>
+            <a:lvl4pPr marL="1600200" indent="-228600">
+              <a:defRPr>
+                <a:solidFill>
+                  <a:schemeClr val="tx1"/>
+                </a:solidFill>
+                <a:latin typeface="Calibri" panose="020F0502020204030204" pitchFamily="34" charset="0"/>
+              </a:defRPr>
+            </a:lvl4pPr>
+            <a:lvl5pPr marL="2057400" indent="-228600">
+              <a:defRPr>
+                <a:solidFill>
+                  <a:schemeClr val="tx1"/>
+                </a:solidFill>
+                <a:latin typeface="Calibri" panose="020F0502020204030204" pitchFamily="34" charset="0"/>
+              </a:defRPr>
+            </a:lvl5pPr>
+            <a:lvl6pPr marL="2514600" indent="-228600" eaLnBrk="0" fontAlgn="base" hangingPunct="0">
+              <a:spcBef>
+                <a:spcPct val="0"/>
+              </a:spcBef>
+              <a:spcAft>
+                <a:spcPct val="0"/>
+              </a:spcAft>
+              <a:defRPr>
+                <a:solidFill>
+                  <a:schemeClr val="tx1"/>
+                </a:solidFill>
+                <a:latin typeface="Calibri" panose="020F0502020204030204" pitchFamily="34" charset="0"/>
+              </a:defRPr>
+            </a:lvl6pPr>
+            <a:lvl7pPr marL="2971800" indent="-228600" eaLnBrk="0" fontAlgn="base" hangingPunct="0">
+              <a:spcBef>
+                <a:spcPct val="0"/>
+              </a:spcBef>
+              <a:spcAft>
+                <a:spcPct val="0"/>
+              </a:spcAft>
+              <a:defRPr>
+                <a:solidFill>
+                  <a:schemeClr val="tx1"/>
+                </a:solidFill>
+                <a:latin typeface="Calibri" panose="020F0502020204030204" pitchFamily="34" charset="0"/>
+              </a:defRPr>
+            </a:lvl7pPr>
+            <a:lvl8pPr marL="3429000" indent="-228600" eaLnBrk="0" fontAlgn="base" hangingPunct="0">
+              <a:spcBef>
+                <a:spcPct val="0"/>
+              </a:spcBef>
+              <a:spcAft>
+                <a:spcPct val="0"/>
+              </a:spcAft>
+              <a:defRPr>
+                <a:solidFill>
+                  <a:schemeClr val="tx1"/>
+                </a:solidFill>
+                <a:latin typeface="Calibri" panose="020F0502020204030204" pitchFamily="34" charset="0"/>
+              </a:defRPr>
+            </a:lvl8pPr>
+            <a:lvl9pPr marL="3886200" indent="-228600" eaLnBrk="0" fontAlgn="base" hangingPunct="0">
+              <a:spcBef>
+                <a:spcPct val="0"/>
+              </a:spcBef>
+              <a:spcAft>
+                <a:spcPct val="0"/>
+              </a:spcAft>
+              <a:defRPr>
+                <a:solidFill>
+                  <a:schemeClr val="tx1"/>
+                </a:solidFill>
+                <a:latin typeface="Calibri" panose="020F0502020204030204" pitchFamily="34" charset="0"/>
+              </a:defRPr>
+            </a:lvl9pPr>
+          </a:lstStyle>
+          <a:p>
+            <a:pPr algn="ctr" eaLnBrk="1" hangingPunct="1"/>
+            <a:r>
+              <a:rPr lang="en-US" altLang="en-US" sz="1100" dirty="0">
+                <a:latin typeface="Arial" panose="020B0604020202020204" pitchFamily="34" charset="0"/>
+                <a:ea typeface="Amazon Ember" panose="020B0603020204020204" pitchFamily="34" charset="0"/>
+                <a:cs typeface="Arial" panose="020B0604020202020204" pitchFamily="34" charset="0"/>
+              </a:rPr>
+              <a:t>Lambda Function</a:t>
+            </a:r>
+          </a:p>
+        </p:txBody>
+      </p:sp>
+      <p:pic>
+        <p:nvPicPr>
+          <p:cNvPr id="63" name="Graphic 13">
+            <a:extLst>
+              <a:ext uri="{FF2B5EF4-FFF2-40B4-BE49-F238E27FC236}">
+                <a16:creationId xmlns:a16="http://schemas.microsoft.com/office/drawing/2014/main" id="{F956D650-C517-B043-A7F7-96C1963A21A0}"/>
+              </a:ext>
+            </a:extLst>
+          </p:cNvPr>
+          <p:cNvPicPr>
+            <a:picLocks noChangeAspect="1" noChangeArrowheads="1"/>
+          </p:cNvPicPr>
+          <p:nvPr/>
+        </p:nvPicPr>
+        <p:blipFill>
+          <a:blip r:embed="rId8">
+            <a:extLst>
+              <a:ext uri="{28A0092B-C50C-407E-A947-70E740481C1C}">
+                <a14:useLocalDpi xmlns:a14="http://schemas.microsoft.com/office/drawing/2010/main" val="0"/>
+              </a:ext>
+            </a:extLst>
+          </a:blip>
+          <a:srcRect/>
+          <a:stretch>
+            <a:fillRect/>
+          </a:stretch>
+        </p:blipFill>
+        <p:spPr bwMode="auto">
+          <a:xfrm>
+            <a:off x="4243433" y="2373875"/>
+            <a:ext cx="457200" cy="457200"/>
+          </a:xfrm>
+          <a:prstGeom prst="rect">
+            <a:avLst/>
+          </a:prstGeom>
+          <a:noFill/>
+          <a:ln>
+            <a:noFill/>
+          </a:ln>
+          <a:extLst>
+            <a:ext uri="{909E8E84-426E-40DD-AFC4-6F175D3DCCD1}">
+              <a14:hiddenFill xmlns:a14="http://schemas.microsoft.com/office/drawing/2010/main">
+                <a:solidFill>
+                  <a:srgbClr val="FFFFFF"/>
+                </a:solidFill>
+              </a14:hiddenFill>
+            </a:ext>
+            <a:ext uri="{91240B29-F687-4F45-9708-019B960494DF}">
+              <a14:hiddenLine xmlns:a14="http://schemas.microsoft.com/office/drawing/2010/main" w="9525">
+                <a:solidFill>
+                  <a:srgbClr val="000000"/>
+                </a:solidFill>
+                <a:miter lim="800000"/>
+                <a:headEnd/>
+                <a:tailEnd/>
+              </a14:hiddenLine>
+            </a:ext>
+          </a:extLst>
+        </p:spPr>
+      </p:pic>
+      <p:pic>
+        <p:nvPicPr>
+          <p:cNvPr id="64" name="Graphic 7">
+            <a:extLst>
+              <a:ext uri="{FF2B5EF4-FFF2-40B4-BE49-F238E27FC236}">
+                <a16:creationId xmlns:a16="http://schemas.microsoft.com/office/drawing/2014/main" id="{323145FD-C8DF-254B-A24D-00876CC45B93}"/>
+              </a:ext>
+            </a:extLst>
+          </p:cNvPr>
+          <p:cNvPicPr>
+            <a:picLocks noChangeAspect="1" noChangeArrowheads="1"/>
+          </p:cNvPicPr>
+          <p:nvPr/>
+        </p:nvPicPr>
+        <p:blipFill>
+          <a:blip r:embed="rId9">
+            <a:extLst>
+              <a:ext uri="{28A0092B-C50C-407E-A947-70E740481C1C}">
+                <a14:useLocalDpi xmlns:a14="http://schemas.microsoft.com/office/drawing/2010/main" val="0"/>
+              </a:ext>
+            </a:extLst>
+          </a:blip>
+          <a:srcRect/>
+          <a:stretch>
+            <a:fillRect/>
+          </a:stretch>
+        </p:blipFill>
+        <p:spPr bwMode="auto">
+          <a:xfrm>
+            <a:off x="4234793" y="3322462"/>
+            <a:ext cx="457200" cy="457200"/>
+          </a:xfrm>
+          <a:prstGeom prst="rect">
+            <a:avLst/>
+          </a:prstGeom>
+          <a:noFill/>
+          <a:ln>
+            <a:noFill/>
+          </a:ln>
+          <a:extLst>
+            <a:ext uri="{909E8E84-426E-40DD-AFC4-6F175D3DCCD1}">
+              <a14:hiddenFill xmlns:a14="http://schemas.microsoft.com/office/drawing/2010/main">
+                <a:solidFill>
+                  <a:srgbClr val="FFFFFF"/>
+                </a:solidFill>
+              </a14:hiddenFill>
+            </a:ext>
+            <a:ext uri="{91240B29-F687-4F45-9708-019B960494DF}">
+              <a14:hiddenLine xmlns:a14="http://schemas.microsoft.com/office/drawing/2010/main" w="9525">
+                <a:solidFill>
+                  <a:srgbClr val="000000"/>
+                </a:solidFill>
+                <a:miter lim="800000"/>
+                <a:headEnd/>
+                <a:tailEnd/>
+              </a14:hiddenLine>
+            </a:ext>
+          </a:extLst>
+        </p:spPr>
+      </p:pic>
+      <p:sp>
+        <p:nvSpPr>
+          <p:cNvPr id="65" name="TextBox 31">
+            <a:extLst>
+              <a:ext uri="{FF2B5EF4-FFF2-40B4-BE49-F238E27FC236}">
+                <a16:creationId xmlns:a16="http://schemas.microsoft.com/office/drawing/2014/main" id="{E56420B5-7428-9044-8F07-51CF19F1FC4F}"/>
+              </a:ext>
+            </a:extLst>
+          </p:cNvPr>
+          <p:cNvSpPr txBox="1">
+            <a:spLocks noChangeArrowheads="1"/>
+          </p:cNvSpPr>
+          <p:nvPr/>
+        </p:nvSpPr>
+        <p:spPr bwMode="auto">
+          <a:xfrm>
+            <a:off x="3800656" y="3773313"/>
+            <a:ext cx="1163639" cy="430887"/>
+          </a:xfrm>
+          <a:prstGeom prst="rect">
+            <a:avLst/>
+          </a:prstGeom>
+          <a:noFill/>
+          <a:ln>
+            <a:noFill/>
+          </a:ln>
+          <a:extLst>
+            <a:ext uri="{909E8E84-426E-40DD-AFC4-6F175D3DCCD1}">
+              <a14:hiddenFill xmlns:a14="http://schemas.microsoft.com/office/drawing/2010/main">
+                <a:solidFill>
+                  <a:srgbClr val="FFFFFF"/>
+                </a:solidFill>
+              </a14:hiddenFill>
+            </a:ext>
+            <a:ext uri="{91240B29-F687-4F45-9708-019B960494DF}">
+              <a14:hiddenLine xmlns:a14="http://schemas.microsoft.com/office/drawing/2010/main" w="9525">
+                <a:solidFill>
+                  <a:srgbClr val="000000"/>
+                </a:solidFill>
+                <a:miter lim="800000"/>
+                <a:headEnd/>
+                <a:tailEnd/>
+              </a14:hiddenLine>
+            </a:ext>
+          </a:extLst>
+        </p:spPr>
+        <p:txBody>
+          <a:bodyPr wrap="square">
+            <a:spAutoFit/>
+          </a:bodyPr>
+          <a:lstStyle>
+            <a:lvl1pPr>
+              <a:defRPr>
+                <a:solidFill>
+                  <a:schemeClr val="tx1"/>
+                </a:solidFill>
+                <a:latin typeface="Calibri" panose="020F0502020204030204" pitchFamily="34" charset="0"/>
+              </a:defRPr>
+            </a:lvl1pPr>
+            <a:lvl2pPr marL="742950" indent="-285750">
+              <a:defRPr>
+                <a:solidFill>
+                  <a:schemeClr val="tx1"/>
+                </a:solidFill>
+                <a:latin typeface="Calibri" panose="020F0502020204030204" pitchFamily="34" charset="0"/>
+              </a:defRPr>
+            </a:lvl2pPr>
+            <a:lvl3pPr marL="1143000" indent="-228600">
+              <a:defRPr>
+                <a:solidFill>
+                  <a:schemeClr val="tx1"/>
+                </a:solidFill>
+                <a:latin typeface="Calibri" panose="020F0502020204030204" pitchFamily="34" charset="0"/>
+              </a:defRPr>
+            </a:lvl3pPr>
+            <a:lvl4pPr marL="1600200" indent="-228600">
+              <a:defRPr>
+                <a:solidFill>
+                  <a:schemeClr val="tx1"/>
+                </a:solidFill>
+                <a:latin typeface="Calibri" panose="020F0502020204030204" pitchFamily="34" charset="0"/>
+              </a:defRPr>
+            </a:lvl4pPr>
+            <a:lvl5pPr marL="2057400" indent="-228600">
+              <a:defRPr>
+                <a:solidFill>
+                  <a:schemeClr val="tx1"/>
+                </a:solidFill>
+                <a:latin typeface="Calibri" panose="020F0502020204030204" pitchFamily="34" charset="0"/>
+              </a:defRPr>
+            </a:lvl5pPr>
+            <a:lvl6pPr marL="2514600" indent="-228600" eaLnBrk="0" fontAlgn="base" hangingPunct="0">
+              <a:spcBef>
+                <a:spcPct val="0"/>
+              </a:spcBef>
+              <a:spcAft>
+                <a:spcPct val="0"/>
+              </a:spcAft>
+              <a:defRPr>
+                <a:solidFill>
+                  <a:schemeClr val="tx1"/>
+                </a:solidFill>
+                <a:latin typeface="Calibri" panose="020F0502020204030204" pitchFamily="34" charset="0"/>
+              </a:defRPr>
+            </a:lvl6pPr>
+            <a:lvl7pPr marL="2971800" indent="-228600" eaLnBrk="0" fontAlgn="base" hangingPunct="0">
+              <a:spcBef>
+                <a:spcPct val="0"/>
+              </a:spcBef>
+              <a:spcAft>
+                <a:spcPct val="0"/>
+              </a:spcAft>
+              <a:defRPr>
+                <a:solidFill>
+                  <a:schemeClr val="tx1"/>
+                </a:solidFill>
+                <a:latin typeface="Calibri" panose="020F0502020204030204" pitchFamily="34" charset="0"/>
+              </a:defRPr>
+            </a:lvl7pPr>
+            <a:lvl8pPr marL="3429000" indent="-228600" eaLnBrk="0" fontAlgn="base" hangingPunct="0">
+              <a:spcBef>
+                <a:spcPct val="0"/>
+              </a:spcBef>
+              <a:spcAft>
+                <a:spcPct val="0"/>
+              </a:spcAft>
+              <a:defRPr>
+                <a:solidFill>
+                  <a:schemeClr val="tx1"/>
+                </a:solidFill>
+                <a:latin typeface="Calibri" panose="020F0502020204030204" pitchFamily="34" charset="0"/>
+              </a:defRPr>
+            </a:lvl8pPr>
+            <a:lvl9pPr marL="3886200" indent="-228600" eaLnBrk="0" fontAlgn="base" hangingPunct="0">
+              <a:spcBef>
+                <a:spcPct val="0"/>
+              </a:spcBef>
+              <a:spcAft>
+                <a:spcPct val="0"/>
+              </a:spcAft>
+              <a:defRPr>
+                <a:solidFill>
+                  <a:schemeClr val="tx1"/>
+                </a:solidFill>
+                <a:latin typeface="Calibri" panose="020F0502020204030204" pitchFamily="34" charset="0"/>
+              </a:defRPr>
+            </a:lvl9pPr>
+          </a:lstStyle>
+          <a:p>
+            <a:pPr algn="ctr" eaLnBrk="1" hangingPunct="1"/>
+            <a:r>
+              <a:rPr lang="en-US" altLang="en-US" sz="1100" dirty="0">
+                <a:latin typeface="Arial" panose="020B0604020202020204" pitchFamily="34" charset="0"/>
+                <a:ea typeface="Amazon Ember" panose="020B0603020204020204" pitchFamily="34" charset="0"/>
+                <a:cs typeface="Arial" panose="020B0604020202020204" pitchFamily="34" charset="0"/>
+              </a:rPr>
+              <a:t>CloudWatch Log Group</a:t>
+            </a:r>
+          </a:p>
+        </p:txBody>
+      </p:sp>
+      <p:sp>
+        <p:nvSpPr>
+          <p:cNvPr id="66" name="TextBox 29">
+            <a:extLst>
+              <a:ext uri="{FF2B5EF4-FFF2-40B4-BE49-F238E27FC236}">
+                <a16:creationId xmlns:a16="http://schemas.microsoft.com/office/drawing/2014/main" id="{9E0E69DC-60E3-2C4F-8D4D-5FADBFDF3FC2}"/>
+              </a:ext>
+            </a:extLst>
+          </p:cNvPr>
+          <p:cNvSpPr txBox="1">
+            <a:spLocks noChangeArrowheads="1"/>
+          </p:cNvSpPr>
+          <p:nvPr/>
+        </p:nvSpPr>
+        <p:spPr bwMode="auto">
+          <a:xfrm>
+            <a:off x="4799893" y="2269201"/>
+            <a:ext cx="1119613" cy="261610"/>
+          </a:xfrm>
+          <a:prstGeom prst="rect">
+            <a:avLst/>
+          </a:prstGeom>
+          <a:noFill/>
+          <a:ln>
+            <a:noFill/>
+          </a:ln>
+          <a:extLst>
+            <a:ext uri="{909E8E84-426E-40DD-AFC4-6F175D3DCCD1}">
+              <a14:hiddenFill xmlns:a14="http://schemas.microsoft.com/office/drawing/2010/main">
+                <a:solidFill>
+                  <a:srgbClr val="FFFFFF"/>
+                </a:solidFill>
+              </a14:hiddenFill>
+            </a:ext>
+            <a:ext uri="{91240B29-F687-4F45-9708-019B960494DF}">
+              <a14:hiddenLine xmlns:a14="http://schemas.microsoft.com/office/drawing/2010/main" w="9525">
+                <a:solidFill>
+                  <a:srgbClr val="000000"/>
+                </a:solidFill>
+                <a:miter lim="800000"/>
+                <a:headEnd/>
+                <a:tailEnd/>
+              </a14:hiddenLine>
+            </a:ext>
+          </a:extLst>
+        </p:spPr>
+        <p:txBody>
+          <a:bodyPr wrap="square">
+            <a:spAutoFit/>
+          </a:bodyPr>
+          <a:lstStyle>
+            <a:lvl1pPr>
+              <a:defRPr>
+                <a:solidFill>
+                  <a:schemeClr val="tx1"/>
+                </a:solidFill>
+                <a:latin typeface="Calibri" panose="020F0502020204030204" pitchFamily="34" charset="0"/>
+              </a:defRPr>
+            </a:lvl1pPr>
+            <a:lvl2pPr marL="742950" indent="-285750">
+              <a:defRPr>
+                <a:solidFill>
+                  <a:schemeClr val="tx1"/>
+                </a:solidFill>
+                <a:latin typeface="Calibri" panose="020F0502020204030204" pitchFamily="34" charset="0"/>
+              </a:defRPr>
+            </a:lvl2pPr>
+            <a:lvl3pPr marL="1143000" indent="-228600">
+              <a:defRPr>
+                <a:solidFill>
+                  <a:schemeClr val="tx1"/>
+                </a:solidFill>
+                <a:latin typeface="Calibri" panose="020F0502020204030204" pitchFamily="34" charset="0"/>
+              </a:defRPr>
+            </a:lvl3pPr>
+            <a:lvl4pPr marL="1600200" indent="-228600">
+              <a:defRPr>
+                <a:solidFill>
+                  <a:schemeClr val="tx1"/>
+                </a:solidFill>
+                <a:latin typeface="Calibri" panose="020F0502020204030204" pitchFamily="34" charset="0"/>
+              </a:defRPr>
+            </a:lvl4pPr>
+            <a:lvl5pPr marL="2057400" indent="-228600">
+              <a:defRPr>
+                <a:solidFill>
+                  <a:schemeClr val="tx1"/>
+                </a:solidFill>
+                <a:latin typeface="Calibri" panose="020F0502020204030204" pitchFamily="34" charset="0"/>
+              </a:defRPr>
+            </a:lvl5pPr>
+            <a:lvl6pPr marL="2514600" indent="-228600" eaLnBrk="0" fontAlgn="base" hangingPunct="0">
+              <a:spcBef>
+                <a:spcPct val="0"/>
+              </a:spcBef>
+              <a:spcAft>
+                <a:spcPct val="0"/>
+              </a:spcAft>
+              <a:defRPr>
+                <a:solidFill>
+                  <a:schemeClr val="tx1"/>
+                </a:solidFill>
+                <a:latin typeface="Calibri" panose="020F0502020204030204" pitchFamily="34" charset="0"/>
+              </a:defRPr>
+            </a:lvl6pPr>
+            <a:lvl7pPr marL="2971800" indent="-228600" eaLnBrk="0" fontAlgn="base" hangingPunct="0">
+              <a:spcBef>
+                <a:spcPct val="0"/>
+              </a:spcBef>
+              <a:spcAft>
+                <a:spcPct val="0"/>
+              </a:spcAft>
+              <a:defRPr>
+                <a:solidFill>
+                  <a:schemeClr val="tx1"/>
+                </a:solidFill>
+                <a:latin typeface="Calibri" panose="020F0502020204030204" pitchFamily="34" charset="0"/>
+              </a:defRPr>
+            </a:lvl7pPr>
+            <a:lvl8pPr marL="3429000" indent="-228600" eaLnBrk="0" fontAlgn="base" hangingPunct="0">
+              <a:spcBef>
+                <a:spcPct val="0"/>
+              </a:spcBef>
+              <a:spcAft>
+                <a:spcPct val="0"/>
+              </a:spcAft>
+              <a:defRPr>
+                <a:solidFill>
+                  <a:schemeClr val="tx1"/>
+                </a:solidFill>
+                <a:latin typeface="Calibri" panose="020F0502020204030204" pitchFamily="34" charset="0"/>
+              </a:defRPr>
+            </a:lvl8pPr>
+            <a:lvl9pPr marL="3886200" indent="-228600" eaLnBrk="0" fontAlgn="base" hangingPunct="0">
+              <a:spcBef>
+                <a:spcPct val="0"/>
+              </a:spcBef>
+              <a:spcAft>
+                <a:spcPct val="0"/>
+              </a:spcAft>
+              <a:defRPr>
+                <a:solidFill>
+                  <a:schemeClr val="tx1"/>
+                </a:solidFill>
+                <a:latin typeface="Calibri" panose="020F0502020204030204" pitchFamily="34" charset="0"/>
+              </a:defRPr>
+            </a:lvl9pPr>
+          </a:lstStyle>
+          <a:p>
+            <a:pPr algn="ctr" eaLnBrk="1" hangingPunct="1"/>
+            <a:r>
+              <a:rPr lang="en-US" altLang="en-US" sz="1100" dirty="0">
+                <a:latin typeface="Arial" panose="020B0604020202020204" pitchFamily="34" charset="0"/>
+                <a:ea typeface="Amazon Ember" panose="020B0603020204020204" pitchFamily="34" charset="0"/>
+                <a:cs typeface="Arial" panose="020B0604020202020204" pitchFamily="34" charset="0"/>
+              </a:rPr>
+              <a:t>Lambda Role</a:t>
+            </a:r>
+          </a:p>
+        </p:txBody>
+      </p:sp>
+      <p:pic>
+        <p:nvPicPr>
+          <p:cNvPr id="67" name="Graphic 49">
+            <a:extLst>
+              <a:ext uri="{FF2B5EF4-FFF2-40B4-BE49-F238E27FC236}">
+                <a16:creationId xmlns:a16="http://schemas.microsoft.com/office/drawing/2014/main" id="{C6A8E1EE-C7EC-154E-A17B-9AAAC0C20DBD}"/>
+              </a:ext>
+            </a:extLst>
+          </p:cNvPr>
+          <p:cNvPicPr>
+            <a:picLocks noChangeAspect="1" noChangeArrowheads="1"/>
+          </p:cNvPicPr>
+          <p:nvPr/>
+        </p:nvPicPr>
+        <p:blipFill>
+          <a:blip r:embed="rId5">
+            <a:extLst>
+              <a:ext uri="{28A0092B-C50C-407E-A947-70E740481C1C}">
+                <a14:useLocalDpi xmlns:a14="http://schemas.microsoft.com/office/drawing/2010/main" val="0"/>
+              </a:ext>
+            </a:extLst>
+          </a:blip>
+          <a:srcRect/>
+          <a:stretch>
+            <a:fillRect/>
+          </a:stretch>
+        </p:blipFill>
+        <p:spPr bwMode="auto">
+          <a:xfrm>
+            <a:off x="5131099" y="1883031"/>
+            <a:ext cx="457200" cy="457200"/>
+          </a:xfrm>
+          <a:prstGeom prst="rect">
+            <a:avLst/>
+          </a:prstGeom>
+          <a:noFill/>
+          <a:ln>
+            <a:noFill/>
+          </a:ln>
+          <a:extLst>
+            <a:ext uri="{909E8E84-426E-40DD-AFC4-6F175D3DCCD1}">
+              <a14:hiddenFill xmlns:a14="http://schemas.microsoft.com/office/drawing/2010/main">
+                <a:solidFill>
+                  <a:srgbClr val="FFFFFF"/>
+                </a:solidFill>
+              </a14:hiddenFill>
+            </a:ext>
+            <a:ext uri="{91240B29-F687-4F45-9708-019B960494DF}">
+              <a14:hiddenLine xmlns:a14="http://schemas.microsoft.com/office/drawing/2010/main" w="9525">
+                <a:solidFill>
+                  <a:srgbClr val="000000"/>
+                </a:solidFill>
+                <a:miter lim="800000"/>
+                <a:headEnd/>
+                <a:tailEnd/>
+              </a14:hiddenLine>
+            </a:ext>
+          </a:extLst>
+        </p:spPr>
+      </p:pic>
+      <p:cxnSp>
+        <p:nvCxnSpPr>
+          <p:cNvPr id="3" name="Elbow Connector 2">
+            <a:extLst>
+              <a:ext uri="{FF2B5EF4-FFF2-40B4-BE49-F238E27FC236}">
+                <a16:creationId xmlns:a16="http://schemas.microsoft.com/office/drawing/2014/main" id="{DF8D6342-EA81-3644-A18F-C2FCB1834586}"/>
+              </a:ext>
+            </a:extLst>
+          </p:cNvPr>
+          <p:cNvCxnSpPr>
+            <a:stCxn id="54" idx="0"/>
+            <a:endCxn id="63" idx="1"/>
+          </p:cNvCxnSpPr>
+          <p:nvPr/>
+        </p:nvCxnSpPr>
+        <p:spPr>
+          <a:xfrm rot="5400000" flipH="1" flipV="1">
+            <a:off x="3352059" y="2431089"/>
+            <a:ext cx="719987" cy="1062761"/>
+          </a:xfrm>
+          <a:prstGeom prst="bentConnector2">
+            <a:avLst/>
+          </a:prstGeom>
+          <a:ln>
+            <a:tailEnd type="triangle"/>
+          </a:ln>
+        </p:spPr>
+        <p:style>
+          <a:lnRef idx="1">
+            <a:schemeClr val="dk1"/>
+          </a:lnRef>
+          <a:fillRef idx="0">
+            <a:schemeClr val="dk1"/>
+          </a:fillRef>
+          <a:effectRef idx="0">
+            <a:schemeClr val="dk1"/>
+          </a:effectRef>
+          <a:fontRef idx="minor">
+            <a:schemeClr val="tx1"/>
+          </a:fontRef>
+        </p:style>
+      </p:cxnSp>
+      <p:cxnSp>
+        <p:nvCxnSpPr>
+          <p:cNvPr id="5" name="Straight Arrow Connector 4">
+            <a:extLst>
+              <a:ext uri="{FF2B5EF4-FFF2-40B4-BE49-F238E27FC236}">
+                <a16:creationId xmlns:a16="http://schemas.microsoft.com/office/drawing/2014/main" id="{1B308E61-8BF4-6445-8037-A93BF42BA271}"/>
+              </a:ext>
+            </a:extLst>
+          </p:cNvPr>
+          <p:cNvCxnSpPr>
+            <a:stCxn id="63" idx="3"/>
+            <a:endCxn id="56" idx="1"/>
+          </p:cNvCxnSpPr>
+          <p:nvPr/>
+        </p:nvCxnSpPr>
+        <p:spPr>
+          <a:xfrm>
+            <a:off x="4700633" y="2602475"/>
+            <a:ext cx="1491149" cy="2673"/>
+          </a:xfrm>
+          <a:prstGeom prst="straightConnector1">
+            <a:avLst/>
+          </a:prstGeom>
+          <a:ln>
+            <a:tailEnd type="triangle"/>
+          </a:ln>
+        </p:spPr>
+        <p:style>
+          <a:lnRef idx="1">
+            <a:schemeClr val="dk1"/>
+          </a:lnRef>
+          <a:fillRef idx="0">
+            <a:schemeClr val="dk1"/>
+          </a:fillRef>
+          <a:effectRef idx="0">
+            <a:schemeClr val="dk1"/>
+          </a:effectRef>
+          <a:fontRef idx="minor">
+            <a:schemeClr val="tx1"/>
+          </a:fontRef>
+        </p:style>
+      </p:cxnSp>
+      <p:cxnSp>
+        <p:nvCxnSpPr>
+          <p:cNvPr id="72" name="Straight Arrow Connector 71">
+            <a:extLst>
+              <a:ext uri="{FF2B5EF4-FFF2-40B4-BE49-F238E27FC236}">
+                <a16:creationId xmlns:a16="http://schemas.microsoft.com/office/drawing/2014/main" id="{B7182CD6-CC59-1444-B9F0-3A68FF14F0D4}"/>
+              </a:ext>
+            </a:extLst>
+          </p:cNvPr>
+          <p:cNvCxnSpPr>
+            <a:cxnSpLocks/>
+            <a:stCxn id="62" idx="2"/>
+            <a:endCxn id="64" idx="0"/>
+          </p:cNvCxnSpPr>
+          <p:nvPr/>
+        </p:nvCxnSpPr>
+        <p:spPr>
+          <a:xfrm flipH="1">
+            <a:off x="4463393" y="3114910"/>
+            <a:ext cx="151" cy="207552"/>
+          </a:xfrm>
+          <a:prstGeom prst="straightConnector1">
+            <a:avLst/>
+          </a:prstGeom>
+          <a:ln>
+            <a:tailEnd type="triangle"/>
+          </a:ln>
+        </p:spPr>
+        <p:style>
+          <a:lnRef idx="1">
+            <a:schemeClr val="dk1"/>
+          </a:lnRef>
+          <a:fillRef idx="0">
+            <a:schemeClr val="dk1"/>
+          </a:fillRef>
+          <a:effectRef idx="0">
+            <a:schemeClr val="dk1"/>
+          </a:effectRef>
+          <a:fontRef idx="minor">
+            <a:schemeClr val="tx1"/>
+          </a:fontRef>
+        </p:style>
+      </p:cxnSp>
+      <p:sp>
+        <p:nvSpPr>
+          <p:cNvPr id="75" name="TextBox 23">
+            <a:extLst>
+              <a:ext uri="{FF2B5EF4-FFF2-40B4-BE49-F238E27FC236}">
+                <a16:creationId xmlns:a16="http://schemas.microsoft.com/office/drawing/2014/main" id="{7F958851-8145-014D-BFA0-3124A10BD4F4}"/>
+              </a:ext>
+            </a:extLst>
+          </p:cNvPr>
+          <p:cNvSpPr txBox="1">
+            <a:spLocks noChangeArrowheads="1"/>
+          </p:cNvSpPr>
+          <p:nvPr/>
+        </p:nvSpPr>
+        <p:spPr bwMode="auto">
+          <a:xfrm>
+            <a:off x="2478107" y="1878269"/>
+            <a:ext cx="1455047" cy="430887"/>
+          </a:xfrm>
+          <a:prstGeom prst="rect">
+            <a:avLst/>
+          </a:prstGeom>
+          <a:noFill/>
+          <a:ln>
+            <a:noFill/>
+          </a:ln>
+          <a:extLst>
+            <a:ext uri="{909E8E84-426E-40DD-AFC4-6F175D3DCCD1}">
+              <a14:hiddenFill xmlns:a14="http://schemas.microsoft.com/office/drawing/2010/main">
+                <a:solidFill>
+                  <a:srgbClr val="FFFFFF"/>
+                </a:solidFill>
+              </a14:hiddenFill>
+            </a:ext>
+            <a:ext uri="{91240B29-F687-4F45-9708-019B960494DF}">
+              <a14:hiddenLine xmlns:a14="http://schemas.microsoft.com/office/drawing/2010/main" w="9525">
+                <a:solidFill>
+                  <a:srgbClr val="000000"/>
+                </a:solidFill>
+                <a:miter lim="800000"/>
+                <a:headEnd/>
+                <a:tailEnd/>
+              </a14:hiddenLine>
+            </a:ext>
+          </a:extLst>
+        </p:spPr>
+        <p:txBody>
+          <a:bodyPr wrap="square">
+            <a:spAutoFit/>
+          </a:bodyPr>
+          <a:lstStyle>
+            <a:lvl1pPr>
+              <a:defRPr>
+                <a:solidFill>
+                  <a:schemeClr val="tx1"/>
+                </a:solidFill>
+                <a:latin typeface="Calibri" panose="020F0502020204030204" pitchFamily="34" charset="0"/>
+              </a:defRPr>
+            </a:lvl1pPr>
+            <a:lvl2pPr marL="742950" indent="-285750">
+              <a:defRPr>
+                <a:solidFill>
+                  <a:schemeClr val="tx1"/>
+                </a:solidFill>
+                <a:latin typeface="Calibri" panose="020F0502020204030204" pitchFamily="34" charset="0"/>
+              </a:defRPr>
+            </a:lvl2pPr>
+            <a:lvl3pPr marL="1143000" indent="-228600">
+              <a:defRPr>
+                <a:solidFill>
+                  <a:schemeClr val="tx1"/>
+                </a:solidFill>
+                <a:latin typeface="Calibri" panose="020F0502020204030204" pitchFamily="34" charset="0"/>
+              </a:defRPr>
+            </a:lvl3pPr>
+            <a:lvl4pPr marL="1600200" indent="-228600">
+              <a:defRPr>
+                <a:solidFill>
+                  <a:schemeClr val="tx1"/>
+                </a:solidFill>
+                <a:latin typeface="Calibri" panose="020F0502020204030204" pitchFamily="34" charset="0"/>
+              </a:defRPr>
+            </a:lvl4pPr>
+            <a:lvl5pPr marL="2057400" indent="-228600">
+              <a:defRPr>
+                <a:solidFill>
+                  <a:schemeClr val="tx1"/>
+                </a:solidFill>
+                <a:latin typeface="Calibri" panose="020F0502020204030204" pitchFamily="34" charset="0"/>
+              </a:defRPr>
+            </a:lvl5pPr>
+            <a:lvl6pPr marL="2514600" indent="-228600" eaLnBrk="0" fontAlgn="base" hangingPunct="0">
+              <a:spcBef>
+                <a:spcPct val="0"/>
+              </a:spcBef>
+              <a:spcAft>
+                <a:spcPct val="0"/>
+              </a:spcAft>
+              <a:defRPr>
+                <a:solidFill>
+                  <a:schemeClr val="tx1"/>
+                </a:solidFill>
+                <a:latin typeface="Calibri" panose="020F0502020204030204" pitchFamily="34" charset="0"/>
+              </a:defRPr>
+            </a:lvl6pPr>
+            <a:lvl7pPr marL="2971800" indent="-228600" eaLnBrk="0" fontAlgn="base" hangingPunct="0">
+              <a:spcBef>
+                <a:spcPct val="0"/>
+              </a:spcBef>
+              <a:spcAft>
+                <a:spcPct val="0"/>
+              </a:spcAft>
+              <a:defRPr>
+                <a:solidFill>
+                  <a:schemeClr val="tx1"/>
+                </a:solidFill>
+                <a:latin typeface="Calibri" panose="020F0502020204030204" pitchFamily="34" charset="0"/>
+              </a:defRPr>
+            </a:lvl7pPr>
+            <a:lvl8pPr marL="3429000" indent="-228600" eaLnBrk="0" fontAlgn="base" hangingPunct="0">
+              <a:spcBef>
+                <a:spcPct val="0"/>
+              </a:spcBef>
+              <a:spcAft>
+                <a:spcPct val="0"/>
+              </a:spcAft>
+              <a:defRPr>
+                <a:solidFill>
+                  <a:schemeClr val="tx1"/>
+                </a:solidFill>
+                <a:latin typeface="Calibri" panose="020F0502020204030204" pitchFamily="34" charset="0"/>
+              </a:defRPr>
+            </a:lvl8pPr>
+            <a:lvl9pPr marL="3886200" indent="-228600" eaLnBrk="0" fontAlgn="base" hangingPunct="0">
+              <a:spcBef>
+                <a:spcPct val="0"/>
+              </a:spcBef>
+              <a:spcAft>
+                <a:spcPct val="0"/>
+              </a:spcAft>
+              <a:defRPr>
+                <a:solidFill>
+                  <a:schemeClr val="tx1"/>
+                </a:solidFill>
+                <a:latin typeface="Calibri" panose="020F0502020204030204" pitchFamily="34" charset="0"/>
+              </a:defRPr>
+            </a:lvl9pPr>
+          </a:lstStyle>
+          <a:p>
+            <a:pPr algn="ctr" eaLnBrk="1" hangingPunct="1"/>
+            <a:r>
+              <a:rPr lang="en-US" altLang="en-US" sz="1100" dirty="0">
+                <a:latin typeface="Arial" panose="020B0604020202020204" pitchFamily="34" charset="0"/>
+                <a:ea typeface="Amazon Ember" panose="020B0603020204020204" pitchFamily="34" charset="0"/>
+                <a:cs typeface="Arial" panose="020B0604020202020204" pitchFamily="34" charset="0"/>
+              </a:rPr>
+              <a:t>SSM Parameter Store</a:t>
+            </a:r>
+          </a:p>
+        </p:txBody>
+      </p:sp>
+      <p:pic>
+        <p:nvPicPr>
+          <p:cNvPr id="76" name="Graphic 26">
+            <a:extLst>
+              <a:ext uri="{FF2B5EF4-FFF2-40B4-BE49-F238E27FC236}">
+                <a16:creationId xmlns:a16="http://schemas.microsoft.com/office/drawing/2014/main" id="{1B5A0656-8C2A-A940-9929-6FD88DF62445}"/>
+              </a:ext>
+            </a:extLst>
+          </p:cNvPr>
+          <p:cNvPicPr>
+            <a:picLocks noChangeAspect="1" noChangeArrowheads="1"/>
+          </p:cNvPicPr>
+          <p:nvPr/>
+        </p:nvPicPr>
+        <p:blipFill>
+          <a:blip r:embed="rId10">
+            <a:extLst>
+              <a:ext uri="{28A0092B-C50C-407E-A947-70E740481C1C}">
+                <a14:useLocalDpi xmlns:a14="http://schemas.microsoft.com/office/drawing/2010/main" val="0"/>
+              </a:ext>
+            </a:extLst>
+          </a:blip>
+          <a:srcRect/>
+          <a:stretch>
+            <a:fillRect/>
+          </a:stretch>
+        </p:blipFill>
+        <p:spPr bwMode="auto">
+          <a:xfrm>
+            <a:off x="3031423" y="1438123"/>
+            <a:ext cx="457200" cy="457200"/>
+          </a:xfrm>
+          <a:prstGeom prst="rect">
+            <a:avLst/>
+          </a:prstGeom>
+          <a:noFill/>
+          <a:ln>
+            <a:noFill/>
+          </a:ln>
+          <a:extLst>
+            <a:ext uri="{909E8E84-426E-40DD-AFC4-6F175D3DCCD1}">
+              <a14:hiddenFill xmlns:a14="http://schemas.microsoft.com/office/drawing/2010/main">
+                <a:solidFill>
+                  <a:srgbClr val="FFFFFF"/>
+                </a:solidFill>
+              </a14:hiddenFill>
+            </a:ext>
+            <a:ext uri="{91240B29-F687-4F45-9708-019B960494DF}">
+              <a14:hiddenLine xmlns:a14="http://schemas.microsoft.com/office/drawing/2010/main" w="9525">
+                <a:solidFill>
+                  <a:srgbClr val="000000"/>
+                </a:solidFill>
+                <a:miter lim="800000"/>
+                <a:headEnd/>
+                <a:tailEnd/>
+              </a14:hiddenLine>
+            </a:ext>
+          </a:extLst>
+        </p:spPr>
+      </p:pic>
+      <p:cxnSp>
+        <p:nvCxnSpPr>
+          <p:cNvPr id="19" name="Elbow Connector 18">
+            <a:extLst>
+              <a:ext uri="{FF2B5EF4-FFF2-40B4-BE49-F238E27FC236}">
+                <a16:creationId xmlns:a16="http://schemas.microsoft.com/office/drawing/2014/main" id="{5FF5AA87-FFDF-234E-9988-986663DEF02B}"/>
+              </a:ext>
+            </a:extLst>
+          </p:cNvPr>
+          <p:cNvCxnSpPr>
+            <a:cxnSpLocks/>
+            <a:stCxn id="76" idx="3"/>
+            <a:endCxn id="63" idx="0"/>
+          </p:cNvCxnSpPr>
+          <p:nvPr/>
+        </p:nvCxnSpPr>
+        <p:spPr>
+          <a:xfrm>
+            <a:off x="3488623" y="1666723"/>
+            <a:ext cx="983410" cy="707152"/>
+          </a:xfrm>
+          <a:prstGeom prst="bentConnector2">
+            <a:avLst/>
+          </a:prstGeom>
+          <a:ln>
+            <a:headEnd type="triangle"/>
+            <a:tailEnd type="triangle"/>
+          </a:ln>
+        </p:spPr>
+        <p:style>
+          <a:lnRef idx="1">
+            <a:schemeClr val="dk1"/>
+          </a:lnRef>
+          <a:fillRef idx="0">
+            <a:schemeClr val="dk1"/>
+          </a:fillRef>
+          <a:effectRef idx="0">
+            <a:schemeClr val="dk1"/>
+          </a:effectRef>
+          <a:fontRef idx="minor">
+            <a:schemeClr val="tx1"/>
+          </a:fontRef>
+        </p:style>
+      </p:cxnSp>
+      <p:sp>
+        <p:nvSpPr>
+          <p:cNvPr id="123" name="Oval 122">
+            <a:extLst>
+              <a:ext uri="{FF2B5EF4-FFF2-40B4-BE49-F238E27FC236}">
+                <a16:creationId xmlns:a16="http://schemas.microsoft.com/office/drawing/2014/main" id="{BD584D30-A592-AC43-A191-29E0F618BAD5}"/>
               </a:ext>
             </a:extLst>
           </p:cNvPr>
@@ -4375,7 +6612,7 @@
         </p:nvSpPr>
         <p:spPr>
           <a:xfrm>
-            <a:off x="7497401" y="714032"/>
+            <a:off x="2814360" y="1329273"/>
             <a:ext cx="253435" cy="212902"/>
           </a:xfrm>
           <a:prstGeom prst="ellipse">
@@ -4412,164 +6649,30 @@
           <a:p>
             <a:pPr algn="ctr"/>
             <a:r>
-              <a:rPr lang="en-US" sz="800" dirty="0"/>
-              <a:t>2.0</a:t>
-            </a:r>
-          </a:p>
-        </p:txBody>
-      </p:sp>
-      <p:sp>
-        <p:nvSpPr>
-          <p:cNvPr id="107" name="Rectangle 106">
-            <a:extLst>
-              <a:ext uri="{FF2B5EF4-FFF2-40B4-BE49-F238E27FC236}">
-                <a16:creationId xmlns:a16="http://schemas.microsoft.com/office/drawing/2014/main" id="{F987F7DF-6CB9-144D-9E1D-1E6008DD66FB}"/>
-              </a:ext>
-            </a:extLst>
-          </p:cNvPr>
-          <p:cNvSpPr/>
-          <p:nvPr/>
-        </p:nvSpPr>
-        <p:spPr>
-          <a:xfrm>
-            <a:off x="8883774" y="1709774"/>
-            <a:ext cx="1912245" cy="2266029"/>
-          </a:xfrm>
-          <a:prstGeom prst="rect">
-            <a:avLst/>
-          </a:prstGeom>
-          <a:noFill/>
-          <a:ln w="12700">
-            <a:solidFill>
-              <a:schemeClr val="tx1"/>
-            </a:solidFill>
-            <a:prstDash val="dash"/>
-          </a:ln>
-        </p:spPr>
-        <p:style>
-          <a:lnRef idx="2">
-            <a:schemeClr val="accent1">
-              <a:shade val="50000"/>
-            </a:schemeClr>
-          </a:lnRef>
-          <a:fillRef idx="1">
-            <a:schemeClr val="accent1"/>
-          </a:fillRef>
-          <a:effectRef idx="0">
-            <a:schemeClr val="accent1"/>
-          </a:effectRef>
-          <a:fontRef idx="minor">
-            <a:schemeClr val="lt1"/>
-          </a:fontRef>
-        </p:style>
-        <p:txBody>
-          <a:bodyPr rot="0" spcFirstLastPara="0" vertOverflow="overflow" horzOverflow="overflow" vert="horz" wrap="square" lIns="91440" tIns="91440" rIns="91440" bIns="45720" numCol="1" spcCol="0" rtlCol="0" fromWordArt="0" anchor="t" anchorCtr="0" forceAA="0" compatLnSpc="1">
-            <a:prstTxWarp prst="textNoShape">
-              <a:avLst/>
-            </a:prstTxWarp>
-            <a:noAutofit/>
-          </a:bodyPr>
-          <a:lstStyle/>
-          <a:p>
-            <a:pPr algn="ctr"/>
-            <a:endParaRPr lang="en-US" sz="1400" dirty="0">
-              <a:solidFill>
-                <a:srgbClr val="5A6B86"/>
-              </a:solidFill>
-            </a:endParaRPr>
-          </a:p>
-        </p:txBody>
-      </p:sp>
-      <p:sp>
-        <p:nvSpPr>
-          <p:cNvPr id="108" name="TextBox 107">
-            <a:extLst>
-              <a:ext uri="{FF2B5EF4-FFF2-40B4-BE49-F238E27FC236}">
-                <a16:creationId xmlns:a16="http://schemas.microsoft.com/office/drawing/2014/main" id="{B5BD843E-4A99-344F-B2BC-AB0E5E2CB733}"/>
-              </a:ext>
-            </a:extLst>
-          </p:cNvPr>
-          <p:cNvSpPr txBox="1"/>
-          <p:nvPr/>
-        </p:nvSpPr>
-        <p:spPr>
-          <a:xfrm>
-            <a:off x="7427836" y="3008227"/>
-            <a:ext cx="1288498" cy="430887"/>
-          </a:xfrm>
-          <a:prstGeom prst="rect">
-            <a:avLst/>
-          </a:prstGeom>
-          <a:noFill/>
-        </p:spPr>
-        <p:txBody>
-          <a:bodyPr wrap="square" rtlCol="0">
-            <a:spAutoFit/>
-          </a:bodyPr>
-          <a:lstStyle/>
-          <a:p>
-            <a:pPr algn="ctr"/>
-            <a:r>
-              <a:rPr lang="en-US" sz="1100" dirty="0">
+              <a:rPr lang="en-US" sz="800" dirty="0">
                 <a:latin typeface="Arial" panose="020B0604020202020204" pitchFamily="34" charset="0"/>
                 <a:cs typeface="Arial" panose="020B0604020202020204" pitchFamily="34" charset="0"/>
               </a:rPr>
-              <a:t>AWS CloudFormation</a:t>
-            </a:r>
-          </a:p>
-        </p:txBody>
-      </p:sp>
-      <p:pic>
-        <p:nvPicPr>
-          <p:cNvPr id="109" name="Graphic 108">
-            <a:extLst>
-              <a:ext uri="{FF2B5EF4-FFF2-40B4-BE49-F238E27FC236}">
-                <a16:creationId xmlns:a16="http://schemas.microsoft.com/office/drawing/2014/main" id="{A640C55B-F6FD-3640-965F-605AEAB778BE}"/>
-              </a:ext>
-            </a:extLst>
-          </p:cNvPr>
-          <p:cNvPicPr>
-            <a:picLocks noChangeAspect="1"/>
-          </p:cNvPicPr>
+              <a:t>1.3</a:t>
+            </a:r>
+          </a:p>
+        </p:txBody>
+      </p:sp>
+      <p:sp>
+        <p:nvSpPr>
+          <p:cNvPr id="124" name="Oval 123">
+            <a:extLst>
+              <a:ext uri="{FF2B5EF4-FFF2-40B4-BE49-F238E27FC236}">
+                <a16:creationId xmlns:a16="http://schemas.microsoft.com/office/drawing/2014/main" id="{D40D4053-4594-9844-A27B-00A3CD0AAC49}"/>
+              </a:ext>
+            </a:extLst>
+          </p:cNvPr>
+          <p:cNvSpPr/>
           <p:nvPr/>
-        </p:nvPicPr>
-        <p:blipFill>
-          <a:blip r:embed="rId5">
-            <a:extLst>
-              <a:ext uri="{96DAC541-7B7A-43D3-8B79-37D633B846F1}">
-                <asvg:svgBlip xmlns:asvg="http://schemas.microsoft.com/office/drawing/2016/SVG/main" r:embed="rId6"/>
-              </a:ext>
-            </a:extLst>
-          </a:blip>
-          <a:stretch>
-            <a:fillRect/>
-          </a:stretch>
-        </p:blipFill>
+        </p:nvSpPr>
         <p:spPr>
           <a:xfrm>
-            <a:off x="7803424" y="2434494"/>
-            <a:ext cx="555156" cy="555156"/>
-          </a:xfrm>
-          <a:prstGeom prst="rect">
-            <a:avLst/>
-          </a:prstGeom>
-        </p:spPr>
-      </p:pic>
-      <p:sp>
-        <p:nvSpPr>
-          <p:cNvPr id="111" name="Oval 110">
-            <a:extLst>
-              <a:ext uri="{FF2B5EF4-FFF2-40B4-BE49-F238E27FC236}">
-                <a16:creationId xmlns:a16="http://schemas.microsoft.com/office/drawing/2014/main" id="{FB20F0D1-0CBE-9546-BAA5-F1447A9E8B2F}"/>
-              </a:ext>
-            </a:extLst>
-          </p:cNvPr>
-          <p:cNvSpPr/>
-          <p:nvPr/>
-        </p:nvSpPr>
-        <p:spPr>
-          <a:xfrm>
-            <a:off x="7818650" y="2443001"/>
+            <a:off x="4074432" y="2250635"/>
             <a:ext cx="253435" cy="212902"/>
           </a:xfrm>
           <a:prstGeom prst="ellipse">
@@ -4610,2279 +6713,26 @@
                 <a:latin typeface="Arial" panose="020B0604020202020204" pitchFamily="34" charset="0"/>
                 <a:cs typeface="Arial" panose="020B0604020202020204" pitchFamily="34" charset="0"/>
               </a:rPr>
-              <a:t>2.1</a:t>
-            </a:r>
-          </a:p>
-        </p:txBody>
-      </p:sp>
-      <p:sp>
-        <p:nvSpPr>
-          <p:cNvPr id="52" name="TextBox 29">
-            <a:extLst>
-              <a:ext uri="{FF2B5EF4-FFF2-40B4-BE49-F238E27FC236}">
-                <a16:creationId xmlns:a16="http://schemas.microsoft.com/office/drawing/2014/main" id="{95A77985-9994-9042-96C7-A75BE742DD29}"/>
-              </a:ext>
-            </a:extLst>
-          </p:cNvPr>
-          <p:cNvSpPr txBox="1">
-            <a:spLocks noChangeArrowheads="1"/>
-          </p:cNvSpPr>
+              <a:t>1.2</a:t>
+            </a:r>
+          </a:p>
+        </p:txBody>
+      </p:sp>
+      <p:sp>
+        <p:nvSpPr>
+          <p:cNvPr id="130" name="Oval 129">
+            <a:extLst>
+              <a:ext uri="{FF2B5EF4-FFF2-40B4-BE49-F238E27FC236}">
+                <a16:creationId xmlns:a16="http://schemas.microsoft.com/office/drawing/2014/main" id="{21B075B1-99C7-C04A-8C1B-229FF282B726}"/>
+              </a:ext>
+            </a:extLst>
+          </p:cNvPr>
+          <p:cNvSpPr/>
           <p:nvPr/>
         </p:nvSpPr>
-        <p:spPr bwMode="auto">
-          <a:xfrm>
-            <a:off x="5772838" y="1768296"/>
-            <a:ext cx="1398873" cy="430887"/>
-          </a:xfrm>
-          <a:prstGeom prst="rect">
-            <a:avLst/>
-          </a:prstGeom>
-          <a:noFill/>
-          <a:ln>
-            <a:noFill/>
-          </a:ln>
-          <a:extLst>
-            <a:ext uri="{909E8E84-426E-40DD-AFC4-6F175D3DCCD1}">
-              <a14:hiddenFill xmlns:a14="http://schemas.microsoft.com/office/drawing/2010/main">
-                <a:solidFill>
-                  <a:srgbClr val="FFFFFF"/>
-                </a:solidFill>
-              </a14:hiddenFill>
-            </a:ext>
-            <a:ext uri="{91240B29-F687-4F45-9708-019B960494DF}">
-              <a14:hiddenLine xmlns:a14="http://schemas.microsoft.com/office/drawing/2010/main" w="9525">
-                <a:solidFill>
-                  <a:srgbClr val="000000"/>
-                </a:solidFill>
-                <a:miter lim="800000"/>
-                <a:headEnd/>
-                <a:tailEnd/>
-              </a14:hiddenLine>
-            </a:ext>
-          </a:extLst>
-        </p:spPr>
-        <p:txBody>
-          <a:bodyPr wrap="square">
-            <a:spAutoFit/>
-          </a:bodyPr>
-          <a:lstStyle>
-            <a:lvl1pPr>
-              <a:defRPr>
-                <a:solidFill>
-                  <a:schemeClr val="tx1"/>
-                </a:solidFill>
-                <a:latin typeface="Calibri" panose="020F0502020204030204" pitchFamily="34" charset="0"/>
-              </a:defRPr>
-            </a:lvl1pPr>
-            <a:lvl2pPr marL="742950" indent="-285750">
-              <a:defRPr>
-                <a:solidFill>
-                  <a:schemeClr val="tx1"/>
-                </a:solidFill>
-                <a:latin typeface="Calibri" panose="020F0502020204030204" pitchFamily="34" charset="0"/>
-              </a:defRPr>
-            </a:lvl2pPr>
-            <a:lvl3pPr marL="1143000" indent="-228600">
-              <a:defRPr>
-                <a:solidFill>
-                  <a:schemeClr val="tx1"/>
-                </a:solidFill>
-                <a:latin typeface="Calibri" panose="020F0502020204030204" pitchFamily="34" charset="0"/>
-              </a:defRPr>
-            </a:lvl3pPr>
-            <a:lvl4pPr marL="1600200" indent="-228600">
-              <a:defRPr>
-                <a:solidFill>
-                  <a:schemeClr val="tx1"/>
-                </a:solidFill>
-                <a:latin typeface="Calibri" panose="020F0502020204030204" pitchFamily="34" charset="0"/>
-              </a:defRPr>
-            </a:lvl4pPr>
-            <a:lvl5pPr marL="2057400" indent="-228600">
-              <a:defRPr>
-                <a:solidFill>
-                  <a:schemeClr val="tx1"/>
-                </a:solidFill>
-                <a:latin typeface="Calibri" panose="020F0502020204030204" pitchFamily="34" charset="0"/>
-              </a:defRPr>
-            </a:lvl5pPr>
-            <a:lvl6pPr marL="2514600" indent="-228600" eaLnBrk="0" fontAlgn="base" hangingPunct="0">
-              <a:spcBef>
-                <a:spcPct val="0"/>
-              </a:spcBef>
-              <a:spcAft>
-                <a:spcPct val="0"/>
-              </a:spcAft>
-              <a:defRPr>
-                <a:solidFill>
-                  <a:schemeClr val="tx1"/>
-                </a:solidFill>
-                <a:latin typeface="Calibri" panose="020F0502020204030204" pitchFamily="34" charset="0"/>
-              </a:defRPr>
-            </a:lvl6pPr>
-            <a:lvl7pPr marL="2971800" indent="-228600" eaLnBrk="0" fontAlgn="base" hangingPunct="0">
-              <a:spcBef>
-                <a:spcPct val="0"/>
-              </a:spcBef>
-              <a:spcAft>
-                <a:spcPct val="0"/>
-              </a:spcAft>
-              <a:defRPr>
-                <a:solidFill>
-                  <a:schemeClr val="tx1"/>
-                </a:solidFill>
-                <a:latin typeface="Calibri" panose="020F0502020204030204" pitchFamily="34" charset="0"/>
-              </a:defRPr>
-            </a:lvl7pPr>
-            <a:lvl8pPr marL="3429000" indent="-228600" eaLnBrk="0" fontAlgn="base" hangingPunct="0">
-              <a:spcBef>
-                <a:spcPct val="0"/>
-              </a:spcBef>
-              <a:spcAft>
-                <a:spcPct val="0"/>
-              </a:spcAft>
-              <a:defRPr>
-                <a:solidFill>
-                  <a:schemeClr val="tx1"/>
-                </a:solidFill>
-                <a:latin typeface="Calibri" panose="020F0502020204030204" pitchFamily="34" charset="0"/>
-              </a:defRPr>
-            </a:lvl8pPr>
-            <a:lvl9pPr marL="3886200" indent="-228600" eaLnBrk="0" fontAlgn="base" hangingPunct="0">
-              <a:spcBef>
-                <a:spcPct val="0"/>
-              </a:spcBef>
-              <a:spcAft>
-                <a:spcPct val="0"/>
-              </a:spcAft>
-              <a:defRPr>
-                <a:solidFill>
-                  <a:schemeClr val="tx1"/>
-                </a:solidFill>
-                <a:latin typeface="Calibri" panose="020F0502020204030204" pitchFamily="34" charset="0"/>
-              </a:defRPr>
-            </a:lvl9pPr>
-          </a:lstStyle>
-          <a:p>
-            <a:pPr algn="ctr" eaLnBrk="1" hangingPunct="1"/>
-            <a:r>
-              <a:rPr lang="en-US" altLang="en-US" sz="1100" dirty="0">
-                <a:latin typeface="Arial" panose="020B0604020202020204" pitchFamily="34" charset="0"/>
-                <a:ea typeface="Amazon Ember" panose="020B0603020204020204" pitchFamily="34" charset="0"/>
-                <a:cs typeface="Arial" panose="020B0604020202020204" pitchFamily="34" charset="0"/>
-              </a:rPr>
-              <a:t>S3 Block Account Public Access Role</a:t>
-            </a:r>
-          </a:p>
-        </p:txBody>
-      </p:sp>
-      <p:pic>
-        <p:nvPicPr>
-          <p:cNvPr id="53" name="Graphic 49">
-            <a:extLst>
-              <a:ext uri="{FF2B5EF4-FFF2-40B4-BE49-F238E27FC236}">
-                <a16:creationId xmlns:a16="http://schemas.microsoft.com/office/drawing/2014/main" id="{E5A43064-1E8C-D64F-9E2D-DA95886F7A4B}"/>
-              </a:ext>
-            </a:extLst>
-          </p:cNvPr>
-          <p:cNvPicPr>
-            <a:picLocks noChangeAspect="1" noChangeArrowheads="1"/>
-          </p:cNvPicPr>
-          <p:nvPr/>
-        </p:nvPicPr>
-        <p:blipFill>
-          <a:blip r:embed="rId7">
-            <a:extLst>
-              <a:ext uri="{28A0092B-C50C-407E-A947-70E740481C1C}">
-                <a14:useLocalDpi xmlns:a14="http://schemas.microsoft.com/office/drawing/2010/main" val="0"/>
-              </a:ext>
-            </a:extLst>
-          </a:blip>
-          <a:srcRect/>
-          <a:stretch>
-            <a:fillRect/>
-          </a:stretch>
-        </p:blipFill>
-        <p:spPr bwMode="auto">
-          <a:xfrm>
-            <a:off x="6219215" y="1401127"/>
-            <a:ext cx="457200" cy="457200"/>
-          </a:xfrm>
-          <a:prstGeom prst="rect">
-            <a:avLst/>
-          </a:prstGeom>
-          <a:noFill/>
-          <a:ln>
-            <a:noFill/>
-          </a:ln>
-          <a:extLst>
-            <a:ext uri="{909E8E84-426E-40DD-AFC4-6F175D3DCCD1}">
-              <a14:hiddenFill xmlns:a14="http://schemas.microsoft.com/office/drawing/2010/main">
-                <a:solidFill>
-                  <a:srgbClr val="FFFFFF"/>
-                </a:solidFill>
-              </a14:hiddenFill>
-            </a:ext>
-            <a:ext uri="{91240B29-F687-4F45-9708-019B960494DF}">
-              <a14:hiddenLine xmlns:a14="http://schemas.microsoft.com/office/drawing/2010/main" w="9525">
-                <a:solidFill>
-                  <a:srgbClr val="000000"/>
-                </a:solidFill>
-                <a:miter lim="800000"/>
-                <a:headEnd/>
-                <a:tailEnd/>
-              </a14:hiddenLine>
-            </a:ext>
-          </a:extLst>
-        </p:spPr>
-      </p:pic>
-      <p:pic>
-        <p:nvPicPr>
-          <p:cNvPr id="54" name="Graphic 24">
-            <a:extLst>
-              <a:ext uri="{FF2B5EF4-FFF2-40B4-BE49-F238E27FC236}">
-                <a16:creationId xmlns:a16="http://schemas.microsoft.com/office/drawing/2014/main" id="{0565F9CB-9F9E-E443-BF68-41C87611C350}"/>
-              </a:ext>
-            </a:extLst>
-          </p:cNvPr>
-          <p:cNvPicPr>
-            <a:picLocks noChangeAspect="1" noChangeArrowheads="1"/>
-          </p:cNvPicPr>
-          <p:nvPr/>
-        </p:nvPicPr>
-        <p:blipFill>
-          <a:blip r:embed="rId8">
-            <a:extLst>
-              <a:ext uri="{28A0092B-C50C-407E-A947-70E740481C1C}">
-                <a14:useLocalDpi xmlns:a14="http://schemas.microsoft.com/office/drawing/2010/main" val="0"/>
-              </a:ext>
-            </a:extLst>
-          </a:blip>
-          <a:srcRect/>
-          <a:stretch>
-            <a:fillRect/>
-          </a:stretch>
-        </p:blipFill>
-        <p:spPr bwMode="auto">
-          <a:xfrm>
-            <a:off x="2994600" y="3322462"/>
-            <a:ext cx="457200" cy="457200"/>
-          </a:xfrm>
-          <a:prstGeom prst="rect">
-            <a:avLst/>
-          </a:prstGeom>
-          <a:noFill/>
-          <a:ln>
-            <a:noFill/>
-          </a:ln>
-          <a:extLst>
-            <a:ext uri="{909E8E84-426E-40DD-AFC4-6F175D3DCCD1}">
-              <a14:hiddenFill xmlns:a14="http://schemas.microsoft.com/office/drawing/2010/main">
-                <a:solidFill>
-                  <a:srgbClr val="FFFFFF"/>
-                </a:solidFill>
-              </a14:hiddenFill>
-            </a:ext>
-            <a:ext uri="{91240B29-F687-4F45-9708-019B960494DF}">
-              <a14:hiddenLine xmlns:a14="http://schemas.microsoft.com/office/drawing/2010/main" w="9525">
-                <a:solidFill>
-                  <a:srgbClr val="000000"/>
-                </a:solidFill>
-                <a:miter lim="800000"/>
-                <a:headEnd/>
-                <a:tailEnd/>
-              </a14:hiddenLine>
-            </a:ext>
-          </a:extLst>
-        </p:spPr>
-      </p:pic>
-      <p:sp>
-        <p:nvSpPr>
-          <p:cNvPr id="55" name="TextBox 26">
-            <a:extLst>
-              <a:ext uri="{FF2B5EF4-FFF2-40B4-BE49-F238E27FC236}">
-                <a16:creationId xmlns:a16="http://schemas.microsoft.com/office/drawing/2014/main" id="{8C01A33B-B67C-0445-AA21-F3786470D6FF}"/>
-              </a:ext>
-            </a:extLst>
-          </p:cNvPr>
-          <p:cNvSpPr txBox="1">
-            <a:spLocks noChangeArrowheads="1"/>
-          </p:cNvSpPr>
-          <p:nvPr/>
-        </p:nvSpPr>
-        <p:spPr bwMode="auto">
-          <a:xfrm>
-            <a:off x="2508217" y="3822346"/>
-            <a:ext cx="1429966" cy="600164"/>
-          </a:xfrm>
-          <a:prstGeom prst="rect">
-            <a:avLst/>
-          </a:prstGeom>
-          <a:noFill/>
-          <a:ln>
-            <a:noFill/>
-          </a:ln>
-          <a:extLst>
-            <a:ext uri="{909E8E84-426E-40DD-AFC4-6F175D3DCCD1}">
-              <a14:hiddenFill xmlns:a14="http://schemas.microsoft.com/office/drawing/2010/main">
-                <a:solidFill>
-                  <a:srgbClr val="FFFFFF"/>
-                </a:solidFill>
-              </a14:hiddenFill>
-            </a:ext>
-            <a:ext uri="{91240B29-F687-4F45-9708-019B960494DF}">
-              <a14:hiddenLine xmlns:a14="http://schemas.microsoft.com/office/drawing/2010/main" w="9525">
-                <a:solidFill>
-                  <a:srgbClr val="000000"/>
-                </a:solidFill>
-                <a:miter lim="800000"/>
-                <a:headEnd/>
-                <a:tailEnd/>
-              </a14:hiddenLine>
-            </a:ext>
-          </a:extLst>
-        </p:spPr>
-        <p:txBody>
-          <a:bodyPr wrap="square">
-            <a:spAutoFit/>
-          </a:bodyPr>
-          <a:lstStyle>
-            <a:lvl1pPr>
-              <a:defRPr>
-                <a:solidFill>
-                  <a:schemeClr val="tx1"/>
-                </a:solidFill>
-                <a:latin typeface="Calibri" panose="020F0502020204030204" pitchFamily="34" charset="0"/>
-              </a:defRPr>
-            </a:lvl1pPr>
-            <a:lvl2pPr marL="742950" indent="-285750">
-              <a:defRPr>
-                <a:solidFill>
-                  <a:schemeClr val="tx1"/>
-                </a:solidFill>
-                <a:latin typeface="Calibri" panose="020F0502020204030204" pitchFamily="34" charset="0"/>
-              </a:defRPr>
-            </a:lvl2pPr>
-            <a:lvl3pPr marL="1143000" indent="-228600">
-              <a:defRPr>
-                <a:solidFill>
-                  <a:schemeClr val="tx1"/>
-                </a:solidFill>
-                <a:latin typeface="Calibri" panose="020F0502020204030204" pitchFamily="34" charset="0"/>
-              </a:defRPr>
-            </a:lvl3pPr>
-            <a:lvl4pPr marL="1600200" indent="-228600">
-              <a:defRPr>
-                <a:solidFill>
-                  <a:schemeClr val="tx1"/>
-                </a:solidFill>
-                <a:latin typeface="Calibri" panose="020F0502020204030204" pitchFamily="34" charset="0"/>
-              </a:defRPr>
-            </a:lvl4pPr>
-            <a:lvl5pPr marL="2057400" indent="-228600">
-              <a:defRPr>
-                <a:solidFill>
-                  <a:schemeClr val="tx1"/>
-                </a:solidFill>
-                <a:latin typeface="Calibri" panose="020F0502020204030204" pitchFamily="34" charset="0"/>
-              </a:defRPr>
-            </a:lvl5pPr>
-            <a:lvl6pPr marL="2514600" indent="-228600" eaLnBrk="0" fontAlgn="base" hangingPunct="0">
-              <a:spcBef>
-                <a:spcPct val="0"/>
-              </a:spcBef>
-              <a:spcAft>
-                <a:spcPct val="0"/>
-              </a:spcAft>
-              <a:defRPr>
-                <a:solidFill>
-                  <a:schemeClr val="tx1"/>
-                </a:solidFill>
-                <a:latin typeface="Calibri" panose="020F0502020204030204" pitchFamily="34" charset="0"/>
-              </a:defRPr>
-            </a:lvl6pPr>
-            <a:lvl7pPr marL="2971800" indent="-228600" eaLnBrk="0" fontAlgn="base" hangingPunct="0">
-              <a:spcBef>
-                <a:spcPct val="0"/>
-              </a:spcBef>
-              <a:spcAft>
-                <a:spcPct val="0"/>
-              </a:spcAft>
-              <a:defRPr>
-                <a:solidFill>
-                  <a:schemeClr val="tx1"/>
-                </a:solidFill>
-                <a:latin typeface="Calibri" panose="020F0502020204030204" pitchFamily="34" charset="0"/>
-              </a:defRPr>
-            </a:lvl7pPr>
-            <a:lvl8pPr marL="3429000" indent="-228600" eaLnBrk="0" fontAlgn="base" hangingPunct="0">
-              <a:spcBef>
-                <a:spcPct val="0"/>
-              </a:spcBef>
-              <a:spcAft>
-                <a:spcPct val="0"/>
-              </a:spcAft>
-              <a:defRPr>
-                <a:solidFill>
-                  <a:schemeClr val="tx1"/>
-                </a:solidFill>
-                <a:latin typeface="Calibri" panose="020F0502020204030204" pitchFamily="34" charset="0"/>
-              </a:defRPr>
-            </a:lvl8pPr>
-            <a:lvl9pPr marL="3886200" indent="-228600" eaLnBrk="0" fontAlgn="base" hangingPunct="0">
-              <a:spcBef>
-                <a:spcPct val="0"/>
-              </a:spcBef>
-              <a:spcAft>
-                <a:spcPct val="0"/>
-              </a:spcAft>
-              <a:defRPr>
-                <a:solidFill>
-                  <a:schemeClr val="tx1"/>
-                </a:solidFill>
-                <a:latin typeface="Calibri" panose="020F0502020204030204" pitchFamily="34" charset="0"/>
-              </a:defRPr>
-            </a:lvl9pPr>
-          </a:lstStyle>
-          <a:p>
-            <a:pPr algn="ctr" eaLnBrk="1" hangingPunct="1"/>
-            <a:r>
-              <a:rPr lang="en-US" altLang="en-US" sz="1100" dirty="0">
-                <a:latin typeface="Arial" panose="020B0604020202020204" pitchFamily="34" charset="0"/>
-                <a:ea typeface="Amazon Ember" panose="020B0603020204020204" pitchFamily="34" charset="0"/>
-                <a:cs typeface="Arial" panose="020B0604020202020204" pitchFamily="34" charset="0"/>
-              </a:rPr>
-              <a:t>Control Tower Lifecycle Event Rule</a:t>
-            </a:r>
-          </a:p>
-        </p:txBody>
-      </p:sp>
-      <p:pic>
-        <p:nvPicPr>
-          <p:cNvPr id="56" name="Graphic 8">
-            <a:extLst>
-              <a:ext uri="{FF2B5EF4-FFF2-40B4-BE49-F238E27FC236}">
-                <a16:creationId xmlns:a16="http://schemas.microsoft.com/office/drawing/2014/main" id="{2F594637-2AA7-844B-A3DB-9EDCF5D59D42}"/>
-              </a:ext>
-            </a:extLst>
-          </p:cNvPr>
-          <p:cNvPicPr>
-            <a:picLocks noChangeAspect="1" noChangeArrowheads="1"/>
-          </p:cNvPicPr>
-          <p:nvPr/>
-        </p:nvPicPr>
-        <p:blipFill>
-          <a:blip r:embed="rId9">
-            <a:extLst>
-              <a:ext uri="{28A0092B-C50C-407E-A947-70E740481C1C}">
-                <a14:useLocalDpi xmlns:a14="http://schemas.microsoft.com/office/drawing/2010/main" val="0"/>
-              </a:ext>
-            </a:extLst>
-          </a:blip>
-          <a:srcRect/>
-          <a:stretch>
-            <a:fillRect/>
-          </a:stretch>
-        </p:blipFill>
-        <p:spPr bwMode="auto">
-          <a:xfrm>
-            <a:off x="6193383" y="2323583"/>
-            <a:ext cx="557784" cy="557784"/>
-          </a:xfrm>
-          <a:prstGeom prst="rect">
-            <a:avLst/>
-          </a:prstGeom>
-          <a:noFill/>
-          <a:ln>
-            <a:noFill/>
-          </a:ln>
-          <a:extLst>
-            <a:ext uri="{909E8E84-426E-40DD-AFC4-6F175D3DCCD1}">
-              <a14:hiddenFill xmlns:a14="http://schemas.microsoft.com/office/drawing/2010/main">
-                <a:solidFill>
-                  <a:srgbClr val="FFFFFF"/>
-                </a:solidFill>
-              </a14:hiddenFill>
-            </a:ext>
-            <a:ext uri="{91240B29-F687-4F45-9708-019B960494DF}">
-              <a14:hiddenLine xmlns:a14="http://schemas.microsoft.com/office/drawing/2010/main" w="9525">
-                <a:solidFill>
-                  <a:srgbClr val="000000"/>
-                </a:solidFill>
-                <a:miter lim="800000"/>
-                <a:headEnd/>
-                <a:tailEnd/>
-              </a14:hiddenLine>
-            </a:ext>
-          </a:extLst>
-        </p:spPr>
-      </p:pic>
-      <p:sp>
-        <p:nvSpPr>
-          <p:cNvPr id="57" name="TextBox 9">
-            <a:extLst>
-              <a:ext uri="{FF2B5EF4-FFF2-40B4-BE49-F238E27FC236}">
-                <a16:creationId xmlns:a16="http://schemas.microsoft.com/office/drawing/2014/main" id="{CC460320-434F-E54C-BC80-65AA0787D794}"/>
-              </a:ext>
-            </a:extLst>
-          </p:cNvPr>
-          <p:cNvSpPr txBox="1">
-            <a:spLocks noChangeArrowheads="1"/>
-          </p:cNvSpPr>
-          <p:nvPr/>
-        </p:nvSpPr>
-        <p:spPr bwMode="auto">
-          <a:xfrm>
-            <a:off x="5798670" y="2857733"/>
-            <a:ext cx="1398873" cy="430887"/>
-          </a:xfrm>
-          <a:prstGeom prst="rect">
-            <a:avLst/>
-          </a:prstGeom>
-          <a:noFill/>
-          <a:ln>
-            <a:noFill/>
-          </a:ln>
-          <a:extLst>
-            <a:ext uri="{909E8E84-426E-40DD-AFC4-6F175D3DCCD1}">
-              <a14:hiddenFill xmlns:a14="http://schemas.microsoft.com/office/drawing/2010/main">
-                <a:solidFill>
-                  <a:srgbClr val="FFFFFF"/>
-                </a:solidFill>
-              </a14:hiddenFill>
-            </a:ext>
-            <a:ext uri="{91240B29-F687-4F45-9708-019B960494DF}">
-              <a14:hiddenLine xmlns:a14="http://schemas.microsoft.com/office/drawing/2010/main" w="9525">
-                <a:solidFill>
-                  <a:srgbClr val="000000"/>
-                </a:solidFill>
-                <a:miter lim="800000"/>
-                <a:headEnd/>
-                <a:tailEnd/>
-              </a14:hiddenLine>
-            </a:ext>
-          </a:extLst>
-        </p:spPr>
-        <p:txBody>
-          <a:bodyPr wrap="square">
-            <a:spAutoFit/>
-          </a:bodyPr>
-          <a:lstStyle>
-            <a:lvl1pPr>
-              <a:defRPr>
-                <a:solidFill>
-                  <a:schemeClr val="tx1"/>
-                </a:solidFill>
-                <a:latin typeface="Calibri" panose="020F0502020204030204" pitchFamily="34" charset="0"/>
-              </a:defRPr>
-            </a:lvl1pPr>
-            <a:lvl2pPr marL="742950" indent="-285750">
-              <a:defRPr>
-                <a:solidFill>
-                  <a:schemeClr val="tx1"/>
-                </a:solidFill>
-                <a:latin typeface="Calibri" panose="020F0502020204030204" pitchFamily="34" charset="0"/>
-              </a:defRPr>
-            </a:lvl2pPr>
-            <a:lvl3pPr marL="1143000" indent="-228600">
-              <a:defRPr>
-                <a:solidFill>
-                  <a:schemeClr val="tx1"/>
-                </a:solidFill>
-                <a:latin typeface="Calibri" panose="020F0502020204030204" pitchFamily="34" charset="0"/>
-              </a:defRPr>
-            </a:lvl3pPr>
-            <a:lvl4pPr marL="1600200" indent="-228600">
-              <a:defRPr>
-                <a:solidFill>
-                  <a:schemeClr val="tx1"/>
-                </a:solidFill>
-                <a:latin typeface="Calibri" panose="020F0502020204030204" pitchFamily="34" charset="0"/>
-              </a:defRPr>
-            </a:lvl4pPr>
-            <a:lvl5pPr marL="2057400" indent="-228600">
-              <a:defRPr>
-                <a:solidFill>
-                  <a:schemeClr val="tx1"/>
-                </a:solidFill>
-                <a:latin typeface="Calibri" panose="020F0502020204030204" pitchFamily="34" charset="0"/>
-              </a:defRPr>
-            </a:lvl5pPr>
-            <a:lvl6pPr marL="2514600" indent="-228600" eaLnBrk="0" fontAlgn="base" hangingPunct="0">
-              <a:spcBef>
-                <a:spcPct val="0"/>
-              </a:spcBef>
-              <a:spcAft>
-                <a:spcPct val="0"/>
-              </a:spcAft>
-              <a:defRPr>
-                <a:solidFill>
-                  <a:schemeClr val="tx1"/>
-                </a:solidFill>
-                <a:latin typeface="Calibri" panose="020F0502020204030204" pitchFamily="34" charset="0"/>
-              </a:defRPr>
-            </a:lvl6pPr>
-            <a:lvl7pPr marL="2971800" indent="-228600" eaLnBrk="0" fontAlgn="base" hangingPunct="0">
-              <a:spcBef>
-                <a:spcPct val="0"/>
-              </a:spcBef>
-              <a:spcAft>
-                <a:spcPct val="0"/>
-              </a:spcAft>
-              <a:defRPr>
-                <a:solidFill>
-                  <a:schemeClr val="tx1"/>
-                </a:solidFill>
-                <a:latin typeface="Calibri" panose="020F0502020204030204" pitchFamily="34" charset="0"/>
-              </a:defRPr>
-            </a:lvl7pPr>
-            <a:lvl8pPr marL="3429000" indent="-228600" eaLnBrk="0" fontAlgn="base" hangingPunct="0">
-              <a:spcBef>
-                <a:spcPct val="0"/>
-              </a:spcBef>
-              <a:spcAft>
-                <a:spcPct val="0"/>
-              </a:spcAft>
-              <a:defRPr>
-                <a:solidFill>
-                  <a:schemeClr val="tx1"/>
-                </a:solidFill>
-                <a:latin typeface="Calibri" panose="020F0502020204030204" pitchFamily="34" charset="0"/>
-              </a:defRPr>
-            </a:lvl8pPr>
-            <a:lvl9pPr marL="3886200" indent="-228600" eaLnBrk="0" fontAlgn="base" hangingPunct="0">
-              <a:spcBef>
-                <a:spcPct val="0"/>
-              </a:spcBef>
-              <a:spcAft>
-                <a:spcPct val="0"/>
-              </a:spcAft>
-              <a:defRPr>
-                <a:solidFill>
-                  <a:schemeClr val="tx1"/>
-                </a:solidFill>
-                <a:latin typeface="Calibri" panose="020F0502020204030204" pitchFamily="34" charset="0"/>
-              </a:defRPr>
-            </a:lvl9pPr>
-          </a:lstStyle>
-          <a:p>
-            <a:pPr algn="ctr" eaLnBrk="1" hangingPunct="1"/>
-            <a:r>
-              <a:rPr lang="en-US" altLang="en-US" sz="1100" dirty="0">
-                <a:latin typeface="Arial" panose="020B0604020202020204" pitchFamily="34" charset="0"/>
-                <a:ea typeface="Amazon Ember" panose="020B0603020204020204" pitchFamily="34" charset="0"/>
-                <a:cs typeface="Arial" panose="020B0604020202020204" pitchFamily="34" charset="0"/>
-              </a:rPr>
-              <a:t>S3</a:t>
-            </a:r>
-          </a:p>
-          <a:p>
-            <a:pPr algn="ctr" eaLnBrk="1" hangingPunct="1"/>
-            <a:r>
-              <a:rPr lang="en-US" altLang="en-US" sz="1100" dirty="0">
-                <a:latin typeface="Arial" panose="020B0604020202020204" pitchFamily="34" charset="0"/>
-                <a:ea typeface="Amazon Ember" panose="020B0603020204020204" pitchFamily="34" charset="0"/>
-                <a:cs typeface="Arial" panose="020B0604020202020204" pitchFamily="34" charset="0"/>
-              </a:rPr>
-              <a:t>Account Settings</a:t>
-            </a:r>
-          </a:p>
-        </p:txBody>
-      </p:sp>
-      <p:pic>
-        <p:nvPicPr>
-          <p:cNvPr id="58" name="Graphic 8">
-            <a:extLst>
-              <a:ext uri="{FF2B5EF4-FFF2-40B4-BE49-F238E27FC236}">
-                <a16:creationId xmlns:a16="http://schemas.microsoft.com/office/drawing/2014/main" id="{45DD3C80-AF80-F043-9D50-65A7B6DE057C}"/>
-              </a:ext>
-            </a:extLst>
-          </p:cNvPr>
-          <p:cNvPicPr>
-            <a:picLocks noChangeAspect="1" noChangeArrowheads="1"/>
-          </p:cNvPicPr>
-          <p:nvPr/>
-        </p:nvPicPr>
-        <p:blipFill>
-          <a:blip r:embed="rId9">
-            <a:extLst>
-              <a:ext uri="{28A0092B-C50C-407E-A947-70E740481C1C}">
-                <a14:useLocalDpi xmlns:a14="http://schemas.microsoft.com/office/drawing/2010/main" val="0"/>
-              </a:ext>
-            </a:extLst>
-          </a:blip>
-          <a:srcRect/>
-          <a:stretch>
-            <a:fillRect/>
-          </a:stretch>
-        </p:blipFill>
-        <p:spPr bwMode="auto">
-          <a:xfrm>
-            <a:off x="9605862" y="2771377"/>
-            <a:ext cx="557784" cy="557784"/>
-          </a:xfrm>
-          <a:prstGeom prst="rect">
-            <a:avLst/>
-          </a:prstGeom>
-          <a:noFill/>
-          <a:ln>
-            <a:noFill/>
-          </a:ln>
-          <a:extLst>
-            <a:ext uri="{909E8E84-426E-40DD-AFC4-6F175D3DCCD1}">
-              <a14:hiddenFill xmlns:a14="http://schemas.microsoft.com/office/drawing/2010/main">
-                <a:solidFill>
-                  <a:srgbClr val="FFFFFF"/>
-                </a:solidFill>
-              </a14:hiddenFill>
-            </a:ext>
-            <a:ext uri="{91240B29-F687-4F45-9708-019B960494DF}">
-              <a14:hiddenLine xmlns:a14="http://schemas.microsoft.com/office/drawing/2010/main" w="9525">
-                <a:solidFill>
-                  <a:srgbClr val="000000"/>
-                </a:solidFill>
-                <a:miter lim="800000"/>
-                <a:headEnd/>
-                <a:tailEnd/>
-              </a14:hiddenLine>
-            </a:ext>
-          </a:extLst>
-        </p:spPr>
-      </p:pic>
-      <p:sp>
-        <p:nvSpPr>
-          <p:cNvPr id="59" name="TextBox 9">
-            <a:extLst>
-              <a:ext uri="{FF2B5EF4-FFF2-40B4-BE49-F238E27FC236}">
-                <a16:creationId xmlns:a16="http://schemas.microsoft.com/office/drawing/2014/main" id="{A020D221-7DBD-E641-A86D-6BF65AA57425}"/>
-              </a:ext>
-            </a:extLst>
-          </p:cNvPr>
-          <p:cNvSpPr txBox="1">
-            <a:spLocks noChangeArrowheads="1"/>
-          </p:cNvSpPr>
-          <p:nvPr/>
-        </p:nvSpPr>
-        <p:spPr bwMode="auto">
-          <a:xfrm>
-            <a:off x="9185317" y="3317505"/>
-            <a:ext cx="1398873" cy="430887"/>
-          </a:xfrm>
-          <a:prstGeom prst="rect">
-            <a:avLst/>
-          </a:prstGeom>
-          <a:noFill/>
-          <a:ln>
-            <a:noFill/>
-          </a:ln>
-          <a:extLst>
-            <a:ext uri="{909E8E84-426E-40DD-AFC4-6F175D3DCCD1}">
-              <a14:hiddenFill xmlns:a14="http://schemas.microsoft.com/office/drawing/2010/main">
-                <a:solidFill>
-                  <a:srgbClr val="FFFFFF"/>
-                </a:solidFill>
-              </a14:hiddenFill>
-            </a:ext>
-            <a:ext uri="{91240B29-F687-4F45-9708-019B960494DF}">
-              <a14:hiddenLine xmlns:a14="http://schemas.microsoft.com/office/drawing/2010/main" w="9525">
-                <a:solidFill>
-                  <a:srgbClr val="000000"/>
-                </a:solidFill>
-                <a:miter lim="800000"/>
-                <a:headEnd/>
-                <a:tailEnd/>
-              </a14:hiddenLine>
-            </a:ext>
-          </a:extLst>
-        </p:spPr>
-        <p:txBody>
-          <a:bodyPr wrap="square">
-            <a:spAutoFit/>
-          </a:bodyPr>
-          <a:lstStyle>
-            <a:lvl1pPr>
-              <a:defRPr>
-                <a:solidFill>
-                  <a:schemeClr val="tx1"/>
-                </a:solidFill>
-                <a:latin typeface="Calibri" panose="020F0502020204030204" pitchFamily="34" charset="0"/>
-              </a:defRPr>
-            </a:lvl1pPr>
-            <a:lvl2pPr marL="742950" indent="-285750">
-              <a:defRPr>
-                <a:solidFill>
-                  <a:schemeClr val="tx1"/>
-                </a:solidFill>
-                <a:latin typeface="Calibri" panose="020F0502020204030204" pitchFamily="34" charset="0"/>
-              </a:defRPr>
-            </a:lvl2pPr>
-            <a:lvl3pPr marL="1143000" indent="-228600">
-              <a:defRPr>
-                <a:solidFill>
-                  <a:schemeClr val="tx1"/>
-                </a:solidFill>
-                <a:latin typeface="Calibri" panose="020F0502020204030204" pitchFamily="34" charset="0"/>
-              </a:defRPr>
-            </a:lvl3pPr>
-            <a:lvl4pPr marL="1600200" indent="-228600">
-              <a:defRPr>
-                <a:solidFill>
-                  <a:schemeClr val="tx1"/>
-                </a:solidFill>
-                <a:latin typeface="Calibri" panose="020F0502020204030204" pitchFamily="34" charset="0"/>
-              </a:defRPr>
-            </a:lvl4pPr>
-            <a:lvl5pPr marL="2057400" indent="-228600">
-              <a:defRPr>
-                <a:solidFill>
-                  <a:schemeClr val="tx1"/>
-                </a:solidFill>
-                <a:latin typeface="Calibri" panose="020F0502020204030204" pitchFamily="34" charset="0"/>
-              </a:defRPr>
-            </a:lvl5pPr>
-            <a:lvl6pPr marL="2514600" indent="-228600" eaLnBrk="0" fontAlgn="base" hangingPunct="0">
-              <a:spcBef>
-                <a:spcPct val="0"/>
-              </a:spcBef>
-              <a:spcAft>
-                <a:spcPct val="0"/>
-              </a:spcAft>
-              <a:defRPr>
-                <a:solidFill>
-                  <a:schemeClr val="tx1"/>
-                </a:solidFill>
-                <a:latin typeface="Calibri" panose="020F0502020204030204" pitchFamily="34" charset="0"/>
-              </a:defRPr>
-            </a:lvl6pPr>
-            <a:lvl7pPr marL="2971800" indent="-228600" eaLnBrk="0" fontAlgn="base" hangingPunct="0">
-              <a:spcBef>
-                <a:spcPct val="0"/>
-              </a:spcBef>
-              <a:spcAft>
-                <a:spcPct val="0"/>
-              </a:spcAft>
-              <a:defRPr>
-                <a:solidFill>
-                  <a:schemeClr val="tx1"/>
-                </a:solidFill>
-                <a:latin typeface="Calibri" panose="020F0502020204030204" pitchFamily="34" charset="0"/>
-              </a:defRPr>
-            </a:lvl7pPr>
-            <a:lvl8pPr marL="3429000" indent="-228600" eaLnBrk="0" fontAlgn="base" hangingPunct="0">
-              <a:spcBef>
-                <a:spcPct val="0"/>
-              </a:spcBef>
-              <a:spcAft>
-                <a:spcPct val="0"/>
-              </a:spcAft>
-              <a:defRPr>
-                <a:solidFill>
-                  <a:schemeClr val="tx1"/>
-                </a:solidFill>
-                <a:latin typeface="Calibri" panose="020F0502020204030204" pitchFamily="34" charset="0"/>
-              </a:defRPr>
-            </a:lvl8pPr>
-            <a:lvl9pPr marL="3886200" indent="-228600" eaLnBrk="0" fontAlgn="base" hangingPunct="0">
-              <a:spcBef>
-                <a:spcPct val="0"/>
-              </a:spcBef>
-              <a:spcAft>
-                <a:spcPct val="0"/>
-              </a:spcAft>
-              <a:defRPr>
-                <a:solidFill>
-                  <a:schemeClr val="tx1"/>
-                </a:solidFill>
-                <a:latin typeface="Calibri" panose="020F0502020204030204" pitchFamily="34" charset="0"/>
-              </a:defRPr>
-            </a:lvl9pPr>
-          </a:lstStyle>
-          <a:p>
-            <a:pPr algn="ctr" eaLnBrk="1" hangingPunct="1"/>
-            <a:r>
-              <a:rPr lang="en-US" altLang="en-US" sz="1100" dirty="0">
-                <a:latin typeface="Arial" panose="020B0604020202020204" pitchFamily="34" charset="0"/>
-                <a:ea typeface="Amazon Ember" panose="020B0603020204020204" pitchFamily="34" charset="0"/>
-                <a:cs typeface="Arial" panose="020B0604020202020204" pitchFamily="34" charset="0"/>
-              </a:rPr>
-              <a:t>S3 Account Settings</a:t>
-            </a:r>
-          </a:p>
-        </p:txBody>
-      </p:sp>
-      <p:sp>
-        <p:nvSpPr>
-          <p:cNvPr id="60" name="TextBox 29">
-            <a:extLst>
-              <a:ext uri="{FF2B5EF4-FFF2-40B4-BE49-F238E27FC236}">
-                <a16:creationId xmlns:a16="http://schemas.microsoft.com/office/drawing/2014/main" id="{7256CFDB-E862-AB4F-AC9E-F667A8C5EADD}"/>
-              </a:ext>
-            </a:extLst>
-          </p:cNvPr>
-          <p:cNvSpPr txBox="1">
-            <a:spLocks noChangeArrowheads="1"/>
-          </p:cNvSpPr>
-          <p:nvPr/>
-        </p:nvSpPr>
-        <p:spPr bwMode="auto">
-          <a:xfrm>
-            <a:off x="9073780" y="2330828"/>
-            <a:ext cx="1521364" cy="430887"/>
-          </a:xfrm>
-          <a:prstGeom prst="rect">
-            <a:avLst/>
-          </a:prstGeom>
-          <a:noFill/>
-          <a:ln>
-            <a:noFill/>
-          </a:ln>
-          <a:extLst>
-            <a:ext uri="{909E8E84-426E-40DD-AFC4-6F175D3DCCD1}">
-              <a14:hiddenFill xmlns:a14="http://schemas.microsoft.com/office/drawing/2010/main">
-                <a:solidFill>
-                  <a:srgbClr val="FFFFFF"/>
-                </a:solidFill>
-              </a14:hiddenFill>
-            </a:ext>
-            <a:ext uri="{91240B29-F687-4F45-9708-019B960494DF}">
-              <a14:hiddenLine xmlns:a14="http://schemas.microsoft.com/office/drawing/2010/main" w="9525">
-                <a:solidFill>
-                  <a:srgbClr val="000000"/>
-                </a:solidFill>
-                <a:miter lim="800000"/>
-                <a:headEnd/>
-                <a:tailEnd/>
-              </a14:hiddenLine>
-            </a:ext>
-          </a:extLst>
-        </p:spPr>
-        <p:txBody>
-          <a:bodyPr wrap="square">
-            <a:spAutoFit/>
-          </a:bodyPr>
-          <a:lstStyle>
-            <a:lvl1pPr>
-              <a:defRPr>
-                <a:solidFill>
-                  <a:schemeClr val="tx1"/>
-                </a:solidFill>
-                <a:latin typeface="Calibri" panose="020F0502020204030204" pitchFamily="34" charset="0"/>
-              </a:defRPr>
-            </a:lvl1pPr>
-            <a:lvl2pPr marL="742950" indent="-285750">
-              <a:defRPr>
-                <a:solidFill>
-                  <a:schemeClr val="tx1"/>
-                </a:solidFill>
-                <a:latin typeface="Calibri" panose="020F0502020204030204" pitchFamily="34" charset="0"/>
-              </a:defRPr>
-            </a:lvl2pPr>
-            <a:lvl3pPr marL="1143000" indent="-228600">
-              <a:defRPr>
-                <a:solidFill>
-                  <a:schemeClr val="tx1"/>
-                </a:solidFill>
-                <a:latin typeface="Calibri" panose="020F0502020204030204" pitchFamily="34" charset="0"/>
-              </a:defRPr>
-            </a:lvl3pPr>
-            <a:lvl4pPr marL="1600200" indent="-228600">
-              <a:defRPr>
-                <a:solidFill>
-                  <a:schemeClr val="tx1"/>
-                </a:solidFill>
-                <a:latin typeface="Calibri" panose="020F0502020204030204" pitchFamily="34" charset="0"/>
-              </a:defRPr>
-            </a:lvl4pPr>
-            <a:lvl5pPr marL="2057400" indent="-228600">
-              <a:defRPr>
-                <a:solidFill>
-                  <a:schemeClr val="tx1"/>
-                </a:solidFill>
-                <a:latin typeface="Calibri" panose="020F0502020204030204" pitchFamily="34" charset="0"/>
-              </a:defRPr>
-            </a:lvl5pPr>
-            <a:lvl6pPr marL="2514600" indent="-228600" eaLnBrk="0" fontAlgn="base" hangingPunct="0">
-              <a:spcBef>
-                <a:spcPct val="0"/>
-              </a:spcBef>
-              <a:spcAft>
-                <a:spcPct val="0"/>
-              </a:spcAft>
-              <a:defRPr>
-                <a:solidFill>
-                  <a:schemeClr val="tx1"/>
-                </a:solidFill>
-                <a:latin typeface="Calibri" panose="020F0502020204030204" pitchFamily="34" charset="0"/>
-              </a:defRPr>
-            </a:lvl6pPr>
-            <a:lvl7pPr marL="2971800" indent="-228600" eaLnBrk="0" fontAlgn="base" hangingPunct="0">
-              <a:spcBef>
-                <a:spcPct val="0"/>
-              </a:spcBef>
-              <a:spcAft>
-                <a:spcPct val="0"/>
-              </a:spcAft>
-              <a:defRPr>
-                <a:solidFill>
-                  <a:schemeClr val="tx1"/>
-                </a:solidFill>
-                <a:latin typeface="Calibri" panose="020F0502020204030204" pitchFamily="34" charset="0"/>
-              </a:defRPr>
-            </a:lvl7pPr>
-            <a:lvl8pPr marL="3429000" indent="-228600" eaLnBrk="0" fontAlgn="base" hangingPunct="0">
-              <a:spcBef>
-                <a:spcPct val="0"/>
-              </a:spcBef>
-              <a:spcAft>
-                <a:spcPct val="0"/>
-              </a:spcAft>
-              <a:defRPr>
-                <a:solidFill>
-                  <a:schemeClr val="tx1"/>
-                </a:solidFill>
-                <a:latin typeface="Calibri" panose="020F0502020204030204" pitchFamily="34" charset="0"/>
-              </a:defRPr>
-            </a:lvl8pPr>
-            <a:lvl9pPr marL="3886200" indent="-228600" eaLnBrk="0" fontAlgn="base" hangingPunct="0">
-              <a:spcBef>
-                <a:spcPct val="0"/>
-              </a:spcBef>
-              <a:spcAft>
-                <a:spcPct val="0"/>
-              </a:spcAft>
-              <a:defRPr>
-                <a:solidFill>
-                  <a:schemeClr val="tx1"/>
-                </a:solidFill>
-                <a:latin typeface="Calibri" panose="020F0502020204030204" pitchFamily="34" charset="0"/>
-              </a:defRPr>
-            </a:lvl9pPr>
-          </a:lstStyle>
-          <a:p>
-            <a:pPr algn="ctr"/>
-            <a:r>
-              <a:rPr lang="en-US" altLang="en-US" sz="1100" dirty="0">
-                <a:latin typeface="Arial" panose="020B0604020202020204" pitchFamily="34" charset="0"/>
-                <a:ea typeface="Amazon Ember" panose="020B0603020204020204" pitchFamily="34" charset="0"/>
-                <a:cs typeface="Arial" panose="020B0604020202020204" pitchFamily="34" charset="0"/>
-              </a:rPr>
-              <a:t>S3 Block Account Public Access Role</a:t>
-            </a:r>
-          </a:p>
-        </p:txBody>
-      </p:sp>
-      <p:pic>
-        <p:nvPicPr>
-          <p:cNvPr id="61" name="Graphic 49">
-            <a:extLst>
-              <a:ext uri="{FF2B5EF4-FFF2-40B4-BE49-F238E27FC236}">
-                <a16:creationId xmlns:a16="http://schemas.microsoft.com/office/drawing/2014/main" id="{222F14F2-0D5F-3A49-B4BE-0AE368E5A3B3}"/>
-              </a:ext>
-            </a:extLst>
-          </p:cNvPr>
-          <p:cNvPicPr>
-            <a:picLocks noChangeAspect="1" noChangeArrowheads="1"/>
-          </p:cNvPicPr>
-          <p:nvPr/>
-        </p:nvPicPr>
-        <p:blipFill>
-          <a:blip r:embed="rId7">
-            <a:extLst>
-              <a:ext uri="{28A0092B-C50C-407E-A947-70E740481C1C}">
-                <a14:useLocalDpi xmlns:a14="http://schemas.microsoft.com/office/drawing/2010/main" val="0"/>
-              </a:ext>
-            </a:extLst>
-          </a:blip>
-          <a:srcRect/>
-          <a:stretch>
-            <a:fillRect/>
-          </a:stretch>
-        </p:blipFill>
-        <p:spPr bwMode="auto">
-          <a:xfrm>
-            <a:off x="9605862" y="1962055"/>
-            <a:ext cx="457200" cy="457200"/>
-          </a:xfrm>
-          <a:prstGeom prst="rect">
-            <a:avLst/>
-          </a:prstGeom>
-          <a:noFill/>
-          <a:ln>
-            <a:noFill/>
-          </a:ln>
-          <a:extLst>
-            <a:ext uri="{909E8E84-426E-40DD-AFC4-6F175D3DCCD1}">
-              <a14:hiddenFill xmlns:a14="http://schemas.microsoft.com/office/drawing/2010/main">
-                <a:solidFill>
-                  <a:srgbClr val="FFFFFF"/>
-                </a:solidFill>
-              </a14:hiddenFill>
-            </a:ext>
-            <a:ext uri="{91240B29-F687-4F45-9708-019B960494DF}">
-              <a14:hiddenLine xmlns:a14="http://schemas.microsoft.com/office/drawing/2010/main" w="9525">
-                <a:solidFill>
-                  <a:srgbClr val="000000"/>
-                </a:solidFill>
-                <a:miter lim="800000"/>
-                <a:headEnd/>
-                <a:tailEnd/>
-              </a14:hiddenLine>
-            </a:ext>
-          </a:extLst>
-        </p:spPr>
-      </p:pic>
-      <p:sp>
-        <p:nvSpPr>
-          <p:cNvPr id="62" name="TextBox 17">
-            <a:extLst>
-              <a:ext uri="{FF2B5EF4-FFF2-40B4-BE49-F238E27FC236}">
-                <a16:creationId xmlns:a16="http://schemas.microsoft.com/office/drawing/2014/main" id="{C27B09C0-4CF5-2042-835C-09CB7BEF2842}"/>
-              </a:ext>
-            </a:extLst>
-          </p:cNvPr>
-          <p:cNvSpPr txBox="1">
-            <a:spLocks noChangeArrowheads="1"/>
-          </p:cNvSpPr>
-          <p:nvPr/>
-        </p:nvSpPr>
-        <p:spPr bwMode="auto">
-          <a:xfrm>
-            <a:off x="3825035" y="2853300"/>
-            <a:ext cx="1362074" cy="261610"/>
-          </a:xfrm>
-          <a:prstGeom prst="rect">
-            <a:avLst/>
-          </a:prstGeom>
-          <a:noFill/>
-          <a:ln>
-            <a:noFill/>
-          </a:ln>
-          <a:extLst>
-            <a:ext uri="{909E8E84-426E-40DD-AFC4-6F175D3DCCD1}">
-              <a14:hiddenFill xmlns:a14="http://schemas.microsoft.com/office/drawing/2010/main">
-                <a:solidFill>
-                  <a:srgbClr val="FFFFFF"/>
-                </a:solidFill>
-              </a14:hiddenFill>
-            </a:ext>
-            <a:ext uri="{91240B29-F687-4F45-9708-019B960494DF}">
-              <a14:hiddenLine xmlns:a14="http://schemas.microsoft.com/office/drawing/2010/main" w="9525">
-                <a:solidFill>
-                  <a:srgbClr val="000000"/>
-                </a:solidFill>
-                <a:miter lim="800000"/>
-                <a:headEnd/>
-                <a:tailEnd/>
-              </a14:hiddenLine>
-            </a:ext>
-          </a:extLst>
-        </p:spPr>
-        <p:txBody>
-          <a:bodyPr wrap="square">
-            <a:spAutoFit/>
-          </a:bodyPr>
-          <a:lstStyle>
-            <a:lvl1pPr>
-              <a:defRPr>
-                <a:solidFill>
-                  <a:schemeClr val="tx1"/>
-                </a:solidFill>
-                <a:latin typeface="Calibri" panose="020F0502020204030204" pitchFamily="34" charset="0"/>
-              </a:defRPr>
-            </a:lvl1pPr>
-            <a:lvl2pPr marL="742950" indent="-285750">
-              <a:defRPr>
-                <a:solidFill>
-                  <a:schemeClr val="tx1"/>
-                </a:solidFill>
-                <a:latin typeface="Calibri" panose="020F0502020204030204" pitchFamily="34" charset="0"/>
-              </a:defRPr>
-            </a:lvl2pPr>
-            <a:lvl3pPr marL="1143000" indent="-228600">
-              <a:defRPr>
-                <a:solidFill>
-                  <a:schemeClr val="tx1"/>
-                </a:solidFill>
-                <a:latin typeface="Calibri" panose="020F0502020204030204" pitchFamily="34" charset="0"/>
-              </a:defRPr>
-            </a:lvl3pPr>
-            <a:lvl4pPr marL="1600200" indent="-228600">
-              <a:defRPr>
-                <a:solidFill>
-                  <a:schemeClr val="tx1"/>
-                </a:solidFill>
-                <a:latin typeface="Calibri" panose="020F0502020204030204" pitchFamily="34" charset="0"/>
-              </a:defRPr>
-            </a:lvl4pPr>
-            <a:lvl5pPr marL="2057400" indent="-228600">
-              <a:defRPr>
-                <a:solidFill>
-                  <a:schemeClr val="tx1"/>
-                </a:solidFill>
-                <a:latin typeface="Calibri" panose="020F0502020204030204" pitchFamily="34" charset="0"/>
-              </a:defRPr>
-            </a:lvl5pPr>
-            <a:lvl6pPr marL="2514600" indent="-228600" eaLnBrk="0" fontAlgn="base" hangingPunct="0">
-              <a:spcBef>
-                <a:spcPct val="0"/>
-              </a:spcBef>
-              <a:spcAft>
-                <a:spcPct val="0"/>
-              </a:spcAft>
-              <a:defRPr>
-                <a:solidFill>
-                  <a:schemeClr val="tx1"/>
-                </a:solidFill>
-                <a:latin typeface="Calibri" panose="020F0502020204030204" pitchFamily="34" charset="0"/>
-              </a:defRPr>
-            </a:lvl6pPr>
-            <a:lvl7pPr marL="2971800" indent="-228600" eaLnBrk="0" fontAlgn="base" hangingPunct="0">
-              <a:spcBef>
-                <a:spcPct val="0"/>
-              </a:spcBef>
-              <a:spcAft>
-                <a:spcPct val="0"/>
-              </a:spcAft>
-              <a:defRPr>
-                <a:solidFill>
-                  <a:schemeClr val="tx1"/>
-                </a:solidFill>
-                <a:latin typeface="Calibri" panose="020F0502020204030204" pitchFamily="34" charset="0"/>
-              </a:defRPr>
-            </a:lvl7pPr>
-            <a:lvl8pPr marL="3429000" indent="-228600" eaLnBrk="0" fontAlgn="base" hangingPunct="0">
-              <a:spcBef>
-                <a:spcPct val="0"/>
-              </a:spcBef>
-              <a:spcAft>
-                <a:spcPct val="0"/>
-              </a:spcAft>
-              <a:defRPr>
-                <a:solidFill>
-                  <a:schemeClr val="tx1"/>
-                </a:solidFill>
-                <a:latin typeface="Calibri" panose="020F0502020204030204" pitchFamily="34" charset="0"/>
-              </a:defRPr>
-            </a:lvl8pPr>
-            <a:lvl9pPr marL="3886200" indent="-228600" eaLnBrk="0" fontAlgn="base" hangingPunct="0">
-              <a:spcBef>
-                <a:spcPct val="0"/>
-              </a:spcBef>
-              <a:spcAft>
-                <a:spcPct val="0"/>
-              </a:spcAft>
-              <a:defRPr>
-                <a:solidFill>
-                  <a:schemeClr val="tx1"/>
-                </a:solidFill>
-                <a:latin typeface="Calibri" panose="020F0502020204030204" pitchFamily="34" charset="0"/>
-              </a:defRPr>
-            </a:lvl9pPr>
-          </a:lstStyle>
-          <a:p>
-            <a:pPr algn="ctr" eaLnBrk="1" hangingPunct="1"/>
-            <a:r>
-              <a:rPr lang="en-US" altLang="en-US" sz="1100" dirty="0">
-                <a:latin typeface="Arial" panose="020B0604020202020204" pitchFamily="34" charset="0"/>
-                <a:ea typeface="Amazon Ember" panose="020B0603020204020204" pitchFamily="34" charset="0"/>
-                <a:cs typeface="Arial" panose="020B0604020202020204" pitchFamily="34" charset="0"/>
-              </a:rPr>
-              <a:t>Lambda Function</a:t>
-            </a:r>
-          </a:p>
-        </p:txBody>
-      </p:sp>
-      <p:pic>
-        <p:nvPicPr>
-          <p:cNvPr id="63" name="Graphic 13">
-            <a:extLst>
-              <a:ext uri="{FF2B5EF4-FFF2-40B4-BE49-F238E27FC236}">
-                <a16:creationId xmlns:a16="http://schemas.microsoft.com/office/drawing/2014/main" id="{F956D650-C517-B043-A7F7-96C1963A21A0}"/>
-              </a:ext>
-            </a:extLst>
-          </p:cNvPr>
-          <p:cNvPicPr>
-            <a:picLocks noChangeAspect="1" noChangeArrowheads="1"/>
-          </p:cNvPicPr>
-          <p:nvPr/>
-        </p:nvPicPr>
-        <p:blipFill>
-          <a:blip r:embed="rId10">
-            <a:extLst>
-              <a:ext uri="{28A0092B-C50C-407E-A947-70E740481C1C}">
-                <a14:useLocalDpi xmlns:a14="http://schemas.microsoft.com/office/drawing/2010/main" val="0"/>
-              </a:ext>
-            </a:extLst>
-          </a:blip>
-          <a:srcRect/>
-          <a:stretch>
-            <a:fillRect/>
-          </a:stretch>
-        </p:blipFill>
-        <p:spPr bwMode="auto">
-          <a:xfrm>
-            <a:off x="4285961" y="2373875"/>
-            <a:ext cx="457200" cy="457200"/>
-          </a:xfrm>
-          <a:prstGeom prst="rect">
-            <a:avLst/>
-          </a:prstGeom>
-          <a:noFill/>
-          <a:ln>
-            <a:noFill/>
-          </a:ln>
-          <a:extLst>
-            <a:ext uri="{909E8E84-426E-40DD-AFC4-6F175D3DCCD1}">
-              <a14:hiddenFill xmlns:a14="http://schemas.microsoft.com/office/drawing/2010/main">
-                <a:solidFill>
-                  <a:srgbClr val="FFFFFF"/>
-                </a:solidFill>
-              </a14:hiddenFill>
-            </a:ext>
-            <a:ext uri="{91240B29-F687-4F45-9708-019B960494DF}">
-              <a14:hiddenLine xmlns:a14="http://schemas.microsoft.com/office/drawing/2010/main" w="9525">
-                <a:solidFill>
-                  <a:srgbClr val="000000"/>
-                </a:solidFill>
-                <a:miter lim="800000"/>
-                <a:headEnd/>
-                <a:tailEnd/>
-              </a14:hiddenLine>
-            </a:ext>
-          </a:extLst>
-        </p:spPr>
-      </p:pic>
-      <p:pic>
-        <p:nvPicPr>
-          <p:cNvPr id="64" name="Graphic 7">
-            <a:extLst>
-              <a:ext uri="{FF2B5EF4-FFF2-40B4-BE49-F238E27FC236}">
-                <a16:creationId xmlns:a16="http://schemas.microsoft.com/office/drawing/2014/main" id="{323145FD-C8DF-254B-A24D-00876CC45B93}"/>
-              </a:ext>
-            </a:extLst>
-          </p:cNvPr>
-          <p:cNvPicPr>
-            <a:picLocks noChangeAspect="1" noChangeArrowheads="1"/>
-          </p:cNvPicPr>
-          <p:nvPr/>
-        </p:nvPicPr>
-        <p:blipFill>
-          <a:blip r:embed="rId11">
-            <a:extLst>
-              <a:ext uri="{28A0092B-C50C-407E-A947-70E740481C1C}">
-                <a14:useLocalDpi xmlns:a14="http://schemas.microsoft.com/office/drawing/2010/main" val="0"/>
-              </a:ext>
-            </a:extLst>
-          </a:blip>
-          <a:srcRect/>
-          <a:stretch>
-            <a:fillRect/>
-          </a:stretch>
-        </p:blipFill>
-        <p:spPr bwMode="auto">
-          <a:xfrm>
-            <a:off x="4277321" y="3322462"/>
-            <a:ext cx="457200" cy="457200"/>
-          </a:xfrm>
-          <a:prstGeom prst="rect">
-            <a:avLst/>
-          </a:prstGeom>
-          <a:noFill/>
-          <a:ln>
-            <a:noFill/>
-          </a:ln>
-          <a:extLst>
-            <a:ext uri="{909E8E84-426E-40DD-AFC4-6F175D3DCCD1}">
-              <a14:hiddenFill xmlns:a14="http://schemas.microsoft.com/office/drawing/2010/main">
-                <a:solidFill>
-                  <a:srgbClr val="FFFFFF"/>
-                </a:solidFill>
-              </a14:hiddenFill>
-            </a:ext>
-            <a:ext uri="{91240B29-F687-4F45-9708-019B960494DF}">
-              <a14:hiddenLine xmlns:a14="http://schemas.microsoft.com/office/drawing/2010/main" w="9525">
-                <a:solidFill>
-                  <a:srgbClr val="000000"/>
-                </a:solidFill>
-                <a:miter lim="800000"/>
-                <a:headEnd/>
-                <a:tailEnd/>
-              </a14:hiddenLine>
-            </a:ext>
-          </a:extLst>
-        </p:spPr>
-      </p:pic>
-      <p:sp>
-        <p:nvSpPr>
-          <p:cNvPr id="65" name="TextBox 31">
-            <a:extLst>
-              <a:ext uri="{FF2B5EF4-FFF2-40B4-BE49-F238E27FC236}">
-                <a16:creationId xmlns:a16="http://schemas.microsoft.com/office/drawing/2014/main" id="{E56420B5-7428-9044-8F07-51CF19F1FC4F}"/>
-              </a:ext>
-            </a:extLst>
-          </p:cNvPr>
-          <p:cNvSpPr txBox="1">
-            <a:spLocks noChangeArrowheads="1"/>
-          </p:cNvSpPr>
-          <p:nvPr/>
-        </p:nvSpPr>
-        <p:spPr bwMode="auto">
-          <a:xfrm>
-            <a:off x="3843184" y="3773313"/>
-            <a:ext cx="1163639" cy="430887"/>
-          </a:xfrm>
-          <a:prstGeom prst="rect">
-            <a:avLst/>
-          </a:prstGeom>
-          <a:noFill/>
-          <a:ln>
-            <a:noFill/>
-          </a:ln>
-          <a:extLst>
-            <a:ext uri="{909E8E84-426E-40DD-AFC4-6F175D3DCCD1}">
-              <a14:hiddenFill xmlns:a14="http://schemas.microsoft.com/office/drawing/2010/main">
-                <a:solidFill>
-                  <a:srgbClr val="FFFFFF"/>
-                </a:solidFill>
-              </a14:hiddenFill>
-            </a:ext>
-            <a:ext uri="{91240B29-F687-4F45-9708-019B960494DF}">
-              <a14:hiddenLine xmlns:a14="http://schemas.microsoft.com/office/drawing/2010/main" w="9525">
-                <a:solidFill>
-                  <a:srgbClr val="000000"/>
-                </a:solidFill>
-                <a:miter lim="800000"/>
-                <a:headEnd/>
-                <a:tailEnd/>
-              </a14:hiddenLine>
-            </a:ext>
-          </a:extLst>
-        </p:spPr>
-        <p:txBody>
-          <a:bodyPr wrap="square">
-            <a:spAutoFit/>
-          </a:bodyPr>
-          <a:lstStyle>
-            <a:lvl1pPr>
-              <a:defRPr>
-                <a:solidFill>
-                  <a:schemeClr val="tx1"/>
-                </a:solidFill>
-                <a:latin typeface="Calibri" panose="020F0502020204030204" pitchFamily="34" charset="0"/>
-              </a:defRPr>
-            </a:lvl1pPr>
-            <a:lvl2pPr marL="742950" indent="-285750">
-              <a:defRPr>
-                <a:solidFill>
-                  <a:schemeClr val="tx1"/>
-                </a:solidFill>
-                <a:latin typeface="Calibri" panose="020F0502020204030204" pitchFamily="34" charset="0"/>
-              </a:defRPr>
-            </a:lvl2pPr>
-            <a:lvl3pPr marL="1143000" indent="-228600">
-              <a:defRPr>
-                <a:solidFill>
-                  <a:schemeClr val="tx1"/>
-                </a:solidFill>
-                <a:latin typeface="Calibri" panose="020F0502020204030204" pitchFamily="34" charset="0"/>
-              </a:defRPr>
-            </a:lvl3pPr>
-            <a:lvl4pPr marL="1600200" indent="-228600">
-              <a:defRPr>
-                <a:solidFill>
-                  <a:schemeClr val="tx1"/>
-                </a:solidFill>
-                <a:latin typeface="Calibri" panose="020F0502020204030204" pitchFamily="34" charset="0"/>
-              </a:defRPr>
-            </a:lvl4pPr>
-            <a:lvl5pPr marL="2057400" indent="-228600">
-              <a:defRPr>
-                <a:solidFill>
-                  <a:schemeClr val="tx1"/>
-                </a:solidFill>
-                <a:latin typeface="Calibri" panose="020F0502020204030204" pitchFamily="34" charset="0"/>
-              </a:defRPr>
-            </a:lvl5pPr>
-            <a:lvl6pPr marL="2514600" indent="-228600" eaLnBrk="0" fontAlgn="base" hangingPunct="0">
-              <a:spcBef>
-                <a:spcPct val="0"/>
-              </a:spcBef>
-              <a:spcAft>
-                <a:spcPct val="0"/>
-              </a:spcAft>
-              <a:defRPr>
-                <a:solidFill>
-                  <a:schemeClr val="tx1"/>
-                </a:solidFill>
-                <a:latin typeface="Calibri" panose="020F0502020204030204" pitchFamily="34" charset="0"/>
-              </a:defRPr>
-            </a:lvl6pPr>
-            <a:lvl7pPr marL="2971800" indent="-228600" eaLnBrk="0" fontAlgn="base" hangingPunct="0">
-              <a:spcBef>
-                <a:spcPct val="0"/>
-              </a:spcBef>
-              <a:spcAft>
-                <a:spcPct val="0"/>
-              </a:spcAft>
-              <a:defRPr>
-                <a:solidFill>
-                  <a:schemeClr val="tx1"/>
-                </a:solidFill>
-                <a:latin typeface="Calibri" panose="020F0502020204030204" pitchFamily="34" charset="0"/>
-              </a:defRPr>
-            </a:lvl7pPr>
-            <a:lvl8pPr marL="3429000" indent="-228600" eaLnBrk="0" fontAlgn="base" hangingPunct="0">
-              <a:spcBef>
-                <a:spcPct val="0"/>
-              </a:spcBef>
-              <a:spcAft>
-                <a:spcPct val="0"/>
-              </a:spcAft>
-              <a:defRPr>
-                <a:solidFill>
-                  <a:schemeClr val="tx1"/>
-                </a:solidFill>
-                <a:latin typeface="Calibri" panose="020F0502020204030204" pitchFamily="34" charset="0"/>
-              </a:defRPr>
-            </a:lvl8pPr>
-            <a:lvl9pPr marL="3886200" indent="-228600" eaLnBrk="0" fontAlgn="base" hangingPunct="0">
-              <a:spcBef>
-                <a:spcPct val="0"/>
-              </a:spcBef>
-              <a:spcAft>
-                <a:spcPct val="0"/>
-              </a:spcAft>
-              <a:defRPr>
-                <a:solidFill>
-                  <a:schemeClr val="tx1"/>
-                </a:solidFill>
-                <a:latin typeface="Calibri" panose="020F0502020204030204" pitchFamily="34" charset="0"/>
-              </a:defRPr>
-            </a:lvl9pPr>
-          </a:lstStyle>
-          <a:p>
-            <a:pPr algn="ctr" eaLnBrk="1" hangingPunct="1"/>
-            <a:r>
-              <a:rPr lang="en-US" altLang="en-US" sz="1100" dirty="0">
-                <a:latin typeface="Arial" panose="020B0604020202020204" pitchFamily="34" charset="0"/>
-                <a:ea typeface="Amazon Ember" panose="020B0603020204020204" pitchFamily="34" charset="0"/>
-                <a:cs typeface="Arial" panose="020B0604020202020204" pitchFamily="34" charset="0"/>
-              </a:rPr>
-              <a:t>CloudWatch Log Group</a:t>
-            </a:r>
-          </a:p>
-        </p:txBody>
-      </p:sp>
-      <p:sp>
-        <p:nvSpPr>
-          <p:cNvPr id="66" name="TextBox 29">
-            <a:extLst>
-              <a:ext uri="{FF2B5EF4-FFF2-40B4-BE49-F238E27FC236}">
-                <a16:creationId xmlns:a16="http://schemas.microsoft.com/office/drawing/2014/main" id="{9E0E69DC-60E3-2C4F-8D4D-5FADBFDF3FC2}"/>
-              </a:ext>
-            </a:extLst>
-          </p:cNvPr>
-          <p:cNvSpPr txBox="1">
-            <a:spLocks noChangeArrowheads="1"/>
-          </p:cNvSpPr>
-          <p:nvPr/>
-        </p:nvSpPr>
-        <p:spPr bwMode="auto">
-          <a:xfrm>
-            <a:off x="4842421" y="2269201"/>
-            <a:ext cx="1119613" cy="261610"/>
-          </a:xfrm>
-          <a:prstGeom prst="rect">
-            <a:avLst/>
-          </a:prstGeom>
-          <a:noFill/>
-          <a:ln>
-            <a:noFill/>
-          </a:ln>
-          <a:extLst>
-            <a:ext uri="{909E8E84-426E-40DD-AFC4-6F175D3DCCD1}">
-              <a14:hiddenFill xmlns:a14="http://schemas.microsoft.com/office/drawing/2010/main">
-                <a:solidFill>
-                  <a:srgbClr val="FFFFFF"/>
-                </a:solidFill>
-              </a14:hiddenFill>
-            </a:ext>
-            <a:ext uri="{91240B29-F687-4F45-9708-019B960494DF}">
-              <a14:hiddenLine xmlns:a14="http://schemas.microsoft.com/office/drawing/2010/main" w="9525">
-                <a:solidFill>
-                  <a:srgbClr val="000000"/>
-                </a:solidFill>
-                <a:miter lim="800000"/>
-                <a:headEnd/>
-                <a:tailEnd/>
-              </a14:hiddenLine>
-            </a:ext>
-          </a:extLst>
-        </p:spPr>
-        <p:txBody>
-          <a:bodyPr wrap="square">
-            <a:spAutoFit/>
-          </a:bodyPr>
-          <a:lstStyle>
-            <a:lvl1pPr>
-              <a:defRPr>
-                <a:solidFill>
-                  <a:schemeClr val="tx1"/>
-                </a:solidFill>
-                <a:latin typeface="Calibri" panose="020F0502020204030204" pitchFamily="34" charset="0"/>
-              </a:defRPr>
-            </a:lvl1pPr>
-            <a:lvl2pPr marL="742950" indent="-285750">
-              <a:defRPr>
-                <a:solidFill>
-                  <a:schemeClr val="tx1"/>
-                </a:solidFill>
-                <a:latin typeface="Calibri" panose="020F0502020204030204" pitchFamily="34" charset="0"/>
-              </a:defRPr>
-            </a:lvl2pPr>
-            <a:lvl3pPr marL="1143000" indent="-228600">
-              <a:defRPr>
-                <a:solidFill>
-                  <a:schemeClr val="tx1"/>
-                </a:solidFill>
-                <a:latin typeface="Calibri" panose="020F0502020204030204" pitchFamily="34" charset="0"/>
-              </a:defRPr>
-            </a:lvl3pPr>
-            <a:lvl4pPr marL="1600200" indent="-228600">
-              <a:defRPr>
-                <a:solidFill>
-                  <a:schemeClr val="tx1"/>
-                </a:solidFill>
-                <a:latin typeface="Calibri" panose="020F0502020204030204" pitchFamily="34" charset="0"/>
-              </a:defRPr>
-            </a:lvl4pPr>
-            <a:lvl5pPr marL="2057400" indent="-228600">
-              <a:defRPr>
-                <a:solidFill>
-                  <a:schemeClr val="tx1"/>
-                </a:solidFill>
-                <a:latin typeface="Calibri" panose="020F0502020204030204" pitchFamily="34" charset="0"/>
-              </a:defRPr>
-            </a:lvl5pPr>
-            <a:lvl6pPr marL="2514600" indent="-228600" eaLnBrk="0" fontAlgn="base" hangingPunct="0">
-              <a:spcBef>
-                <a:spcPct val="0"/>
-              </a:spcBef>
-              <a:spcAft>
-                <a:spcPct val="0"/>
-              </a:spcAft>
-              <a:defRPr>
-                <a:solidFill>
-                  <a:schemeClr val="tx1"/>
-                </a:solidFill>
-                <a:latin typeface="Calibri" panose="020F0502020204030204" pitchFamily="34" charset="0"/>
-              </a:defRPr>
-            </a:lvl6pPr>
-            <a:lvl7pPr marL="2971800" indent="-228600" eaLnBrk="0" fontAlgn="base" hangingPunct="0">
-              <a:spcBef>
-                <a:spcPct val="0"/>
-              </a:spcBef>
-              <a:spcAft>
-                <a:spcPct val="0"/>
-              </a:spcAft>
-              <a:defRPr>
-                <a:solidFill>
-                  <a:schemeClr val="tx1"/>
-                </a:solidFill>
-                <a:latin typeface="Calibri" panose="020F0502020204030204" pitchFamily="34" charset="0"/>
-              </a:defRPr>
-            </a:lvl7pPr>
-            <a:lvl8pPr marL="3429000" indent="-228600" eaLnBrk="0" fontAlgn="base" hangingPunct="0">
-              <a:spcBef>
-                <a:spcPct val="0"/>
-              </a:spcBef>
-              <a:spcAft>
-                <a:spcPct val="0"/>
-              </a:spcAft>
-              <a:defRPr>
-                <a:solidFill>
-                  <a:schemeClr val="tx1"/>
-                </a:solidFill>
-                <a:latin typeface="Calibri" panose="020F0502020204030204" pitchFamily="34" charset="0"/>
-              </a:defRPr>
-            </a:lvl8pPr>
-            <a:lvl9pPr marL="3886200" indent="-228600" eaLnBrk="0" fontAlgn="base" hangingPunct="0">
-              <a:spcBef>
-                <a:spcPct val="0"/>
-              </a:spcBef>
-              <a:spcAft>
-                <a:spcPct val="0"/>
-              </a:spcAft>
-              <a:defRPr>
-                <a:solidFill>
-                  <a:schemeClr val="tx1"/>
-                </a:solidFill>
-                <a:latin typeface="Calibri" panose="020F0502020204030204" pitchFamily="34" charset="0"/>
-              </a:defRPr>
-            </a:lvl9pPr>
-          </a:lstStyle>
-          <a:p>
-            <a:pPr algn="ctr" eaLnBrk="1" hangingPunct="1"/>
-            <a:r>
-              <a:rPr lang="en-US" altLang="en-US" sz="1100" dirty="0">
-                <a:latin typeface="Arial" panose="020B0604020202020204" pitchFamily="34" charset="0"/>
-                <a:ea typeface="Amazon Ember" panose="020B0603020204020204" pitchFamily="34" charset="0"/>
-                <a:cs typeface="Arial" panose="020B0604020202020204" pitchFamily="34" charset="0"/>
-              </a:rPr>
-              <a:t>Lambda Role</a:t>
-            </a:r>
-          </a:p>
-        </p:txBody>
-      </p:sp>
-      <p:pic>
-        <p:nvPicPr>
-          <p:cNvPr id="67" name="Graphic 49">
-            <a:extLst>
-              <a:ext uri="{FF2B5EF4-FFF2-40B4-BE49-F238E27FC236}">
-                <a16:creationId xmlns:a16="http://schemas.microsoft.com/office/drawing/2014/main" id="{C6A8E1EE-C7EC-154E-A17B-9AAAC0C20DBD}"/>
-              </a:ext>
-            </a:extLst>
-          </p:cNvPr>
-          <p:cNvPicPr>
-            <a:picLocks noChangeAspect="1" noChangeArrowheads="1"/>
-          </p:cNvPicPr>
-          <p:nvPr/>
-        </p:nvPicPr>
-        <p:blipFill>
-          <a:blip r:embed="rId7">
-            <a:extLst>
-              <a:ext uri="{28A0092B-C50C-407E-A947-70E740481C1C}">
-                <a14:useLocalDpi xmlns:a14="http://schemas.microsoft.com/office/drawing/2010/main" val="0"/>
-              </a:ext>
-            </a:extLst>
-          </a:blip>
-          <a:srcRect/>
-          <a:stretch>
-            <a:fillRect/>
-          </a:stretch>
-        </p:blipFill>
-        <p:spPr bwMode="auto">
-          <a:xfrm>
-            <a:off x="5173627" y="1883031"/>
-            <a:ext cx="457200" cy="457200"/>
-          </a:xfrm>
-          <a:prstGeom prst="rect">
-            <a:avLst/>
-          </a:prstGeom>
-          <a:noFill/>
-          <a:ln>
-            <a:noFill/>
-          </a:ln>
-          <a:extLst>
-            <a:ext uri="{909E8E84-426E-40DD-AFC4-6F175D3DCCD1}">
-              <a14:hiddenFill xmlns:a14="http://schemas.microsoft.com/office/drawing/2010/main">
-                <a:solidFill>
-                  <a:srgbClr val="FFFFFF"/>
-                </a:solidFill>
-              </a14:hiddenFill>
-            </a:ext>
-            <a:ext uri="{91240B29-F687-4F45-9708-019B960494DF}">
-              <a14:hiddenLine xmlns:a14="http://schemas.microsoft.com/office/drawing/2010/main" w="9525">
-                <a:solidFill>
-                  <a:srgbClr val="000000"/>
-                </a:solidFill>
-                <a:miter lim="800000"/>
-                <a:headEnd/>
-                <a:tailEnd/>
-              </a14:hiddenLine>
-            </a:ext>
-          </a:extLst>
-        </p:spPr>
-      </p:pic>
-      <p:cxnSp>
-        <p:nvCxnSpPr>
-          <p:cNvPr id="3" name="Elbow Connector 2">
-            <a:extLst>
-              <a:ext uri="{FF2B5EF4-FFF2-40B4-BE49-F238E27FC236}">
-                <a16:creationId xmlns:a16="http://schemas.microsoft.com/office/drawing/2014/main" id="{DF8D6342-EA81-3644-A18F-C2FCB1834586}"/>
-              </a:ext>
-            </a:extLst>
-          </p:cNvPr>
-          <p:cNvCxnSpPr>
-            <a:stCxn id="54" idx="0"/>
-            <a:endCxn id="63" idx="1"/>
-          </p:cNvCxnSpPr>
-          <p:nvPr/>
-        </p:nvCxnSpPr>
-        <p:spPr>
-          <a:xfrm rot="5400000" flipH="1" flipV="1">
-            <a:off x="3394587" y="2431089"/>
-            <a:ext cx="719987" cy="1062761"/>
-          </a:xfrm>
-          <a:prstGeom prst="bentConnector2">
-            <a:avLst/>
-          </a:prstGeom>
-          <a:ln>
-            <a:tailEnd type="triangle"/>
-          </a:ln>
-        </p:spPr>
-        <p:style>
-          <a:lnRef idx="1">
-            <a:schemeClr val="dk1"/>
-          </a:lnRef>
-          <a:fillRef idx="0">
-            <a:schemeClr val="dk1"/>
-          </a:fillRef>
-          <a:effectRef idx="0">
-            <a:schemeClr val="dk1"/>
-          </a:effectRef>
-          <a:fontRef idx="minor">
-            <a:schemeClr val="tx1"/>
-          </a:fontRef>
-        </p:style>
-      </p:cxnSp>
-      <p:cxnSp>
-        <p:nvCxnSpPr>
-          <p:cNvPr id="5" name="Straight Arrow Connector 4">
-            <a:extLst>
-              <a:ext uri="{FF2B5EF4-FFF2-40B4-BE49-F238E27FC236}">
-                <a16:creationId xmlns:a16="http://schemas.microsoft.com/office/drawing/2014/main" id="{1B308E61-8BF4-6445-8037-A93BF42BA271}"/>
-              </a:ext>
-            </a:extLst>
-          </p:cNvPr>
-          <p:cNvCxnSpPr>
-            <a:stCxn id="63" idx="3"/>
-            <a:endCxn id="56" idx="1"/>
-          </p:cNvCxnSpPr>
-          <p:nvPr/>
-        </p:nvCxnSpPr>
         <p:spPr>
           <a:xfrm>
-            <a:off x="4743161" y="2602475"/>
-            <a:ext cx="1450222" cy="0"/>
-          </a:xfrm>
-          <a:prstGeom prst="straightConnector1">
-            <a:avLst/>
-          </a:prstGeom>
-          <a:ln>
-            <a:tailEnd type="triangle"/>
-          </a:ln>
-        </p:spPr>
-        <p:style>
-          <a:lnRef idx="1">
-            <a:schemeClr val="dk1"/>
-          </a:lnRef>
-          <a:fillRef idx="0">
-            <a:schemeClr val="dk1"/>
-          </a:fillRef>
-          <a:effectRef idx="0">
-            <a:schemeClr val="dk1"/>
-          </a:effectRef>
-          <a:fontRef idx="minor">
-            <a:schemeClr val="tx1"/>
-          </a:fontRef>
-        </p:style>
-      </p:cxnSp>
-      <p:cxnSp>
-        <p:nvCxnSpPr>
-          <p:cNvPr id="72" name="Straight Arrow Connector 71">
-            <a:extLst>
-              <a:ext uri="{FF2B5EF4-FFF2-40B4-BE49-F238E27FC236}">
-                <a16:creationId xmlns:a16="http://schemas.microsoft.com/office/drawing/2014/main" id="{B7182CD6-CC59-1444-B9F0-3A68FF14F0D4}"/>
-              </a:ext>
-            </a:extLst>
-          </p:cNvPr>
-          <p:cNvCxnSpPr>
-            <a:cxnSpLocks/>
-            <a:stCxn id="62" idx="2"/>
-            <a:endCxn id="64" idx="0"/>
-          </p:cNvCxnSpPr>
-          <p:nvPr/>
-        </p:nvCxnSpPr>
-        <p:spPr>
-          <a:xfrm flipH="1">
-            <a:off x="4505921" y="3114910"/>
-            <a:ext cx="151" cy="207552"/>
-          </a:xfrm>
-          <a:prstGeom prst="straightConnector1">
-            <a:avLst/>
-          </a:prstGeom>
-          <a:ln>
-            <a:tailEnd type="triangle"/>
-          </a:ln>
-        </p:spPr>
-        <p:style>
-          <a:lnRef idx="1">
-            <a:schemeClr val="dk1"/>
-          </a:lnRef>
-          <a:fillRef idx="0">
-            <a:schemeClr val="dk1"/>
-          </a:fillRef>
-          <a:effectRef idx="0">
-            <a:schemeClr val="dk1"/>
-          </a:effectRef>
-          <a:fontRef idx="minor">
-            <a:schemeClr val="tx1"/>
-          </a:fontRef>
-        </p:style>
-      </p:cxnSp>
-      <p:sp>
-        <p:nvSpPr>
-          <p:cNvPr id="75" name="TextBox 23">
-            <a:extLst>
-              <a:ext uri="{FF2B5EF4-FFF2-40B4-BE49-F238E27FC236}">
-                <a16:creationId xmlns:a16="http://schemas.microsoft.com/office/drawing/2014/main" id="{7F958851-8145-014D-BFA0-3124A10BD4F4}"/>
-              </a:ext>
-            </a:extLst>
-          </p:cNvPr>
-          <p:cNvSpPr txBox="1">
-            <a:spLocks noChangeArrowheads="1"/>
-          </p:cNvSpPr>
-          <p:nvPr/>
-        </p:nvSpPr>
-        <p:spPr bwMode="auto">
-          <a:xfrm>
-            <a:off x="2520635" y="1878269"/>
-            <a:ext cx="1455047" cy="430887"/>
-          </a:xfrm>
-          <a:prstGeom prst="rect">
-            <a:avLst/>
-          </a:prstGeom>
-          <a:noFill/>
-          <a:ln>
-            <a:noFill/>
-          </a:ln>
-          <a:extLst>
-            <a:ext uri="{909E8E84-426E-40DD-AFC4-6F175D3DCCD1}">
-              <a14:hiddenFill xmlns:a14="http://schemas.microsoft.com/office/drawing/2010/main">
-                <a:solidFill>
-                  <a:srgbClr val="FFFFFF"/>
-                </a:solidFill>
-              </a14:hiddenFill>
-            </a:ext>
-            <a:ext uri="{91240B29-F687-4F45-9708-019B960494DF}">
-              <a14:hiddenLine xmlns:a14="http://schemas.microsoft.com/office/drawing/2010/main" w="9525">
-                <a:solidFill>
-                  <a:srgbClr val="000000"/>
-                </a:solidFill>
-                <a:miter lim="800000"/>
-                <a:headEnd/>
-                <a:tailEnd/>
-              </a14:hiddenLine>
-            </a:ext>
-          </a:extLst>
-        </p:spPr>
-        <p:txBody>
-          <a:bodyPr wrap="square">
-            <a:spAutoFit/>
-          </a:bodyPr>
-          <a:lstStyle>
-            <a:lvl1pPr>
-              <a:defRPr>
-                <a:solidFill>
-                  <a:schemeClr val="tx1"/>
-                </a:solidFill>
-                <a:latin typeface="Calibri" panose="020F0502020204030204" pitchFamily="34" charset="0"/>
-              </a:defRPr>
-            </a:lvl1pPr>
-            <a:lvl2pPr marL="742950" indent="-285750">
-              <a:defRPr>
-                <a:solidFill>
-                  <a:schemeClr val="tx1"/>
-                </a:solidFill>
-                <a:latin typeface="Calibri" panose="020F0502020204030204" pitchFamily="34" charset="0"/>
-              </a:defRPr>
-            </a:lvl2pPr>
-            <a:lvl3pPr marL="1143000" indent="-228600">
-              <a:defRPr>
-                <a:solidFill>
-                  <a:schemeClr val="tx1"/>
-                </a:solidFill>
-                <a:latin typeface="Calibri" panose="020F0502020204030204" pitchFamily="34" charset="0"/>
-              </a:defRPr>
-            </a:lvl3pPr>
-            <a:lvl4pPr marL="1600200" indent="-228600">
-              <a:defRPr>
-                <a:solidFill>
-                  <a:schemeClr val="tx1"/>
-                </a:solidFill>
-                <a:latin typeface="Calibri" panose="020F0502020204030204" pitchFamily="34" charset="0"/>
-              </a:defRPr>
-            </a:lvl4pPr>
-            <a:lvl5pPr marL="2057400" indent="-228600">
-              <a:defRPr>
-                <a:solidFill>
-                  <a:schemeClr val="tx1"/>
-                </a:solidFill>
-                <a:latin typeface="Calibri" panose="020F0502020204030204" pitchFamily="34" charset="0"/>
-              </a:defRPr>
-            </a:lvl5pPr>
-            <a:lvl6pPr marL="2514600" indent="-228600" eaLnBrk="0" fontAlgn="base" hangingPunct="0">
-              <a:spcBef>
-                <a:spcPct val="0"/>
-              </a:spcBef>
-              <a:spcAft>
-                <a:spcPct val="0"/>
-              </a:spcAft>
-              <a:defRPr>
-                <a:solidFill>
-                  <a:schemeClr val="tx1"/>
-                </a:solidFill>
-                <a:latin typeface="Calibri" panose="020F0502020204030204" pitchFamily="34" charset="0"/>
-              </a:defRPr>
-            </a:lvl6pPr>
-            <a:lvl7pPr marL="2971800" indent="-228600" eaLnBrk="0" fontAlgn="base" hangingPunct="0">
-              <a:spcBef>
-                <a:spcPct val="0"/>
-              </a:spcBef>
-              <a:spcAft>
-                <a:spcPct val="0"/>
-              </a:spcAft>
-              <a:defRPr>
-                <a:solidFill>
-                  <a:schemeClr val="tx1"/>
-                </a:solidFill>
-                <a:latin typeface="Calibri" panose="020F0502020204030204" pitchFamily="34" charset="0"/>
-              </a:defRPr>
-            </a:lvl7pPr>
-            <a:lvl8pPr marL="3429000" indent="-228600" eaLnBrk="0" fontAlgn="base" hangingPunct="0">
-              <a:spcBef>
-                <a:spcPct val="0"/>
-              </a:spcBef>
-              <a:spcAft>
-                <a:spcPct val="0"/>
-              </a:spcAft>
-              <a:defRPr>
-                <a:solidFill>
-                  <a:schemeClr val="tx1"/>
-                </a:solidFill>
-                <a:latin typeface="Calibri" panose="020F0502020204030204" pitchFamily="34" charset="0"/>
-              </a:defRPr>
-            </a:lvl8pPr>
-            <a:lvl9pPr marL="3886200" indent="-228600" eaLnBrk="0" fontAlgn="base" hangingPunct="0">
-              <a:spcBef>
-                <a:spcPct val="0"/>
-              </a:spcBef>
-              <a:spcAft>
-                <a:spcPct val="0"/>
-              </a:spcAft>
-              <a:defRPr>
-                <a:solidFill>
-                  <a:schemeClr val="tx1"/>
-                </a:solidFill>
-                <a:latin typeface="Calibri" panose="020F0502020204030204" pitchFamily="34" charset="0"/>
-              </a:defRPr>
-            </a:lvl9pPr>
-          </a:lstStyle>
-          <a:p>
-            <a:pPr algn="ctr" eaLnBrk="1" hangingPunct="1"/>
-            <a:r>
-              <a:rPr lang="en-US" altLang="en-US" sz="1100" dirty="0">
-                <a:latin typeface="Arial" panose="020B0604020202020204" pitchFamily="34" charset="0"/>
-                <a:ea typeface="Amazon Ember" panose="020B0603020204020204" pitchFamily="34" charset="0"/>
-                <a:cs typeface="Arial" panose="020B0604020202020204" pitchFamily="34" charset="0"/>
-              </a:rPr>
-              <a:t>SSM Parameter Store</a:t>
-            </a:r>
-          </a:p>
-        </p:txBody>
-      </p:sp>
-      <p:pic>
-        <p:nvPicPr>
-          <p:cNvPr id="76" name="Graphic 26">
-            <a:extLst>
-              <a:ext uri="{FF2B5EF4-FFF2-40B4-BE49-F238E27FC236}">
-                <a16:creationId xmlns:a16="http://schemas.microsoft.com/office/drawing/2014/main" id="{1B5A0656-8C2A-A940-9929-6FD88DF62445}"/>
-              </a:ext>
-            </a:extLst>
-          </p:cNvPr>
-          <p:cNvPicPr>
-            <a:picLocks noChangeAspect="1" noChangeArrowheads="1"/>
-          </p:cNvPicPr>
-          <p:nvPr/>
-        </p:nvPicPr>
-        <p:blipFill>
-          <a:blip r:embed="rId12">
-            <a:extLst>
-              <a:ext uri="{28A0092B-C50C-407E-A947-70E740481C1C}">
-                <a14:useLocalDpi xmlns:a14="http://schemas.microsoft.com/office/drawing/2010/main" val="0"/>
-              </a:ext>
-            </a:extLst>
-          </a:blip>
-          <a:srcRect/>
-          <a:stretch>
-            <a:fillRect/>
-          </a:stretch>
-        </p:blipFill>
-        <p:spPr bwMode="auto">
-          <a:xfrm>
-            <a:off x="3073951" y="1438123"/>
-            <a:ext cx="457200" cy="457200"/>
-          </a:xfrm>
-          <a:prstGeom prst="rect">
-            <a:avLst/>
-          </a:prstGeom>
-          <a:noFill/>
-          <a:ln>
-            <a:noFill/>
-          </a:ln>
-          <a:extLst>
-            <a:ext uri="{909E8E84-426E-40DD-AFC4-6F175D3DCCD1}">
-              <a14:hiddenFill xmlns:a14="http://schemas.microsoft.com/office/drawing/2010/main">
-                <a:solidFill>
-                  <a:srgbClr val="FFFFFF"/>
-                </a:solidFill>
-              </a14:hiddenFill>
-            </a:ext>
-            <a:ext uri="{91240B29-F687-4F45-9708-019B960494DF}">
-              <a14:hiddenLine xmlns:a14="http://schemas.microsoft.com/office/drawing/2010/main" w="9525">
-                <a:solidFill>
-                  <a:srgbClr val="000000"/>
-                </a:solidFill>
-                <a:miter lim="800000"/>
-                <a:headEnd/>
-                <a:tailEnd/>
-              </a14:hiddenLine>
-            </a:ext>
-          </a:extLst>
-        </p:spPr>
-      </p:pic>
-      <p:cxnSp>
-        <p:nvCxnSpPr>
-          <p:cNvPr id="19" name="Elbow Connector 18">
-            <a:extLst>
-              <a:ext uri="{FF2B5EF4-FFF2-40B4-BE49-F238E27FC236}">
-                <a16:creationId xmlns:a16="http://schemas.microsoft.com/office/drawing/2014/main" id="{5FF5AA87-FFDF-234E-9988-986663DEF02B}"/>
-              </a:ext>
-            </a:extLst>
-          </p:cNvPr>
-          <p:cNvCxnSpPr>
-            <a:cxnSpLocks/>
-            <a:stCxn id="76" idx="3"/>
-            <a:endCxn id="63" idx="0"/>
-          </p:cNvCxnSpPr>
-          <p:nvPr/>
-        </p:nvCxnSpPr>
-        <p:spPr>
-          <a:xfrm>
-            <a:off x="3531151" y="1666723"/>
-            <a:ext cx="983410" cy="707152"/>
-          </a:xfrm>
-          <a:prstGeom prst="bentConnector2">
-            <a:avLst/>
-          </a:prstGeom>
-          <a:ln>
-            <a:headEnd type="triangle"/>
-            <a:tailEnd type="triangle"/>
-          </a:ln>
-        </p:spPr>
-        <p:style>
-          <a:lnRef idx="1">
-            <a:schemeClr val="dk1"/>
-          </a:lnRef>
-          <a:fillRef idx="0">
-            <a:schemeClr val="dk1"/>
-          </a:fillRef>
-          <a:effectRef idx="0">
-            <a:schemeClr val="dk1"/>
-          </a:effectRef>
-          <a:fontRef idx="minor">
-            <a:schemeClr val="tx1"/>
-          </a:fontRef>
-        </p:style>
-      </p:cxnSp>
-      <p:cxnSp>
-        <p:nvCxnSpPr>
-          <p:cNvPr id="121" name="Straight Arrow Connector 120">
-            <a:extLst>
-              <a:ext uri="{FF2B5EF4-FFF2-40B4-BE49-F238E27FC236}">
-                <a16:creationId xmlns:a16="http://schemas.microsoft.com/office/drawing/2014/main" id="{07DFCE0F-B96F-3C42-AD61-09E20495F8DF}"/>
-              </a:ext>
-            </a:extLst>
-          </p:cNvPr>
-          <p:cNvCxnSpPr>
-            <a:cxnSpLocks/>
-          </p:cNvCxnSpPr>
-          <p:nvPr/>
-        </p:nvCxnSpPr>
-        <p:spPr>
-          <a:xfrm>
-            <a:off x="2087122" y="2725157"/>
-            <a:ext cx="295002" cy="0"/>
-          </a:xfrm>
-          <a:prstGeom prst="straightConnector1">
-            <a:avLst/>
-          </a:prstGeom>
-          <a:ln>
-            <a:tailEnd type="triangle"/>
-          </a:ln>
-        </p:spPr>
-        <p:style>
-          <a:lnRef idx="1">
-            <a:schemeClr val="dk1"/>
-          </a:lnRef>
-          <a:fillRef idx="0">
-            <a:schemeClr val="dk1"/>
-          </a:fillRef>
-          <a:effectRef idx="0">
-            <a:schemeClr val="dk1"/>
-          </a:effectRef>
-          <a:fontRef idx="minor">
-            <a:schemeClr val="tx1"/>
-          </a:fontRef>
-        </p:style>
-      </p:cxnSp>
-      <p:cxnSp>
-        <p:nvCxnSpPr>
-          <p:cNvPr id="122" name="Straight Arrow Connector 121">
-            <a:extLst>
-              <a:ext uri="{FF2B5EF4-FFF2-40B4-BE49-F238E27FC236}">
-                <a16:creationId xmlns:a16="http://schemas.microsoft.com/office/drawing/2014/main" id="{ED284203-9C42-C64D-97BF-297610A9B8A4}"/>
-              </a:ext>
-            </a:extLst>
-          </p:cNvPr>
-          <p:cNvCxnSpPr>
-            <a:cxnSpLocks/>
-          </p:cNvCxnSpPr>
-          <p:nvPr/>
-        </p:nvCxnSpPr>
-        <p:spPr>
-          <a:xfrm>
-            <a:off x="8440788" y="2706205"/>
-            <a:ext cx="295002" cy="0"/>
-          </a:xfrm>
-          <a:prstGeom prst="straightConnector1">
-            <a:avLst/>
-          </a:prstGeom>
-          <a:ln>
-            <a:tailEnd type="triangle"/>
-          </a:ln>
-        </p:spPr>
-        <p:style>
-          <a:lnRef idx="1">
-            <a:schemeClr val="dk1"/>
-          </a:lnRef>
-          <a:fillRef idx="0">
-            <a:schemeClr val="dk1"/>
-          </a:fillRef>
-          <a:effectRef idx="0">
-            <a:schemeClr val="dk1"/>
-          </a:effectRef>
-          <a:fontRef idx="minor">
-            <a:schemeClr val="tx1"/>
-          </a:fontRef>
-        </p:style>
-      </p:cxnSp>
-      <p:sp>
-        <p:nvSpPr>
-          <p:cNvPr id="123" name="Oval 122">
-            <a:extLst>
-              <a:ext uri="{FF2B5EF4-FFF2-40B4-BE49-F238E27FC236}">
-                <a16:creationId xmlns:a16="http://schemas.microsoft.com/office/drawing/2014/main" id="{BD584D30-A592-AC43-A191-29E0F618BAD5}"/>
-              </a:ext>
-            </a:extLst>
-          </p:cNvPr>
-          <p:cNvSpPr/>
-          <p:nvPr/>
-        </p:nvSpPr>
-        <p:spPr>
-          <a:xfrm>
-            <a:off x="2856888" y="1329273"/>
+            <a:off x="2748830" y="3216010"/>
             <a:ext cx="253435" cy="212902"/>
           </a:xfrm>
           <a:prstGeom prst="ellipse">
@@ -6923,17 +6773,17 @@
                 <a:latin typeface="Arial" panose="020B0604020202020204" pitchFamily="34" charset="0"/>
                 <a:cs typeface="Arial" panose="020B0604020202020204" pitchFamily="34" charset="0"/>
               </a:rPr>
-              <a:t>1.3</a:t>
-            </a:r>
-          </a:p>
-        </p:txBody>
-      </p:sp>
-      <p:sp>
-        <p:nvSpPr>
-          <p:cNvPr id="124" name="Oval 123">
-            <a:extLst>
-              <a:ext uri="{FF2B5EF4-FFF2-40B4-BE49-F238E27FC236}">
-                <a16:creationId xmlns:a16="http://schemas.microsoft.com/office/drawing/2014/main" id="{D40D4053-4594-9844-A27B-00A3CD0AAC49}"/>
+              <a:t>1.4</a:t>
+            </a:r>
+          </a:p>
+        </p:txBody>
+      </p:sp>
+      <p:sp>
+        <p:nvSpPr>
+          <p:cNvPr id="131" name="Oval 130">
+            <a:extLst>
+              <a:ext uri="{FF2B5EF4-FFF2-40B4-BE49-F238E27FC236}">
+                <a16:creationId xmlns:a16="http://schemas.microsoft.com/office/drawing/2014/main" id="{E66ECBF1-FAAE-6942-900E-AFF12412B233}"/>
               </a:ext>
             </a:extLst>
           </p:cNvPr>
@@ -6942,7 +6792,7 @@
         </p:nvSpPr>
         <p:spPr>
           <a:xfrm>
-            <a:off x="4116960" y="2250635"/>
+            <a:off x="3968027" y="3239606"/>
             <a:ext cx="253435" cy="212902"/>
           </a:xfrm>
           <a:prstGeom prst="ellipse">
@@ -6983,17 +6833,17 @@
                 <a:latin typeface="Arial" panose="020B0604020202020204" pitchFamily="34" charset="0"/>
                 <a:cs typeface="Arial" panose="020B0604020202020204" pitchFamily="34" charset="0"/>
               </a:rPr>
-              <a:t>1.2</a:t>
-            </a:r>
-          </a:p>
-        </p:txBody>
-      </p:sp>
-      <p:sp>
-        <p:nvSpPr>
-          <p:cNvPr id="130" name="Oval 129">
-            <a:extLst>
-              <a:ext uri="{FF2B5EF4-FFF2-40B4-BE49-F238E27FC236}">
-                <a16:creationId xmlns:a16="http://schemas.microsoft.com/office/drawing/2014/main" id="{21B075B1-99C7-C04A-8C1B-229FF282B726}"/>
+              <a:t>1.5</a:t>
+            </a:r>
+          </a:p>
+        </p:txBody>
+      </p:sp>
+      <p:sp>
+        <p:nvSpPr>
+          <p:cNvPr id="132" name="Oval 131">
+            <a:extLst>
+              <a:ext uri="{FF2B5EF4-FFF2-40B4-BE49-F238E27FC236}">
+                <a16:creationId xmlns:a16="http://schemas.microsoft.com/office/drawing/2014/main" id="{E90E9980-B378-8B48-A029-3577A1108948}"/>
               </a:ext>
             </a:extLst>
           </p:cNvPr>
@@ -7002,7 +6852,7 @@
         </p:nvSpPr>
         <p:spPr>
           <a:xfrm>
-            <a:off x="2791358" y="3216010"/>
+            <a:off x="5261004" y="1749153"/>
             <a:ext cx="253435" cy="212902"/>
           </a:xfrm>
           <a:prstGeom prst="ellipse">
@@ -7043,17 +6893,17 @@
                 <a:latin typeface="Arial" panose="020B0604020202020204" pitchFamily="34" charset="0"/>
                 <a:cs typeface="Arial" panose="020B0604020202020204" pitchFamily="34" charset="0"/>
               </a:rPr>
-              <a:t>1.4</a:t>
-            </a:r>
-          </a:p>
-        </p:txBody>
-      </p:sp>
-      <p:sp>
-        <p:nvSpPr>
-          <p:cNvPr id="131" name="Oval 130">
-            <a:extLst>
-              <a:ext uri="{FF2B5EF4-FFF2-40B4-BE49-F238E27FC236}">
-                <a16:creationId xmlns:a16="http://schemas.microsoft.com/office/drawing/2014/main" id="{E66ECBF1-FAAE-6942-900E-AFF12412B233}"/>
+              <a:t>1.6</a:t>
+            </a:r>
+          </a:p>
+        </p:txBody>
+      </p:sp>
+      <p:sp>
+        <p:nvSpPr>
+          <p:cNvPr id="133" name="Oval 132">
+            <a:extLst>
+              <a:ext uri="{FF2B5EF4-FFF2-40B4-BE49-F238E27FC236}">
+                <a16:creationId xmlns:a16="http://schemas.microsoft.com/office/drawing/2014/main" id="{C8F90A1A-7217-E543-8402-8ADC936F45BF}"/>
               </a:ext>
             </a:extLst>
           </p:cNvPr>
@@ -7062,7 +6912,7 @@
         </p:nvSpPr>
         <p:spPr>
           <a:xfrm>
-            <a:off x="4010555" y="3239606"/>
+            <a:off x="6293665" y="1275705"/>
             <a:ext cx="253435" cy="212902"/>
           </a:xfrm>
           <a:prstGeom prst="ellipse">
@@ -7103,17 +6953,17 @@
                 <a:latin typeface="Arial" panose="020B0604020202020204" pitchFamily="34" charset="0"/>
                 <a:cs typeface="Arial" panose="020B0604020202020204" pitchFamily="34" charset="0"/>
               </a:rPr>
-              <a:t>1.5</a:t>
-            </a:r>
-          </a:p>
-        </p:txBody>
-      </p:sp>
-      <p:sp>
-        <p:nvSpPr>
-          <p:cNvPr id="132" name="Oval 131">
-            <a:extLst>
-              <a:ext uri="{FF2B5EF4-FFF2-40B4-BE49-F238E27FC236}">
-                <a16:creationId xmlns:a16="http://schemas.microsoft.com/office/drawing/2014/main" id="{E90E9980-B378-8B48-A029-3577A1108948}"/>
+              <a:t>1.7</a:t>
+            </a:r>
+          </a:p>
+        </p:txBody>
+      </p:sp>
+      <p:sp>
+        <p:nvSpPr>
+          <p:cNvPr id="134" name="Oval 133">
+            <a:extLst>
+              <a:ext uri="{FF2B5EF4-FFF2-40B4-BE49-F238E27FC236}">
+                <a16:creationId xmlns:a16="http://schemas.microsoft.com/office/drawing/2014/main" id="{9B2EB9AD-6C62-914F-A8DD-036969C0E906}"/>
               </a:ext>
             </a:extLst>
           </p:cNvPr>
@@ -7122,7 +6972,7 @@
         </p:nvSpPr>
         <p:spPr>
           <a:xfrm>
-            <a:off x="5303532" y="1749153"/>
+            <a:off x="6210623" y="2384977"/>
             <a:ext cx="253435" cy="212902"/>
           </a:xfrm>
           <a:prstGeom prst="ellipse">
@@ -7163,17 +7013,17 @@
                 <a:latin typeface="Arial" panose="020B0604020202020204" pitchFamily="34" charset="0"/>
                 <a:cs typeface="Arial" panose="020B0604020202020204" pitchFamily="34" charset="0"/>
               </a:rPr>
-              <a:t>1.6</a:t>
-            </a:r>
-          </a:p>
-        </p:txBody>
-      </p:sp>
-      <p:sp>
-        <p:nvSpPr>
-          <p:cNvPr id="133" name="Oval 132">
-            <a:extLst>
-              <a:ext uri="{FF2B5EF4-FFF2-40B4-BE49-F238E27FC236}">
-                <a16:creationId xmlns:a16="http://schemas.microsoft.com/office/drawing/2014/main" id="{C8F90A1A-7217-E543-8402-8ADC936F45BF}"/>
+              <a:t>1.8</a:t>
+            </a:r>
+          </a:p>
+        </p:txBody>
+      </p:sp>
+      <p:sp>
+        <p:nvSpPr>
+          <p:cNvPr id="136" name="Oval 135">
+            <a:extLst>
+              <a:ext uri="{FF2B5EF4-FFF2-40B4-BE49-F238E27FC236}">
+                <a16:creationId xmlns:a16="http://schemas.microsoft.com/office/drawing/2014/main" id="{8883E90E-2B69-9B42-B954-561E833F7F65}"/>
               </a:ext>
             </a:extLst>
           </p:cNvPr>
@@ -7182,7 +7032,7 @@
         </p:nvSpPr>
         <p:spPr>
           <a:xfrm>
-            <a:off x="6336193" y="1275705"/>
+            <a:off x="9505564" y="1347403"/>
             <a:ext cx="253435" cy="212902"/>
           </a:xfrm>
           <a:prstGeom prst="ellipse">
@@ -7223,17 +7073,17 @@
                 <a:latin typeface="Arial" panose="020B0604020202020204" pitchFamily="34" charset="0"/>
                 <a:cs typeface="Arial" panose="020B0604020202020204" pitchFamily="34" charset="0"/>
               </a:rPr>
-              <a:t>1.7</a:t>
-            </a:r>
-          </a:p>
-        </p:txBody>
-      </p:sp>
-      <p:sp>
-        <p:nvSpPr>
-          <p:cNvPr id="134" name="Oval 133">
-            <a:extLst>
-              <a:ext uri="{FF2B5EF4-FFF2-40B4-BE49-F238E27FC236}">
-                <a16:creationId xmlns:a16="http://schemas.microsoft.com/office/drawing/2014/main" id="{9B2EB9AD-6C62-914F-A8DD-036969C0E906}"/>
+              <a:t>2.2</a:t>
+            </a:r>
+          </a:p>
+        </p:txBody>
+      </p:sp>
+      <p:sp>
+        <p:nvSpPr>
+          <p:cNvPr id="137" name="Oval 136">
+            <a:extLst>
+              <a:ext uri="{FF2B5EF4-FFF2-40B4-BE49-F238E27FC236}">
+                <a16:creationId xmlns:a16="http://schemas.microsoft.com/office/drawing/2014/main" id="{2F989AC8-8B59-1C46-AF74-A33CF6622A5B}"/>
               </a:ext>
             </a:extLst>
           </p:cNvPr>
@@ -7242,7 +7092,7 @@
         </p:nvSpPr>
         <p:spPr>
           <a:xfrm>
-            <a:off x="6196667" y="2331010"/>
+            <a:off x="9467756" y="2369160"/>
             <a:ext cx="253435" cy="212902"/>
           </a:xfrm>
           <a:prstGeom prst="ellipse">
@@ -7283,17 +7133,137 @@
                 <a:latin typeface="Arial" panose="020B0604020202020204" pitchFamily="34" charset="0"/>
                 <a:cs typeface="Arial" panose="020B0604020202020204" pitchFamily="34" charset="0"/>
               </a:rPr>
-              <a:t>1.8</a:t>
-            </a:r>
-          </a:p>
-        </p:txBody>
-      </p:sp>
-      <p:sp>
-        <p:nvSpPr>
-          <p:cNvPr id="136" name="Oval 135">
-            <a:extLst>
-              <a:ext uri="{FF2B5EF4-FFF2-40B4-BE49-F238E27FC236}">
-                <a16:creationId xmlns:a16="http://schemas.microsoft.com/office/drawing/2014/main" id="{8883E90E-2B69-9B42-B954-561E833F7F65}"/>
+              <a:t>2.3</a:t>
+            </a:r>
+          </a:p>
+        </p:txBody>
+      </p:sp>
+      <p:pic>
+        <p:nvPicPr>
+          <p:cNvPr id="49" name="Graphic 21">
+            <a:extLst>
+              <a:ext uri="{FF2B5EF4-FFF2-40B4-BE49-F238E27FC236}">
+                <a16:creationId xmlns:a16="http://schemas.microsoft.com/office/drawing/2014/main" id="{6EFE856C-F684-5D45-A861-6545749EC2E7}"/>
+              </a:ext>
+            </a:extLst>
+          </p:cNvPr>
+          <p:cNvPicPr>
+            <a:picLocks noChangeAspect="1" noChangeArrowheads="1"/>
+          </p:cNvPicPr>
+          <p:nvPr/>
+        </p:nvPicPr>
+        <p:blipFill>
+          <a:blip r:embed="rId11">
+            <a:extLst>
+              <a:ext uri="{28A0092B-C50C-407E-A947-70E740481C1C}">
+                <a14:useLocalDpi xmlns:a14="http://schemas.microsoft.com/office/drawing/2010/main" val="0"/>
+              </a:ext>
+            </a:extLst>
+          </a:blip>
+          <a:srcRect/>
+          <a:stretch>
+            <a:fillRect/>
+          </a:stretch>
+        </p:blipFill>
+        <p:spPr bwMode="auto">
+          <a:xfrm>
+            <a:off x="7864393" y="1858327"/>
+            <a:ext cx="457200" cy="457200"/>
+          </a:xfrm>
+          <a:prstGeom prst="rect">
+            <a:avLst/>
+          </a:prstGeom>
+          <a:noFill/>
+          <a:ln>
+            <a:noFill/>
+          </a:ln>
+          <a:extLst>
+            <a:ext uri="{909E8E84-426E-40DD-AFC4-6F175D3DCCD1}">
+              <a14:hiddenFill xmlns:a14="http://schemas.microsoft.com/office/drawing/2010/main">
+                <a:solidFill>
+                  <a:srgbClr val="FFFFFF"/>
+                </a:solidFill>
+              </a14:hiddenFill>
+            </a:ext>
+            <a:ext uri="{91240B29-F687-4F45-9708-019B960494DF}">
+              <a14:hiddenLine xmlns:a14="http://schemas.microsoft.com/office/drawing/2010/main" w="9525">
+                <a:solidFill>
+                  <a:srgbClr val="000000"/>
+                </a:solidFill>
+                <a:miter lim="800000"/>
+                <a:headEnd/>
+                <a:tailEnd/>
+              </a14:hiddenLine>
+            </a:ext>
+          </a:extLst>
+        </p:spPr>
+      </p:pic>
+      <p:pic>
+        <p:nvPicPr>
+          <p:cNvPr id="50" name="Graphic 21">
+            <a:extLst>
+              <a:ext uri="{FF2B5EF4-FFF2-40B4-BE49-F238E27FC236}">
+                <a16:creationId xmlns:a16="http://schemas.microsoft.com/office/drawing/2014/main" id="{A6DF4B5C-EF11-4047-9A25-CD0B2C65E5E6}"/>
+              </a:ext>
+            </a:extLst>
+          </p:cNvPr>
+          <p:cNvPicPr>
+            <a:picLocks noChangeAspect="1" noChangeArrowheads="1"/>
+          </p:cNvPicPr>
+          <p:nvPr/>
+        </p:nvPicPr>
+        <p:blipFill>
+          <a:blip r:embed="rId11">
+            <a:extLst>
+              <a:ext uri="{28A0092B-C50C-407E-A947-70E740481C1C}">
+                <a14:useLocalDpi xmlns:a14="http://schemas.microsoft.com/office/drawing/2010/main" val="0"/>
+              </a:ext>
+            </a:extLst>
+          </a:blip>
+          <a:srcRect/>
+          <a:stretch>
+            <a:fillRect/>
+          </a:stretch>
+        </p:blipFill>
+        <p:spPr bwMode="auto">
+          <a:xfrm>
+            <a:off x="1647510" y="2309156"/>
+            <a:ext cx="457200" cy="457200"/>
+          </a:xfrm>
+          <a:prstGeom prst="rect">
+            <a:avLst/>
+          </a:prstGeom>
+          <a:noFill/>
+          <a:ln>
+            <a:noFill/>
+          </a:ln>
+          <a:extLst>
+            <a:ext uri="{909E8E84-426E-40DD-AFC4-6F175D3DCCD1}">
+              <a14:hiddenFill xmlns:a14="http://schemas.microsoft.com/office/drawing/2010/main">
+                <a:solidFill>
+                  <a:srgbClr val="FFFFFF"/>
+                </a:solidFill>
+              </a14:hiddenFill>
+            </a:ext>
+            <a:ext uri="{91240B29-F687-4F45-9708-019B960494DF}">
+              <a14:hiddenLine xmlns:a14="http://schemas.microsoft.com/office/drawing/2010/main" w="9525">
+                <a:solidFill>
+                  <a:srgbClr val="000000"/>
+                </a:solidFill>
+                <a:miter lim="800000"/>
+                <a:headEnd/>
+                <a:tailEnd/>
+              </a14:hiddenLine>
+            </a:ext>
+          </a:extLst>
+        </p:spPr>
+      </p:pic>
+      <p:sp>
+        <p:nvSpPr>
+          <p:cNvPr id="227" name="Oval 226">
+            <a:extLst>
+              <a:ext uri="{FF2B5EF4-FFF2-40B4-BE49-F238E27FC236}">
+                <a16:creationId xmlns:a16="http://schemas.microsoft.com/office/drawing/2014/main" id="{F0D1735B-0005-B145-8C48-3E3934A1D64E}"/>
               </a:ext>
             </a:extLst>
           </p:cNvPr>
@@ -7302,7 +7272,7 @@
         </p:nvSpPr>
         <p:spPr>
           <a:xfrm>
-            <a:off x="9707744" y="1828342"/>
+            <a:off x="1658197" y="2328036"/>
             <a:ext cx="253435" cy="212902"/>
           </a:xfrm>
           <a:prstGeom prst="ellipse">
@@ -7343,17 +7313,17 @@
                 <a:latin typeface="Arial" panose="020B0604020202020204" pitchFamily="34" charset="0"/>
                 <a:cs typeface="Arial" panose="020B0604020202020204" pitchFamily="34" charset="0"/>
               </a:rPr>
-              <a:t>2.2</a:t>
-            </a:r>
-          </a:p>
-        </p:txBody>
-      </p:sp>
-      <p:sp>
-        <p:nvSpPr>
-          <p:cNvPr id="137" name="Oval 136">
-            <a:extLst>
-              <a:ext uri="{FF2B5EF4-FFF2-40B4-BE49-F238E27FC236}">
-                <a16:creationId xmlns:a16="http://schemas.microsoft.com/office/drawing/2014/main" id="{2F989AC8-8B59-1C46-AF74-A33CF6622A5B}"/>
+              <a:t>1.1</a:t>
+            </a:r>
+          </a:p>
+        </p:txBody>
+      </p:sp>
+      <p:sp>
+        <p:nvSpPr>
+          <p:cNvPr id="111" name="Oval 110">
+            <a:extLst>
+              <a:ext uri="{FF2B5EF4-FFF2-40B4-BE49-F238E27FC236}">
+                <a16:creationId xmlns:a16="http://schemas.microsoft.com/office/drawing/2014/main" id="{FB20F0D1-0CBE-9546-BAA5-F1447A9E8B2F}"/>
               </a:ext>
             </a:extLst>
           </p:cNvPr>
@@ -7362,7 +7332,7 @@
         </p:nvSpPr>
         <p:spPr>
           <a:xfrm>
-            <a:off x="9605862" y="2776910"/>
+            <a:off x="7884251" y="1866674"/>
             <a:ext cx="253435" cy="212902"/>
           </a:xfrm>
           <a:prstGeom prst="ellipse">
@@ -7403,7 +7373,7 @@
                 <a:latin typeface="Arial" panose="020B0604020202020204" pitchFamily="34" charset="0"/>
                 <a:cs typeface="Arial" panose="020B0604020202020204" pitchFamily="34" charset="0"/>
               </a:rPr>
-              <a:t>2.3</a:t>
+              <a:t>2.1</a:t>
             </a:r>
           </a:p>
         </p:txBody>

--- a/aws_sra_examples/solutions/s3/s3_block_account_public_access/documentation/s3-block-account-public-access.pptx
+++ b/aws_sra_examples/solutions/s3/s3_block_account_public_access/documentation/s3-block-account-public-access.pptx
@@ -197,7 +197,7 @@
           <a:p>
             <a:fld id="{FD8D84E3-00BA-4A46-8256-7E527D8B4480}" type="datetimeFigureOut">
               <a:rPr lang="en-US" smtClean="0"/>
-              <a:t>3/9/22</a:t>
+              <a:t>5/13/22</a:t>
             </a:fld>
             <a:endParaRPr lang="en-US"/>
           </a:p>
@@ -695,7 +695,7 @@
           <a:p>
             <a:fld id="{9FE185F7-9B28-9F45-9F43-9CB5A0B99390}" type="datetimeFigureOut">
               <a:rPr lang="en-US" smtClean="0"/>
-              <a:t>3/9/22</a:t>
+              <a:t>5/13/22</a:t>
             </a:fld>
             <a:endParaRPr lang="en-US"/>
           </a:p>
@@ -893,7 +893,7 @@
           <a:p>
             <a:fld id="{9FE185F7-9B28-9F45-9F43-9CB5A0B99390}" type="datetimeFigureOut">
               <a:rPr lang="en-US" smtClean="0"/>
-              <a:t>3/9/22</a:t>
+              <a:t>5/13/22</a:t>
             </a:fld>
             <a:endParaRPr lang="en-US"/>
           </a:p>
@@ -1101,7 +1101,7 @@
           <a:p>
             <a:fld id="{9FE185F7-9B28-9F45-9F43-9CB5A0B99390}" type="datetimeFigureOut">
               <a:rPr lang="en-US" smtClean="0"/>
-              <a:t>3/9/22</a:t>
+              <a:t>5/13/22</a:t>
             </a:fld>
             <a:endParaRPr lang="en-US"/>
           </a:p>
@@ -1299,7 +1299,7 @@
           <a:p>
             <a:fld id="{9FE185F7-9B28-9F45-9F43-9CB5A0B99390}" type="datetimeFigureOut">
               <a:rPr lang="en-US" smtClean="0"/>
-              <a:t>3/9/22</a:t>
+              <a:t>5/13/22</a:t>
             </a:fld>
             <a:endParaRPr lang="en-US"/>
           </a:p>
@@ -1574,7 +1574,7 @@
           <a:p>
             <a:fld id="{9FE185F7-9B28-9F45-9F43-9CB5A0B99390}" type="datetimeFigureOut">
               <a:rPr lang="en-US" smtClean="0"/>
-              <a:t>3/9/22</a:t>
+              <a:t>5/13/22</a:t>
             </a:fld>
             <a:endParaRPr lang="en-US"/>
           </a:p>
@@ -1839,7 +1839,7 @@
           <a:p>
             <a:fld id="{9FE185F7-9B28-9F45-9F43-9CB5A0B99390}" type="datetimeFigureOut">
               <a:rPr lang="en-US" smtClean="0"/>
-              <a:t>3/9/22</a:t>
+              <a:t>5/13/22</a:t>
             </a:fld>
             <a:endParaRPr lang="en-US"/>
           </a:p>
@@ -2251,7 +2251,7 @@
           <a:p>
             <a:fld id="{9FE185F7-9B28-9F45-9F43-9CB5A0B99390}" type="datetimeFigureOut">
               <a:rPr lang="en-US" smtClean="0"/>
-              <a:t>3/9/22</a:t>
+              <a:t>5/13/22</a:t>
             </a:fld>
             <a:endParaRPr lang="en-US"/>
           </a:p>
@@ -2392,7 +2392,7 @@
           <a:p>
             <a:fld id="{9FE185F7-9B28-9F45-9F43-9CB5A0B99390}" type="datetimeFigureOut">
               <a:rPr lang="en-US" smtClean="0"/>
-              <a:t>3/9/22</a:t>
+              <a:t>5/13/22</a:t>
             </a:fld>
             <a:endParaRPr lang="en-US"/>
           </a:p>
@@ -2505,7 +2505,7 @@
           <a:p>
             <a:fld id="{9FE185F7-9B28-9F45-9F43-9CB5A0B99390}" type="datetimeFigureOut">
               <a:rPr lang="en-US" smtClean="0"/>
-              <a:t>3/9/22</a:t>
+              <a:t>5/13/22</a:t>
             </a:fld>
             <a:endParaRPr lang="en-US"/>
           </a:p>
@@ -2816,7 +2816,7 @@
           <a:p>
             <a:fld id="{9FE185F7-9B28-9F45-9F43-9CB5A0B99390}" type="datetimeFigureOut">
               <a:rPr lang="en-US" smtClean="0"/>
-              <a:t>3/9/22</a:t>
+              <a:t>5/13/22</a:t>
             </a:fld>
             <a:endParaRPr lang="en-US"/>
           </a:p>
@@ -3104,7 +3104,7 @@
           <a:p>
             <a:fld id="{9FE185F7-9B28-9F45-9F43-9CB5A0B99390}" type="datetimeFigureOut">
               <a:rPr lang="en-US" smtClean="0"/>
-              <a:t>3/9/22</a:t>
+              <a:t>5/13/22</a:t>
             </a:fld>
             <a:endParaRPr lang="en-US"/>
           </a:p>
@@ -3345,7 +3345,7 @@
           <a:p>
             <a:fld id="{9FE185F7-9B28-9F45-9F43-9CB5A0B99390}" type="datetimeFigureOut">
               <a:rPr lang="en-US" smtClean="0"/>
-              <a:t>3/9/22</a:t>
+              <a:t>5/13/22</a:t>
             </a:fld>
             <a:endParaRPr lang="en-US"/>
           </a:p>
@@ -3787,8 +3787,8 @@
         </p:nvSpPr>
         <p:spPr>
           <a:xfrm>
-            <a:off x="935023" y="171939"/>
-            <a:ext cx="10013018" cy="4392974"/>
+            <a:off x="956287" y="199793"/>
+            <a:ext cx="10013018" cy="5633740"/>
           </a:xfrm>
           <a:prstGeom prst="rect">
             <a:avLst/>
@@ -3960,7 +3960,7 @@
         </p:blipFill>
         <p:spPr>
           <a:xfrm>
-            <a:off x="942111" y="167532"/>
+            <a:off x="959490" y="199793"/>
             <a:ext cx="330200" cy="330200"/>
           </a:xfrm>
           <a:prstGeom prst="rect">
@@ -3983,7 +3983,7 @@
         <p:spPr>
           <a:xfrm>
             <a:off x="1094079" y="689208"/>
-            <a:ext cx="6155248" cy="3748113"/>
+            <a:ext cx="6155248" cy="4966525"/>
           </a:xfrm>
           <a:prstGeom prst="rect">
             <a:avLst/>
@@ -4129,7 +4129,7 @@
         </p:nvSpPr>
         <p:spPr>
           <a:xfrm>
-            <a:off x="1217612" y="2732309"/>
+            <a:off x="1124590" y="1747053"/>
             <a:ext cx="1307240" cy="430887"/>
           </a:xfrm>
           <a:prstGeom prst="rect">
@@ -4438,173 +4438,12 @@
           </a:p>
         </p:txBody>
       </p:sp>
-      <p:sp>
-        <p:nvSpPr>
-          <p:cNvPr id="52" name="TextBox 29">
-            <a:extLst>
-              <a:ext uri="{FF2B5EF4-FFF2-40B4-BE49-F238E27FC236}">
-                <a16:creationId xmlns:a16="http://schemas.microsoft.com/office/drawing/2014/main" id="{95A77985-9994-9042-96C7-A75BE742DD29}"/>
-              </a:ext>
-            </a:extLst>
-          </p:cNvPr>
-          <p:cNvSpPr txBox="1">
-            <a:spLocks noChangeArrowheads="1"/>
-          </p:cNvSpPr>
-          <p:nvPr/>
-        </p:nvSpPr>
-        <p:spPr bwMode="auto">
-          <a:xfrm>
-            <a:off x="5730310" y="1768296"/>
-            <a:ext cx="1398873" cy="430887"/>
-          </a:xfrm>
-          <a:prstGeom prst="rect">
-            <a:avLst/>
-          </a:prstGeom>
-          <a:noFill/>
-          <a:ln>
-            <a:noFill/>
-          </a:ln>
-          <a:extLst>
-            <a:ext uri="{909E8E84-426E-40DD-AFC4-6F175D3DCCD1}">
-              <a14:hiddenFill xmlns:a14="http://schemas.microsoft.com/office/drawing/2010/main">
-                <a:solidFill>
-                  <a:srgbClr val="FFFFFF"/>
-                </a:solidFill>
-              </a14:hiddenFill>
-            </a:ext>
-            <a:ext uri="{91240B29-F687-4F45-9708-019B960494DF}">
-              <a14:hiddenLine xmlns:a14="http://schemas.microsoft.com/office/drawing/2010/main" w="9525">
-                <a:solidFill>
-                  <a:srgbClr val="000000"/>
-                </a:solidFill>
-                <a:miter lim="800000"/>
-                <a:headEnd/>
-                <a:tailEnd/>
-              </a14:hiddenLine>
-            </a:ext>
-          </a:extLst>
-        </p:spPr>
-        <p:txBody>
-          <a:bodyPr wrap="square">
-            <a:spAutoFit/>
-          </a:bodyPr>
-          <a:lstStyle>
-            <a:lvl1pPr>
-              <a:defRPr>
-                <a:solidFill>
-                  <a:schemeClr val="tx1"/>
-                </a:solidFill>
-                <a:latin typeface="Calibri" panose="020F0502020204030204" pitchFamily="34" charset="0"/>
-              </a:defRPr>
-            </a:lvl1pPr>
-            <a:lvl2pPr marL="742950" indent="-285750">
-              <a:defRPr>
-                <a:solidFill>
-                  <a:schemeClr val="tx1"/>
-                </a:solidFill>
-                <a:latin typeface="Calibri" panose="020F0502020204030204" pitchFamily="34" charset="0"/>
-              </a:defRPr>
-            </a:lvl2pPr>
-            <a:lvl3pPr marL="1143000" indent="-228600">
-              <a:defRPr>
-                <a:solidFill>
-                  <a:schemeClr val="tx1"/>
-                </a:solidFill>
-                <a:latin typeface="Calibri" panose="020F0502020204030204" pitchFamily="34" charset="0"/>
-              </a:defRPr>
-            </a:lvl3pPr>
-            <a:lvl4pPr marL="1600200" indent="-228600">
-              <a:defRPr>
-                <a:solidFill>
-                  <a:schemeClr val="tx1"/>
-                </a:solidFill>
-                <a:latin typeface="Calibri" panose="020F0502020204030204" pitchFamily="34" charset="0"/>
-              </a:defRPr>
-            </a:lvl4pPr>
-            <a:lvl5pPr marL="2057400" indent="-228600">
-              <a:defRPr>
-                <a:solidFill>
-                  <a:schemeClr val="tx1"/>
-                </a:solidFill>
-                <a:latin typeface="Calibri" panose="020F0502020204030204" pitchFamily="34" charset="0"/>
-              </a:defRPr>
-            </a:lvl5pPr>
-            <a:lvl6pPr marL="2514600" indent="-228600" eaLnBrk="0" fontAlgn="base" hangingPunct="0">
-              <a:spcBef>
-                <a:spcPct val="0"/>
-              </a:spcBef>
-              <a:spcAft>
-                <a:spcPct val="0"/>
-              </a:spcAft>
-              <a:defRPr>
-                <a:solidFill>
-                  <a:schemeClr val="tx1"/>
-                </a:solidFill>
-                <a:latin typeface="Calibri" panose="020F0502020204030204" pitchFamily="34" charset="0"/>
-              </a:defRPr>
-            </a:lvl6pPr>
-            <a:lvl7pPr marL="2971800" indent="-228600" eaLnBrk="0" fontAlgn="base" hangingPunct="0">
-              <a:spcBef>
-                <a:spcPct val="0"/>
-              </a:spcBef>
-              <a:spcAft>
-                <a:spcPct val="0"/>
-              </a:spcAft>
-              <a:defRPr>
-                <a:solidFill>
-                  <a:schemeClr val="tx1"/>
-                </a:solidFill>
-                <a:latin typeface="Calibri" panose="020F0502020204030204" pitchFamily="34" charset="0"/>
-              </a:defRPr>
-            </a:lvl7pPr>
-            <a:lvl8pPr marL="3429000" indent="-228600" eaLnBrk="0" fontAlgn="base" hangingPunct="0">
-              <a:spcBef>
-                <a:spcPct val="0"/>
-              </a:spcBef>
-              <a:spcAft>
-                <a:spcPct val="0"/>
-              </a:spcAft>
-              <a:defRPr>
-                <a:solidFill>
-                  <a:schemeClr val="tx1"/>
-                </a:solidFill>
-                <a:latin typeface="Calibri" panose="020F0502020204030204" pitchFamily="34" charset="0"/>
-              </a:defRPr>
-            </a:lvl8pPr>
-            <a:lvl9pPr marL="3886200" indent="-228600" eaLnBrk="0" fontAlgn="base" hangingPunct="0">
-              <a:spcBef>
-                <a:spcPct val="0"/>
-              </a:spcBef>
-              <a:spcAft>
-                <a:spcPct val="0"/>
-              </a:spcAft>
-              <a:defRPr>
-                <a:solidFill>
-                  <a:schemeClr val="tx1"/>
-                </a:solidFill>
-                <a:latin typeface="Calibri" panose="020F0502020204030204" pitchFamily="34" charset="0"/>
-              </a:defRPr>
-            </a:lvl9pPr>
-          </a:lstStyle>
-          <a:p>
-            <a:pPr algn="ctr" eaLnBrk="1" hangingPunct="1"/>
-            <a:r>
-              <a:rPr lang="en-US" altLang="en-US" sz="1100" dirty="0">
-                <a:latin typeface="Arial" panose="020B0604020202020204" pitchFamily="34" charset="0"/>
-                <a:ea typeface="Amazon Ember" panose="020B0603020204020204" pitchFamily="34" charset="0"/>
-                <a:cs typeface="Arial" panose="020B0604020202020204" pitchFamily="34" charset="0"/>
-              </a:rPr>
-              <a:t>S3 Block Account Public Access Role</a:t>
-            </a:r>
-          </a:p>
-        </p:txBody>
-      </p:sp>
       <p:pic>
         <p:nvPicPr>
-          <p:cNvPr id="53" name="Graphic 49">
-            <a:extLst>
-              <a:ext uri="{FF2B5EF4-FFF2-40B4-BE49-F238E27FC236}">
-                <a16:creationId xmlns:a16="http://schemas.microsoft.com/office/drawing/2014/main" id="{E5A43064-1E8C-D64F-9E2D-DA95886F7A4B}"/>
+          <p:cNvPr id="54" name="Graphic 24">
+            <a:extLst>
+              <a:ext uri="{FF2B5EF4-FFF2-40B4-BE49-F238E27FC236}">
+                <a16:creationId xmlns:a16="http://schemas.microsoft.com/office/drawing/2014/main" id="{0565F9CB-9F9E-E443-BF68-41C87611C350}"/>
               </a:ext>
             </a:extLst>
           </p:cNvPr>
@@ -4628,7 +4467,7 @@
         </p:blipFill>
         <p:spPr bwMode="auto">
           <a:xfrm>
-            <a:off x="6176687" y="1401127"/>
+            <a:off x="2704725" y="2386359"/>
             <a:ext cx="457200" cy="457200"/>
           </a:xfrm>
           <a:prstGeom prst="rect">
@@ -4659,37 +4498,24 @@
           </a:extLst>
         </p:spPr>
       </p:pic>
-      <p:pic>
-        <p:nvPicPr>
-          <p:cNvPr id="54" name="Graphic 24">
-            <a:extLst>
-              <a:ext uri="{FF2B5EF4-FFF2-40B4-BE49-F238E27FC236}">
-                <a16:creationId xmlns:a16="http://schemas.microsoft.com/office/drawing/2014/main" id="{0565F9CB-9F9E-E443-BF68-41C87611C350}"/>
-              </a:ext>
-            </a:extLst>
-          </p:cNvPr>
-          <p:cNvPicPr>
-            <a:picLocks noChangeAspect="1" noChangeArrowheads="1"/>
-          </p:cNvPicPr>
+      <p:sp>
+        <p:nvSpPr>
+          <p:cNvPr id="55" name="TextBox 26">
+            <a:extLst>
+              <a:ext uri="{FF2B5EF4-FFF2-40B4-BE49-F238E27FC236}">
+                <a16:creationId xmlns:a16="http://schemas.microsoft.com/office/drawing/2014/main" id="{8C01A33B-B67C-0445-AA21-F3786470D6FF}"/>
+              </a:ext>
+            </a:extLst>
+          </p:cNvPr>
+          <p:cNvSpPr txBox="1">
+            <a:spLocks noChangeArrowheads="1"/>
+          </p:cNvSpPr>
           <p:nvPr/>
-        </p:nvPicPr>
-        <p:blipFill>
-          <a:blip r:embed="rId6">
-            <a:extLst>
-              <a:ext uri="{28A0092B-C50C-407E-A947-70E740481C1C}">
-                <a14:useLocalDpi xmlns:a14="http://schemas.microsoft.com/office/drawing/2010/main" val="0"/>
-              </a:ext>
-            </a:extLst>
-          </a:blip>
-          <a:srcRect/>
-          <a:stretch>
-            <a:fillRect/>
-          </a:stretch>
-        </p:blipFill>
+        </p:nvSpPr>
         <p:spPr bwMode="auto">
           <a:xfrm>
-            <a:off x="2952072" y="3322462"/>
-            <a:ext cx="457200" cy="457200"/>
+            <a:off x="2432720" y="2797101"/>
+            <a:ext cx="1022257" cy="430887"/>
           </a:xfrm>
           <a:prstGeom prst="rect">
             <a:avLst/>
@@ -4718,53 +4544,6 @@
             </a:ext>
           </a:extLst>
         </p:spPr>
-      </p:pic>
-      <p:sp>
-        <p:nvSpPr>
-          <p:cNvPr id="55" name="TextBox 26">
-            <a:extLst>
-              <a:ext uri="{FF2B5EF4-FFF2-40B4-BE49-F238E27FC236}">
-                <a16:creationId xmlns:a16="http://schemas.microsoft.com/office/drawing/2014/main" id="{8C01A33B-B67C-0445-AA21-F3786470D6FF}"/>
-              </a:ext>
-            </a:extLst>
-          </p:cNvPr>
-          <p:cNvSpPr txBox="1">
-            <a:spLocks noChangeArrowheads="1"/>
-          </p:cNvSpPr>
-          <p:nvPr/>
-        </p:nvSpPr>
-        <p:spPr bwMode="auto">
-          <a:xfrm>
-            <a:off x="2465689" y="3822346"/>
-            <a:ext cx="1429966" cy="430887"/>
-          </a:xfrm>
-          <a:prstGeom prst="rect">
-            <a:avLst/>
-          </a:prstGeom>
-          <a:noFill/>
-          <a:ln>
-            <a:noFill/>
-          </a:ln>
-          <a:extLst>
-            <a:ext uri="{909E8E84-426E-40DD-AFC4-6F175D3DCCD1}">
-              <a14:hiddenFill xmlns:a14="http://schemas.microsoft.com/office/drawing/2010/main">
-                <a:solidFill>
-                  <a:srgbClr val="FFFFFF"/>
-                </a:solidFill>
-              </a14:hiddenFill>
-            </a:ext>
-            <a:ext uri="{91240B29-F687-4F45-9708-019B960494DF}">
-              <a14:hiddenLine xmlns:a14="http://schemas.microsoft.com/office/drawing/2010/main" w="9525">
-                <a:solidFill>
-                  <a:srgbClr val="000000"/>
-                </a:solidFill>
-                <a:miter lim="800000"/>
-                <a:headEnd/>
-                <a:tailEnd/>
-              </a14:hiddenLine>
-            </a:ext>
-          </a:extLst>
-        </p:spPr>
         <p:txBody>
           <a:bodyPr wrap="square">
             <a:spAutoFit/>
@@ -4875,7 +4654,7 @@
                 <a:ea typeface="Amazon Ember" panose="020B0603020204020204" pitchFamily="34" charset="0"/>
                 <a:cs typeface="Arial" panose="020B0604020202020204" pitchFamily="34" charset="0"/>
               </a:rPr>
-              <a:t>Lifecycle Event Rule</a:t>
+              <a:t>Regional Event Rules</a:t>
             </a:r>
           </a:p>
         </p:txBody>
@@ -4895,7 +4674,7 @@
           <p:nvPr/>
         </p:nvPicPr>
         <p:blipFill>
-          <a:blip r:embed="rId7">
+          <a:blip r:embed="rId6">
             <a:extLst>
               <a:ext uri="{28A0092B-C50C-407E-A947-70E740481C1C}">
                 <a14:useLocalDpi xmlns:a14="http://schemas.microsoft.com/office/drawing/2010/main" val="0"/>
@@ -5116,7 +4895,7 @@
           <p:nvPr/>
         </p:nvPicPr>
         <p:blipFill>
-          <a:blip r:embed="rId7">
+          <a:blip r:embed="rId6">
             <a:extLst>
               <a:ext uri="{28A0092B-C50C-407E-A947-70E740481C1C}">
                 <a14:useLocalDpi xmlns:a14="http://schemas.microsoft.com/office/drawing/2010/main" val="0"/>
@@ -5498,7 +5277,7 @@
           <p:nvPr/>
         </p:nvPicPr>
         <p:blipFill>
-          <a:blip r:embed="rId5">
+          <a:blip r:embed="rId7">
             <a:extLst>
               <a:ext uri="{28A0092B-C50C-407E-A947-70E740481C1C}">
                 <a14:useLocalDpi xmlns:a14="http://schemas.microsoft.com/office/drawing/2010/main" val="0"/>
@@ -5793,7 +5572,7 @@
         </p:blipFill>
         <p:spPr bwMode="auto">
           <a:xfrm>
-            <a:off x="4234793" y="3322462"/>
+            <a:off x="4234793" y="3424066"/>
             <a:ext cx="457200" cy="457200"/>
           </a:xfrm>
           <a:prstGeom prst="rect">
@@ -5840,8 +5619,8 @@
         </p:nvSpPr>
         <p:spPr bwMode="auto">
           <a:xfrm>
-            <a:off x="3800656" y="3773313"/>
-            <a:ext cx="1163639" cy="430887"/>
+            <a:off x="3956393" y="3884692"/>
+            <a:ext cx="990876" cy="430887"/>
           </a:xfrm>
           <a:prstGeom prst="rect">
             <a:avLst/>
@@ -6001,7 +5780,7 @@
         </p:nvSpPr>
         <p:spPr bwMode="auto">
           <a:xfrm>
-            <a:off x="4799893" y="2269201"/>
+            <a:off x="1185804" y="3978556"/>
             <a:ext cx="1119613" cy="261610"/>
           </a:xfrm>
           <a:prstGeom prst="rect">
@@ -6141,7 +5920,7 @@
                 <a:ea typeface="Amazon Ember" panose="020B0603020204020204" pitchFamily="34" charset="0"/>
                 <a:cs typeface="Arial" panose="020B0604020202020204" pitchFamily="34" charset="0"/>
               </a:rPr>
-              <a:t>Lambda Role</a:t>
+              <a:t>IAM Roles</a:t>
             </a:r>
           </a:p>
         </p:txBody>
@@ -6161,7 +5940,7 @@
           <p:nvPr/>
         </p:nvPicPr>
         <p:blipFill>
-          <a:blip r:embed="rId5">
+          <a:blip r:embed="rId7">
             <a:extLst>
               <a:ext uri="{28A0092B-C50C-407E-A947-70E740481C1C}">
                 <a14:useLocalDpi xmlns:a14="http://schemas.microsoft.com/office/drawing/2010/main" val="0"/>
@@ -6175,7 +5954,7 @@
         </p:blipFill>
         <p:spPr bwMode="auto">
           <a:xfrm>
-            <a:off x="5131099" y="1883031"/>
+            <a:off x="1517010" y="3592386"/>
             <a:ext cx="457200" cy="457200"/>
           </a:xfrm>
           <a:prstGeom prst="rect">
@@ -6208,65 +5987,22 @@
       </p:pic>
       <p:cxnSp>
         <p:nvCxnSpPr>
-          <p:cNvPr id="3" name="Elbow Connector 2">
-            <a:extLst>
-              <a:ext uri="{FF2B5EF4-FFF2-40B4-BE49-F238E27FC236}">
-                <a16:creationId xmlns:a16="http://schemas.microsoft.com/office/drawing/2014/main" id="{DF8D6342-EA81-3644-A18F-C2FCB1834586}"/>
+          <p:cNvPr id="5" name="Straight Arrow Connector 4">
+            <a:extLst>
+              <a:ext uri="{FF2B5EF4-FFF2-40B4-BE49-F238E27FC236}">
+                <a16:creationId xmlns:a16="http://schemas.microsoft.com/office/drawing/2014/main" id="{1B308E61-8BF4-6445-8037-A93BF42BA271}"/>
               </a:ext>
             </a:extLst>
           </p:cNvPr>
           <p:cNvCxnSpPr>
-            <a:stCxn id="54" idx="0"/>
-            <a:endCxn id="63" idx="1"/>
-          </p:cNvCxnSpPr>
-          <p:nvPr/>
-        </p:nvCxnSpPr>
-        <p:spPr>
-          <a:xfrm rot="5400000" flipH="1" flipV="1">
-            <a:off x="3352059" y="2431089"/>
-            <a:ext cx="719987" cy="1062761"/>
-          </a:xfrm>
-          <a:prstGeom prst="bentConnector2">
-            <a:avLst/>
-          </a:prstGeom>
-          <a:ln>
-            <a:tailEnd type="triangle"/>
-          </a:ln>
-        </p:spPr>
-        <p:style>
-          <a:lnRef idx="1">
-            <a:schemeClr val="dk1"/>
-          </a:lnRef>
-          <a:fillRef idx="0">
-            <a:schemeClr val="dk1"/>
-          </a:fillRef>
-          <a:effectRef idx="0">
-            <a:schemeClr val="dk1"/>
-          </a:effectRef>
-          <a:fontRef idx="minor">
-            <a:schemeClr val="tx1"/>
-          </a:fontRef>
-        </p:style>
-      </p:cxnSp>
-      <p:cxnSp>
-        <p:nvCxnSpPr>
-          <p:cNvPr id="5" name="Straight Arrow Connector 4">
-            <a:extLst>
-              <a:ext uri="{FF2B5EF4-FFF2-40B4-BE49-F238E27FC236}">
-                <a16:creationId xmlns:a16="http://schemas.microsoft.com/office/drawing/2014/main" id="{1B308E61-8BF4-6445-8037-A93BF42BA271}"/>
-              </a:ext>
-            </a:extLst>
-          </p:cNvPr>
-          <p:cNvCxnSpPr>
-            <a:stCxn id="63" idx="3"/>
-            <a:endCxn id="56" idx="1"/>
+            <a:cxnSpLocks/>
           </p:cNvCxnSpPr>
           <p:nvPr/>
         </p:nvCxnSpPr>
         <p:spPr>
           <a:xfrm>
-            <a:off x="4700633" y="2602475"/>
-            <a:ext cx="1491149" cy="2673"/>
+            <a:off x="4986735" y="2597879"/>
+            <a:ext cx="787730" cy="0"/>
           </a:xfrm>
           <a:prstGeom prst="straightConnector1">
             <a:avLst/>
@@ -6309,7 +6045,7 @@
         <p:spPr>
           <a:xfrm flipH="1">
             <a:off x="4463393" y="3114910"/>
-            <a:ext cx="151" cy="207552"/>
+            <a:ext cx="151" cy="309156"/>
           </a:xfrm>
           <a:prstGeom prst="straightConnector1">
             <a:avLst/>
@@ -6333,331 +6069,6 @@
           </a:fontRef>
         </p:style>
       </p:cxnSp>
-      <p:sp>
-        <p:nvSpPr>
-          <p:cNvPr id="75" name="TextBox 23">
-            <a:extLst>
-              <a:ext uri="{FF2B5EF4-FFF2-40B4-BE49-F238E27FC236}">
-                <a16:creationId xmlns:a16="http://schemas.microsoft.com/office/drawing/2014/main" id="{7F958851-8145-014D-BFA0-3124A10BD4F4}"/>
-              </a:ext>
-            </a:extLst>
-          </p:cNvPr>
-          <p:cNvSpPr txBox="1">
-            <a:spLocks noChangeArrowheads="1"/>
-          </p:cNvSpPr>
-          <p:nvPr/>
-        </p:nvSpPr>
-        <p:spPr bwMode="auto">
-          <a:xfrm>
-            <a:off x="2478107" y="1878269"/>
-            <a:ext cx="1455047" cy="430887"/>
-          </a:xfrm>
-          <a:prstGeom prst="rect">
-            <a:avLst/>
-          </a:prstGeom>
-          <a:noFill/>
-          <a:ln>
-            <a:noFill/>
-          </a:ln>
-          <a:extLst>
-            <a:ext uri="{909E8E84-426E-40DD-AFC4-6F175D3DCCD1}">
-              <a14:hiddenFill xmlns:a14="http://schemas.microsoft.com/office/drawing/2010/main">
-                <a:solidFill>
-                  <a:srgbClr val="FFFFFF"/>
-                </a:solidFill>
-              </a14:hiddenFill>
-            </a:ext>
-            <a:ext uri="{91240B29-F687-4F45-9708-019B960494DF}">
-              <a14:hiddenLine xmlns:a14="http://schemas.microsoft.com/office/drawing/2010/main" w="9525">
-                <a:solidFill>
-                  <a:srgbClr val="000000"/>
-                </a:solidFill>
-                <a:miter lim="800000"/>
-                <a:headEnd/>
-                <a:tailEnd/>
-              </a14:hiddenLine>
-            </a:ext>
-          </a:extLst>
-        </p:spPr>
-        <p:txBody>
-          <a:bodyPr wrap="square">
-            <a:spAutoFit/>
-          </a:bodyPr>
-          <a:lstStyle>
-            <a:lvl1pPr>
-              <a:defRPr>
-                <a:solidFill>
-                  <a:schemeClr val="tx1"/>
-                </a:solidFill>
-                <a:latin typeface="Calibri" panose="020F0502020204030204" pitchFamily="34" charset="0"/>
-              </a:defRPr>
-            </a:lvl1pPr>
-            <a:lvl2pPr marL="742950" indent="-285750">
-              <a:defRPr>
-                <a:solidFill>
-                  <a:schemeClr val="tx1"/>
-                </a:solidFill>
-                <a:latin typeface="Calibri" panose="020F0502020204030204" pitchFamily="34" charset="0"/>
-              </a:defRPr>
-            </a:lvl2pPr>
-            <a:lvl3pPr marL="1143000" indent="-228600">
-              <a:defRPr>
-                <a:solidFill>
-                  <a:schemeClr val="tx1"/>
-                </a:solidFill>
-                <a:latin typeface="Calibri" panose="020F0502020204030204" pitchFamily="34" charset="0"/>
-              </a:defRPr>
-            </a:lvl3pPr>
-            <a:lvl4pPr marL="1600200" indent="-228600">
-              <a:defRPr>
-                <a:solidFill>
-                  <a:schemeClr val="tx1"/>
-                </a:solidFill>
-                <a:latin typeface="Calibri" panose="020F0502020204030204" pitchFamily="34" charset="0"/>
-              </a:defRPr>
-            </a:lvl4pPr>
-            <a:lvl5pPr marL="2057400" indent="-228600">
-              <a:defRPr>
-                <a:solidFill>
-                  <a:schemeClr val="tx1"/>
-                </a:solidFill>
-                <a:latin typeface="Calibri" panose="020F0502020204030204" pitchFamily="34" charset="0"/>
-              </a:defRPr>
-            </a:lvl5pPr>
-            <a:lvl6pPr marL="2514600" indent="-228600" eaLnBrk="0" fontAlgn="base" hangingPunct="0">
-              <a:spcBef>
-                <a:spcPct val="0"/>
-              </a:spcBef>
-              <a:spcAft>
-                <a:spcPct val="0"/>
-              </a:spcAft>
-              <a:defRPr>
-                <a:solidFill>
-                  <a:schemeClr val="tx1"/>
-                </a:solidFill>
-                <a:latin typeface="Calibri" panose="020F0502020204030204" pitchFamily="34" charset="0"/>
-              </a:defRPr>
-            </a:lvl6pPr>
-            <a:lvl7pPr marL="2971800" indent="-228600" eaLnBrk="0" fontAlgn="base" hangingPunct="0">
-              <a:spcBef>
-                <a:spcPct val="0"/>
-              </a:spcBef>
-              <a:spcAft>
-                <a:spcPct val="0"/>
-              </a:spcAft>
-              <a:defRPr>
-                <a:solidFill>
-                  <a:schemeClr val="tx1"/>
-                </a:solidFill>
-                <a:latin typeface="Calibri" panose="020F0502020204030204" pitchFamily="34" charset="0"/>
-              </a:defRPr>
-            </a:lvl7pPr>
-            <a:lvl8pPr marL="3429000" indent="-228600" eaLnBrk="0" fontAlgn="base" hangingPunct="0">
-              <a:spcBef>
-                <a:spcPct val="0"/>
-              </a:spcBef>
-              <a:spcAft>
-                <a:spcPct val="0"/>
-              </a:spcAft>
-              <a:defRPr>
-                <a:solidFill>
-                  <a:schemeClr val="tx1"/>
-                </a:solidFill>
-                <a:latin typeface="Calibri" panose="020F0502020204030204" pitchFamily="34" charset="0"/>
-              </a:defRPr>
-            </a:lvl8pPr>
-            <a:lvl9pPr marL="3886200" indent="-228600" eaLnBrk="0" fontAlgn="base" hangingPunct="0">
-              <a:spcBef>
-                <a:spcPct val="0"/>
-              </a:spcBef>
-              <a:spcAft>
-                <a:spcPct val="0"/>
-              </a:spcAft>
-              <a:defRPr>
-                <a:solidFill>
-                  <a:schemeClr val="tx1"/>
-                </a:solidFill>
-                <a:latin typeface="Calibri" panose="020F0502020204030204" pitchFamily="34" charset="0"/>
-              </a:defRPr>
-            </a:lvl9pPr>
-          </a:lstStyle>
-          <a:p>
-            <a:pPr algn="ctr" eaLnBrk="1" hangingPunct="1"/>
-            <a:r>
-              <a:rPr lang="en-US" altLang="en-US" sz="1100" dirty="0">
-                <a:latin typeface="Arial" panose="020B0604020202020204" pitchFamily="34" charset="0"/>
-                <a:ea typeface="Amazon Ember" panose="020B0603020204020204" pitchFamily="34" charset="0"/>
-                <a:cs typeface="Arial" panose="020B0604020202020204" pitchFamily="34" charset="0"/>
-              </a:rPr>
-              <a:t>SSM Parameter Store</a:t>
-            </a:r>
-          </a:p>
-        </p:txBody>
-      </p:sp>
-      <p:pic>
-        <p:nvPicPr>
-          <p:cNvPr id="76" name="Graphic 26">
-            <a:extLst>
-              <a:ext uri="{FF2B5EF4-FFF2-40B4-BE49-F238E27FC236}">
-                <a16:creationId xmlns:a16="http://schemas.microsoft.com/office/drawing/2014/main" id="{1B5A0656-8C2A-A940-9929-6FD88DF62445}"/>
-              </a:ext>
-            </a:extLst>
-          </p:cNvPr>
-          <p:cNvPicPr>
-            <a:picLocks noChangeAspect="1" noChangeArrowheads="1"/>
-          </p:cNvPicPr>
-          <p:nvPr/>
-        </p:nvPicPr>
-        <p:blipFill>
-          <a:blip r:embed="rId10">
-            <a:extLst>
-              <a:ext uri="{28A0092B-C50C-407E-A947-70E740481C1C}">
-                <a14:useLocalDpi xmlns:a14="http://schemas.microsoft.com/office/drawing/2010/main" val="0"/>
-              </a:ext>
-            </a:extLst>
-          </a:blip>
-          <a:srcRect/>
-          <a:stretch>
-            <a:fillRect/>
-          </a:stretch>
-        </p:blipFill>
-        <p:spPr bwMode="auto">
-          <a:xfrm>
-            <a:off x="3031423" y="1438123"/>
-            <a:ext cx="457200" cy="457200"/>
-          </a:xfrm>
-          <a:prstGeom prst="rect">
-            <a:avLst/>
-          </a:prstGeom>
-          <a:noFill/>
-          <a:ln>
-            <a:noFill/>
-          </a:ln>
-          <a:extLst>
-            <a:ext uri="{909E8E84-426E-40DD-AFC4-6F175D3DCCD1}">
-              <a14:hiddenFill xmlns:a14="http://schemas.microsoft.com/office/drawing/2010/main">
-                <a:solidFill>
-                  <a:srgbClr val="FFFFFF"/>
-                </a:solidFill>
-              </a14:hiddenFill>
-            </a:ext>
-            <a:ext uri="{91240B29-F687-4F45-9708-019B960494DF}">
-              <a14:hiddenLine xmlns:a14="http://schemas.microsoft.com/office/drawing/2010/main" w="9525">
-                <a:solidFill>
-                  <a:srgbClr val="000000"/>
-                </a:solidFill>
-                <a:miter lim="800000"/>
-                <a:headEnd/>
-                <a:tailEnd/>
-              </a14:hiddenLine>
-            </a:ext>
-          </a:extLst>
-        </p:spPr>
-      </p:pic>
-      <p:cxnSp>
-        <p:nvCxnSpPr>
-          <p:cNvPr id="19" name="Elbow Connector 18">
-            <a:extLst>
-              <a:ext uri="{FF2B5EF4-FFF2-40B4-BE49-F238E27FC236}">
-                <a16:creationId xmlns:a16="http://schemas.microsoft.com/office/drawing/2014/main" id="{5FF5AA87-FFDF-234E-9988-986663DEF02B}"/>
-              </a:ext>
-            </a:extLst>
-          </p:cNvPr>
-          <p:cNvCxnSpPr>
-            <a:cxnSpLocks/>
-            <a:stCxn id="76" idx="3"/>
-            <a:endCxn id="63" idx="0"/>
-          </p:cNvCxnSpPr>
-          <p:nvPr/>
-        </p:nvCxnSpPr>
-        <p:spPr>
-          <a:xfrm>
-            <a:off x="3488623" y="1666723"/>
-            <a:ext cx="983410" cy="707152"/>
-          </a:xfrm>
-          <a:prstGeom prst="bentConnector2">
-            <a:avLst/>
-          </a:prstGeom>
-          <a:ln>
-            <a:headEnd type="triangle"/>
-            <a:tailEnd type="triangle"/>
-          </a:ln>
-        </p:spPr>
-        <p:style>
-          <a:lnRef idx="1">
-            <a:schemeClr val="dk1"/>
-          </a:lnRef>
-          <a:fillRef idx="0">
-            <a:schemeClr val="dk1"/>
-          </a:fillRef>
-          <a:effectRef idx="0">
-            <a:schemeClr val="dk1"/>
-          </a:effectRef>
-          <a:fontRef idx="minor">
-            <a:schemeClr val="tx1"/>
-          </a:fontRef>
-        </p:style>
-      </p:cxnSp>
-      <p:sp>
-        <p:nvSpPr>
-          <p:cNvPr id="123" name="Oval 122">
-            <a:extLst>
-              <a:ext uri="{FF2B5EF4-FFF2-40B4-BE49-F238E27FC236}">
-                <a16:creationId xmlns:a16="http://schemas.microsoft.com/office/drawing/2014/main" id="{BD584D30-A592-AC43-A191-29E0F618BAD5}"/>
-              </a:ext>
-            </a:extLst>
-          </p:cNvPr>
-          <p:cNvSpPr/>
-          <p:nvPr/>
-        </p:nvSpPr>
-        <p:spPr>
-          <a:xfrm>
-            <a:off x="2814360" y="1329273"/>
-            <a:ext cx="253435" cy="212902"/>
-          </a:xfrm>
-          <a:prstGeom prst="ellipse">
-            <a:avLst/>
-          </a:prstGeom>
-          <a:solidFill>
-            <a:schemeClr val="tx1"/>
-          </a:solidFill>
-          <a:ln>
-            <a:solidFill>
-              <a:schemeClr val="tx1"/>
-            </a:solidFill>
-          </a:ln>
-        </p:spPr>
-        <p:style>
-          <a:lnRef idx="2">
-            <a:schemeClr val="accent1">
-              <a:shade val="50000"/>
-            </a:schemeClr>
-          </a:lnRef>
-          <a:fillRef idx="1">
-            <a:schemeClr val="accent1"/>
-          </a:fillRef>
-          <a:effectRef idx="0">
-            <a:schemeClr val="accent1"/>
-          </a:effectRef>
-          <a:fontRef idx="minor">
-            <a:schemeClr val="lt1"/>
-          </a:fontRef>
-        </p:style>
-        <p:txBody>
-          <a:bodyPr lIns="0" tIns="0" rIns="0" bIns="0" rtlCol="0" anchor="ctr"/>
-          <a:lstStyle/>
-          <a:p>
-            <a:pPr algn="ctr"/>
-            <a:r>
-              <a:rPr lang="en-US" sz="800" dirty="0">
-                <a:latin typeface="Arial" panose="020B0604020202020204" pitchFamily="34" charset="0"/>
-                <a:cs typeface="Arial" panose="020B0604020202020204" pitchFamily="34" charset="0"/>
-              </a:rPr>
-              <a:t>1.3</a:t>
-            </a:r>
-          </a:p>
-        </p:txBody>
-      </p:sp>
       <p:sp>
         <p:nvSpPr>
           <p:cNvPr id="124" name="Oval 123">
@@ -6713,7 +6124,7 @@
                 <a:latin typeface="Arial" panose="020B0604020202020204" pitchFamily="34" charset="0"/>
                 <a:cs typeface="Arial" panose="020B0604020202020204" pitchFamily="34" charset="0"/>
               </a:rPr>
-              <a:t>1.2</a:t>
+              <a:t>1.6</a:t>
             </a:r>
           </a:p>
         </p:txBody>
@@ -6732,7 +6143,7 @@
         </p:nvSpPr>
         <p:spPr>
           <a:xfrm>
-            <a:off x="2748830" y="3216010"/>
+            <a:off x="2539586" y="2290460"/>
             <a:ext cx="253435" cy="212902"/>
           </a:xfrm>
           <a:prstGeom prst="ellipse">
@@ -6773,7 +6184,7 @@
                 <a:latin typeface="Arial" panose="020B0604020202020204" pitchFamily="34" charset="0"/>
                 <a:cs typeface="Arial" panose="020B0604020202020204" pitchFamily="34" charset="0"/>
               </a:rPr>
-              <a:t>1.4</a:t>
+              <a:t>1.3</a:t>
             </a:r>
           </a:p>
         </p:txBody>
@@ -6792,7 +6203,7 @@
         </p:nvSpPr>
         <p:spPr>
           <a:xfrm>
-            <a:off x="3968027" y="3239606"/>
+            <a:off x="4070758" y="3248998"/>
             <a:ext cx="253435" cy="212902"/>
           </a:xfrm>
           <a:prstGeom prst="ellipse">
@@ -6833,7 +6244,7 @@
                 <a:latin typeface="Arial" panose="020B0604020202020204" pitchFamily="34" charset="0"/>
                 <a:cs typeface="Arial" panose="020B0604020202020204" pitchFamily="34" charset="0"/>
               </a:rPr>
-              <a:t>1.5</a:t>
+              <a:t>1.7</a:t>
             </a:r>
           </a:p>
         </p:txBody>
@@ -6852,7 +6263,7 @@
         </p:nvSpPr>
         <p:spPr>
           <a:xfrm>
-            <a:off x="5261004" y="1749153"/>
+            <a:off x="1383627" y="3575074"/>
             <a:ext cx="253435" cy="212902"/>
           </a:xfrm>
           <a:prstGeom prst="ellipse">
@@ -6893,127 +6304,7 @@
                 <a:latin typeface="Arial" panose="020B0604020202020204" pitchFamily="34" charset="0"/>
                 <a:cs typeface="Arial" panose="020B0604020202020204" pitchFamily="34" charset="0"/>
               </a:rPr>
-              <a:t>1.6</a:t>
-            </a:r>
-          </a:p>
-        </p:txBody>
-      </p:sp>
-      <p:sp>
-        <p:nvSpPr>
-          <p:cNvPr id="133" name="Oval 132">
-            <a:extLst>
-              <a:ext uri="{FF2B5EF4-FFF2-40B4-BE49-F238E27FC236}">
-                <a16:creationId xmlns:a16="http://schemas.microsoft.com/office/drawing/2014/main" id="{C8F90A1A-7217-E543-8402-8ADC936F45BF}"/>
-              </a:ext>
-            </a:extLst>
-          </p:cNvPr>
-          <p:cNvSpPr/>
-          <p:nvPr/>
-        </p:nvSpPr>
-        <p:spPr>
-          <a:xfrm>
-            <a:off x="6293665" y="1275705"/>
-            <a:ext cx="253435" cy="212902"/>
-          </a:xfrm>
-          <a:prstGeom prst="ellipse">
-            <a:avLst/>
-          </a:prstGeom>
-          <a:solidFill>
-            <a:schemeClr val="tx1"/>
-          </a:solidFill>
-          <a:ln>
-            <a:solidFill>
-              <a:schemeClr val="tx1"/>
-            </a:solidFill>
-          </a:ln>
-        </p:spPr>
-        <p:style>
-          <a:lnRef idx="2">
-            <a:schemeClr val="accent1">
-              <a:shade val="50000"/>
-            </a:schemeClr>
-          </a:lnRef>
-          <a:fillRef idx="1">
-            <a:schemeClr val="accent1"/>
-          </a:fillRef>
-          <a:effectRef idx="0">
-            <a:schemeClr val="accent1"/>
-          </a:effectRef>
-          <a:fontRef idx="minor">
-            <a:schemeClr val="lt1"/>
-          </a:fontRef>
-        </p:style>
-        <p:txBody>
-          <a:bodyPr lIns="0" tIns="0" rIns="0" bIns="0" rtlCol="0" anchor="ctr"/>
-          <a:lstStyle/>
-          <a:p>
-            <a:pPr algn="ctr"/>
-            <a:r>
-              <a:rPr lang="en-US" sz="800" dirty="0">
-                <a:latin typeface="Arial" panose="020B0604020202020204" pitchFamily="34" charset="0"/>
-                <a:cs typeface="Arial" panose="020B0604020202020204" pitchFamily="34" charset="0"/>
-              </a:rPr>
-              <a:t>1.7</a:t>
-            </a:r>
-          </a:p>
-        </p:txBody>
-      </p:sp>
-      <p:sp>
-        <p:nvSpPr>
-          <p:cNvPr id="134" name="Oval 133">
-            <a:extLst>
-              <a:ext uri="{FF2B5EF4-FFF2-40B4-BE49-F238E27FC236}">
-                <a16:creationId xmlns:a16="http://schemas.microsoft.com/office/drawing/2014/main" id="{9B2EB9AD-6C62-914F-A8DD-036969C0E906}"/>
-              </a:ext>
-            </a:extLst>
-          </p:cNvPr>
-          <p:cNvSpPr/>
-          <p:nvPr/>
-        </p:nvSpPr>
-        <p:spPr>
-          <a:xfrm>
-            <a:off x="6210623" y="2384977"/>
-            <a:ext cx="253435" cy="212902"/>
-          </a:xfrm>
-          <a:prstGeom prst="ellipse">
-            <a:avLst/>
-          </a:prstGeom>
-          <a:solidFill>
-            <a:schemeClr val="tx1"/>
-          </a:solidFill>
-          <a:ln>
-            <a:solidFill>
-              <a:schemeClr val="tx1"/>
-            </a:solidFill>
-          </a:ln>
-        </p:spPr>
-        <p:style>
-          <a:lnRef idx="2">
-            <a:schemeClr val="accent1">
-              <a:shade val="50000"/>
-            </a:schemeClr>
-          </a:lnRef>
-          <a:fillRef idx="1">
-            <a:schemeClr val="accent1"/>
-          </a:fillRef>
-          <a:effectRef idx="0">
-            <a:schemeClr val="accent1"/>
-          </a:effectRef>
-          <a:fontRef idx="minor">
-            <a:schemeClr val="lt1"/>
-          </a:fontRef>
-        </p:style>
-        <p:txBody>
-          <a:bodyPr lIns="0" tIns="0" rIns="0" bIns="0" rtlCol="0" anchor="ctr"/>
-          <a:lstStyle/>
-          <a:p>
-            <a:pPr algn="ctr"/>
-            <a:r>
-              <a:rPr lang="en-US" sz="800" dirty="0">
-                <a:latin typeface="Arial" panose="020B0604020202020204" pitchFamily="34" charset="0"/>
-                <a:cs typeface="Arial" panose="020B0604020202020204" pitchFamily="34" charset="0"/>
-              </a:rPr>
-              <a:t>1.8</a:t>
+              <a:t>1.2</a:t>
             </a:r>
           </a:p>
         </p:txBody>
@@ -7153,7 +6444,7 @@
           <p:nvPr/>
         </p:nvPicPr>
         <p:blipFill>
-          <a:blip r:embed="rId11">
+          <a:blip r:embed="rId10">
             <a:extLst>
               <a:ext uri="{28A0092B-C50C-407E-A947-70E740481C1C}">
                 <a14:useLocalDpi xmlns:a14="http://schemas.microsoft.com/office/drawing/2010/main" val="0"/>
@@ -7213,7 +6504,7 @@
           <p:nvPr/>
         </p:nvPicPr>
         <p:blipFill>
-          <a:blip r:embed="rId11">
+          <a:blip r:embed="rId10">
             <a:extLst>
               <a:ext uri="{28A0092B-C50C-407E-A947-70E740481C1C}">
                 <a14:useLocalDpi xmlns:a14="http://schemas.microsoft.com/office/drawing/2010/main" val="0"/>
@@ -7227,7 +6518,7 @@
         </p:blipFill>
         <p:spPr bwMode="auto">
           <a:xfrm>
-            <a:off x="1647510" y="2309156"/>
+            <a:off x="1554488" y="1323900"/>
             <a:ext cx="457200" cy="457200"/>
           </a:xfrm>
           <a:prstGeom prst="rect">
@@ -7272,7 +6563,7 @@
         </p:nvSpPr>
         <p:spPr>
           <a:xfrm>
-            <a:off x="1658197" y="2328036"/>
+            <a:off x="1565175" y="1342780"/>
             <a:ext cx="253435" cy="212902"/>
           </a:xfrm>
           <a:prstGeom prst="ellipse">
@@ -7374,6 +6665,1281 @@
                 <a:cs typeface="Arial" panose="020B0604020202020204" pitchFamily="34" charset="0"/>
               </a:rPr>
               <a:t>2.1</a:t>
+            </a:r>
+          </a:p>
+        </p:txBody>
+      </p:sp>
+      <p:sp>
+        <p:nvSpPr>
+          <p:cNvPr id="47" name="Rectangle 46">
+            <a:extLst>
+              <a:ext uri="{FF2B5EF4-FFF2-40B4-BE49-F238E27FC236}">
+                <a16:creationId xmlns:a16="http://schemas.microsoft.com/office/drawing/2014/main" id="{269BBD16-55AC-CE44-B8C7-99178239D5D6}"/>
+              </a:ext>
+            </a:extLst>
+          </p:cNvPr>
+          <p:cNvSpPr/>
+          <p:nvPr/>
+        </p:nvSpPr>
+        <p:spPr>
+          <a:xfrm>
+            <a:off x="1200294" y="4471790"/>
+            <a:ext cx="5920870" cy="1049233"/>
+          </a:xfrm>
+          <a:prstGeom prst="rect">
+            <a:avLst/>
+          </a:prstGeom>
+          <a:noFill/>
+          <a:ln w="12700">
+            <a:solidFill>
+              <a:schemeClr val="tx1"/>
+            </a:solidFill>
+            <a:prstDash val="dash"/>
+          </a:ln>
+        </p:spPr>
+        <p:style>
+          <a:lnRef idx="2">
+            <a:schemeClr val="accent1">
+              <a:shade val="50000"/>
+            </a:schemeClr>
+          </a:lnRef>
+          <a:fillRef idx="1">
+            <a:schemeClr val="accent1"/>
+          </a:fillRef>
+          <a:effectRef idx="0">
+            <a:schemeClr val="accent1"/>
+          </a:effectRef>
+          <a:fontRef idx="minor">
+            <a:schemeClr val="lt1"/>
+          </a:fontRef>
+        </p:style>
+        <p:txBody>
+          <a:bodyPr rot="0" spcFirstLastPara="0" vertOverflow="overflow" horzOverflow="overflow" vert="horz" wrap="square" lIns="91440" tIns="0" rIns="91440" bIns="45720" numCol="1" spcCol="0" rtlCol="0" fromWordArt="0" anchor="t" anchorCtr="0" forceAA="0" compatLnSpc="1">
+            <a:prstTxWarp prst="textNoShape">
+              <a:avLst/>
+            </a:prstTxWarp>
+            <a:noAutofit/>
+          </a:bodyPr>
+          <a:lstStyle/>
+          <a:p>
+            <a:r>
+              <a:rPr lang="en-US" sz="1200" b="1" dirty="0">
+                <a:solidFill>
+                  <a:schemeClr val="tx1"/>
+                </a:solidFill>
+              </a:rPr>
+              <a:t>Global-region</a:t>
+            </a:r>
+          </a:p>
+        </p:txBody>
+      </p:sp>
+      <p:pic>
+        <p:nvPicPr>
+          <p:cNvPr id="48" name="Graphic 24">
+            <a:extLst>
+              <a:ext uri="{FF2B5EF4-FFF2-40B4-BE49-F238E27FC236}">
+                <a16:creationId xmlns:a16="http://schemas.microsoft.com/office/drawing/2014/main" id="{EAAB9E66-AC31-8E4D-AB38-E7EAEAEC1A7F}"/>
+              </a:ext>
+            </a:extLst>
+          </p:cNvPr>
+          <p:cNvPicPr>
+            <a:picLocks noChangeAspect="1" noChangeArrowheads="1"/>
+          </p:cNvPicPr>
+          <p:nvPr/>
+        </p:nvPicPr>
+        <p:blipFill>
+          <a:blip r:embed="rId5">
+            <a:extLst>
+              <a:ext uri="{28A0092B-C50C-407E-A947-70E740481C1C}">
+                <a14:useLocalDpi xmlns:a14="http://schemas.microsoft.com/office/drawing/2010/main" val="0"/>
+              </a:ext>
+            </a:extLst>
+          </a:blip>
+          <a:srcRect/>
+          <a:stretch>
+            <a:fillRect/>
+          </a:stretch>
+        </p:blipFill>
+        <p:spPr bwMode="auto">
+          <a:xfrm>
+            <a:off x="2704725" y="4624163"/>
+            <a:ext cx="457200" cy="457200"/>
+          </a:xfrm>
+          <a:prstGeom prst="rect">
+            <a:avLst/>
+          </a:prstGeom>
+          <a:noFill/>
+          <a:ln>
+            <a:noFill/>
+          </a:ln>
+          <a:extLst>
+            <a:ext uri="{909E8E84-426E-40DD-AFC4-6F175D3DCCD1}">
+              <a14:hiddenFill xmlns:a14="http://schemas.microsoft.com/office/drawing/2010/main">
+                <a:solidFill>
+                  <a:srgbClr val="FFFFFF"/>
+                </a:solidFill>
+              </a14:hiddenFill>
+            </a:ext>
+            <a:ext uri="{91240B29-F687-4F45-9708-019B960494DF}">
+              <a14:hiddenLine xmlns:a14="http://schemas.microsoft.com/office/drawing/2010/main" w="9525">
+                <a:solidFill>
+                  <a:srgbClr val="000000"/>
+                </a:solidFill>
+                <a:miter lim="800000"/>
+                <a:headEnd/>
+                <a:tailEnd/>
+              </a14:hiddenLine>
+            </a:ext>
+          </a:extLst>
+        </p:spPr>
+      </p:pic>
+      <p:sp>
+        <p:nvSpPr>
+          <p:cNvPr id="51" name="TextBox 26">
+            <a:extLst>
+              <a:ext uri="{FF2B5EF4-FFF2-40B4-BE49-F238E27FC236}">
+                <a16:creationId xmlns:a16="http://schemas.microsoft.com/office/drawing/2014/main" id="{D4EF2674-09A5-D242-ADA6-DA1C330F8568}"/>
+              </a:ext>
+            </a:extLst>
+          </p:cNvPr>
+          <p:cNvSpPr txBox="1">
+            <a:spLocks noChangeArrowheads="1"/>
+          </p:cNvSpPr>
+          <p:nvPr/>
+        </p:nvSpPr>
+        <p:spPr bwMode="auto">
+          <a:xfrm>
+            <a:off x="2366830" y="5029111"/>
+            <a:ext cx="1143852" cy="430887"/>
+          </a:xfrm>
+          <a:prstGeom prst="rect">
+            <a:avLst/>
+          </a:prstGeom>
+          <a:noFill/>
+          <a:ln>
+            <a:noFill/>
+          </a:ln>
+          <a:extLst>
+            <a:ext uri="{909E8E84-426E-40DD-AFC4-6F175D3DCCD1}">
+              <a14:hiddenFill xmlns:a14="http://schemas.microsoft.com/office/drawing/2010/main">
+                <a:solidFill>
+                  <a:srgbClr val="FFFFFF"/>
+                </a:solidFill>
+              </a14:hiddenFill>
+            </a:ext>
+            <a:ext uri="{91240B29-F687-4F45-9708-019B960494DF}">
+              <a14:hiddenLine xmlns:a14="http://schemas.microsoft.com/office/drawing/2010/main" w="9525">
+                <a:solidFill>
+                  <a:srgbClr val="000000"/>
+                </a:solidFill>
+                <a:miter lim="800000"/>
+                <a:headEnd/>
+                <a:tailEnd/>
+              </a14:hiddenLine>
+            </a:ext>
+          </a:extLst>
+        </p:spPr>
+        <p:txBody>
+          <a:bodyPr wrap="square">
+            <a:spAutoFit/>
+          </a:bodyPr>
+          <a:lstStyle>
+            <a:lvl1pPr>
+              <a:defRPr>
+                <a:solidFill>
+                  <a:schemeClr val="tx1"/>
+                </a:solidFill>
+                <a:latin typeface="Calibri" panose="020F0502020204030204" pitchFamily="34" charset="0"/>
+              </a:defRPr>
+            </a:lvl1pPr>
+            <a:lvl2pPr marL="742950" indent="-285750">
+              <a:defRPr>
+                <a:solidFill>
+                  <a:schemeClr val="tx1"/>
+                </a:solidFill>
+                <a:latin typeface="Calibri" panose="020F0502020204030204" pitchFamily="34" charset="0"/>
+              </a:defRPr>
+            </a:lvl2pPr>
+            <a:lvl3pPr marL="1143000" indent="-228600">
+              <a:defRPr>
+                <a:solidFill>
+                  <a:schemeClr val="tx1"/>
+                </a:solidFill>
+                <a:latin typeface="Calibri" panose="020F0502020204030204" pitchFamily="34" charset="0"/>
+              </a:defRPr>
+            </a:lvl3pPr>
+            <a:lvl4pPr marL="1600200" indent="-228600">
+              <a:defRPr>
+                <a:solidFill>
+                  <a:schemeClr val="tx1"/>
+                </a:solidFill>
+                <a:latin typeface="Calibri" panose="020F0502020204030204" pitchFamily="34" charset="0"/>
+              </a:defRPr>
+            </a:lvl4pPr>
+            <a:lvl5pPr marL="2057400" indent="-228600">
+              <a:defRPr>
+                <a:solidFill>
+                  <a:schemeClr val="tx1"/>
+                </a:solidFill>
+                <a:latin typeface="Calibri" panose="020F0502020204030204" pitchFamily="34" charset="0"/>
+              </a:defRPr>
+            </a:lvl5pPr>
+            <a:lvl6pPr marL="2514600" indent="-228600" eaLnBrk="0" fontAlgn="base" hangingPunct="0">
+              <a:spcBef>
+                <a:spcPct val="0"/>
+              </a:spcBef>
+              <a:spcAft>
+                <a:spcPct val="0"/>
+              </a:spcAft>
+              <a:defRPr>
+                <a:solidFill>
+                  <a:schemeClr val="tx1"/>
+                </a:solidFill>
+                <a:latin typeface="Calibri" panose="020F0502020204030204" pitchFamily="34" charset="0"/>
+              </a:defRPr>
+            </a:lvl6pPr>
+            <a:lvl7pPr marL="2971800" indent="-228600" eaLnBrk="0" fontAlgn="base" hangingPunct="0">
+              <a:spcBef>
+                <a:spcPct val="0"/>
+              </a:spcBef>
+              <a:spcAft>
+                <a:spcPct val="0"/>
+              </a:spcAft>
+              <a:defRPr>
+                <a:solidFill>
+                  <a:schemeClr val="tx1"/>
+                </a:solidFill>
+                <a:latin typeface="Calibri" panose="020F0502020204030204" pitchFamily="34" charset="0"/>
+              </a:defRPr>
+            </a:lvl7pPr>
+            <a:lvl8pPr marL="3429000" indent="-228600" eaLnBrk="0" fontAlgn="base" hangingPunct="0">
+              <a:spcBef>
+                <a:spcPct val="0"/>
+              </a:spcBef>
+              <a:spcAft>
+                <a:spcPct val="0"/>
+              </a:spcAft>
+              <a:defRPr>
+                <a:solidFill>
+                  <a:schemeClr val="tx1"/>
+                </a:solidFill>
+                <a:latin typeface="Calibri" panose="020F0502020204030204" pitchFamily="34" charset="0"/>
+              </a:defRPr>
+            </a:lvl8pPr>
+            <a:lvl9pPr marL="3886200" indent="-228600" eaLnBrk="0" fontAlgn="base" hangingPunct="0">
+              <a:spcBef>
+                <a:spcPct val="0"/>
+              </a:spcBef>
+              <a:spcAft>
+                <a:spcPct val="0"/>
+              </a:spcAft>
+              <a:defRPr>
+                <a:solidFill>
+                  <a:schemeClr val="tx1"/>
+                </a:solidFill>
+                <a:latin typeface="Calibri" panose="020F0502020204030204" pitchFamily="34" charset="0"/>
+              </a:defRPr>
+            </a:lvl9pPr>
+          </a:lstStyle>
+          <a:p>
+            <a:pPr algn="ctr" eaLnBrk="1" hangingPunct="1"/>
+            <a:r>
+              <a:rPr lang="en-US" altLang="en-US" sz="1100" dirty="0">
+                <a:latin typeface="Arial" panose="020B0604020202020204" pitchFamily="34" charset="0"/>
+                <a:ea typeface="Amazon Ember" panose="020B0603020204020204" pitchFamily="34" charset="0"/>
+                <a:cs typeface="Arial" panose="020B0604020202020204" pitchFamily="34" charset="0"/>
+              </a:rPr>
+              <a:t>Global Event Rules</a:t>
+            </a:r>
+          </a:p>
+        </p:txBody>
+      </p:sp>
+      <p:sp>
+        <p:nvSpPr>
+          <p:cNvPr id="68" name="Oval 67">
+            <a:extLst>
+              <a:ext uri="{FF2B5EF4-FFF2-40B4-BE49-F238E27FC236}">
+                <a16:creationId xmlns:a16="http://schemas.microsoft.com/office/drawing/2014/main" id="{B2F2B0A9-E50F-F141-8975-4E45BF614C42}"/>
+              </a:ext>
+            </a:extLst>
+          </p:cNvPr>
+          <p:cNvSpPr/>
+          <p:nvPr/>
+        </p:nvSpPr>
+        <p:spPr>
+          <a:xfrm>
+            <a:off x="2529063" y="4512566"/>
+            <a:ext cx="253435" cy="212902"/>
+          </a:xfrm>
+          <a:prstGeom prst="ellipse">
+            <a:avLst/>
+          </a:prstGeom>
+          <a:solidFill>
+            <a:schemeClr val="tx1"/>
+          </a:solidFill>
+          <a:ln>
+            <a:solidFill>
+              <a:schemeClr val="tx1"/>
+            </a:solidFill>
+          </a:ln>
+        </p:spPr>
+        <p:style>
+          <a:lnRef idx="2">
+            <a:schemeClr val="accent1">
+              <a:shade val="50000"/>
+            </a:schemeClr>
+          </a:lnRef>
+          <a:fillRef idx="1">
+            <a:schemeClr val="accent1"/>
+          </a:fillRef>
+          <a:effectRef idx="0">
+            <a:schemeClr val="accent1"/>
+          </a:effectRef>
+          <a:fontRef idx="minor">
+            <a:schemeClr val="lt1"/>
+          </a:fontRef>
+        </p:style>
+        <p:txBody>
+          <a:bodyPr lIns="0" tIns="0" rIns="0" bIns="0" rtlCol="0" anchor="ctr"/>
+          <a:lstStyle/>
+          <a:p>
+            <a:pPr algn="ctr"/>
+            <a:r>
+              <a:rPr lang="en-US" sz="800" dirty="0">
+                <a:latin typeface="Arial" panose="020B0604020202020204" pitchFamily="34" charset="0"/>
+                <a:cs typeface="Arial" panose="020B0604020202020204" pitchFamily="34" charset="0"/>
+              </a:rPr>
+              <a:t>1.4</a:t>
+            </a:r>
+          </a:p>
+        </p:txBody>
+      </p:sp>
+      <p:pic>
+        <p:nvPicPr>
+          <p:cNvPr id="69" name="Graphic 17">
+            <a:extLst>
+              <a:ext uri="{FF2B5EF4-FFF2-40B4-BE49-F238E27FC236}">
+                <a16:creationId xmlns:a16="http://schemas.microsoft.com/office/drawing/2014/main" id="{EF435EE0-6B48-DF4D-BA0F-ABF4A4C17738}"/>
+              </a:ext>
+            </a:extLst>
+          </p:cNvPr>
+          <p:cNvPicPr>
+            <a:picLocks noChangeAspect="1" noChangeArrowheads="1"/>
+          </p:cNvPicPr>
+          <p:nvPr/>
+        </p:nvPicPr>
+        <p:blipFill>
+          <a:blip r:embed="rId11">
+            <a:extLst>
+              <a:ext uri="{28A0092B-C50C-407E-A947-70E740481C1C}">
+                <a14:useLocalDpi xmlns:a14="http://schemas.microsoft.com/office/drawing/2010/main" val="0"/>
+              </a:ext>
+            </a:extLst>
+          </a:blip>
+          <a:srcRect/>
+          <a:stretch>
+            <a:fillRect/>
+          </a:stretch>
+        </p:blipFill>
+        <p:spPr bwMode="auto">
+          <a:xfrm>
+            <a:off x="5476681" y="1190331"/>
+            <a:ext cx="457200" cy="457200"/>
+          </a:xfrm>
+          <a:prstGeom prst="rect">
+            <a:avLst/>
+          </a:prstGeom>
+          <a:noFill/>
+          <a:ln>
+            <a:noFill/>
+          </a:ln>
+          <a:extLst>
+            <a:ext uri="{909E8E84-426E-40DD-AFC4-6F175D3DCCD1}">
+              <a14:hiddenFill xmlns:a14="http://schemas.microsoft.com/office/drawing/2010/main">
+                <a:solidFill>
+                  <a:srgbClr val="FFFFFF"/>
+                </a:solidFill>
+              </a14:hiddenFill>
+            </a:ext>
+            <a:ext uri="{91240B29-F687-4F45-9708-019B960494DF}">
+              <a14:hiddenLine xmlns:a14="http://schemas.microsoft.com/office/drawing/2010/main" w="9525">
+                <a:solidFill>
+                  <a:srgbClr val="000000"/>
+                </a:solidFill>
+                <a:miter lim="800000"/>
+                <a:headEnd/>
+                <a:tailEnd/>
+              </a14:hiddenLine>
+            </a:ext>
+          </a:extLst>
+        </p:spPr>
+      </p:pic>
+      <p:sp>
+        <p:nvSpPr>
+          <p:cNvPr id="70" name="TextBox 2">
+            <a:extLst>
+              <a:ext uri="{FF2B5EF4-FFF2-40B4-BE49-F238E27FC236}">
+                <a16:creationId xmlns:a16="http://schemas.microsoft.com/office/drawing/2014/main" id="{AAC8ED0A-7591-EA46-B9A9-432BF3E6CCFC}"/>
+              </a:ext>
+            </a:extLst>
+          </p:cNvPr>
+          <p:cNvSpPr txBox="1"/>
+          <p:nvPr/>
+        </p:nvSpPr>
+        <p:spPr>
+          <a:xfrm>
+            <a:off x="5242156" y="1592361"/>
+            <a:ext cx="932275" cy="261610"/>
+          </a:xfrm>
+          <a:prstGeom prst="rect">
+            <a:avLst/>
+          </a:prstGeom>
+          <a:noFill/>
+        </p:spPr>
+        <p:style>
+          <a:lnRef idx="0">
+            <a:scrgbClr r="0" g="0" b="0"/>
+          </a:lnRef>
+          <a:fillRef idx="0">
+            <a:scrgbClr r="0" g="0" b="0"/>
+          </a:fillRef>
+          <a:effectRef idx="0">
+            <a:scrgbClr r="0" g="0" b="0"/>
+          </a:effectRef>
+          <a:fontRef idx="major"/>
+        </p:style>
+        <p:txBody>
+          <a:bodyPr wrap="square" rtlCol="0">
+            <a:spAutoFit/>
+          </a:bodyPr>
+          <a:lstStyle>
+            <a:lvl1pPr>
+              <a:defRPr>
+                <a:latin typeface="+mj-lt"/>
+                <a:ea typeface="+mj-ea"/>
+                <a:cs typeface="+mj-cs"/>
+              </a:defRPr>
+            </a:lvl1pPr>
+            <a:lvl2pPr>
+              <a:defRPr>
+                <a:latin typeface="+mj-lt"/>
+                <a:ea typeface="+mj-ea"/>
+                <a:cs typeface="+mj-cs"/>
+              </a:defRPr>
+            </a:lvl2pPr>
+            <a:lvl3pPr>
+              <a:defRPr>
+                <a:latin typeface="+mj-lt"/>
+                <a:ea typeface="+mj-ea"/>
+                <a:cs typeface="+mj-cs"/>
+              </a:defRPr>
+            </a:lvl3pPr>
+            <a:lvl4pPr>
+              <a:defRPr>
+                <a:latin typeface="+mj-lt"/>
+                <a:ea typeface="+mj-ea"/>
+                <a:cs typeface="+mj-cs"/>
+              </a:defRPr>
+            </a:lvl4pPr>
+            <a:lvl5pPr>
+              <a:defRPr>
+                <a:latin typeface="+mj-lt"/>
+                <a:ea typeface="+mj-ea"/>
+                <a:cs typeface="+mj-cs"/>
+              </a:defRPr>
+            </a:lvl5pPr>
+            <a:lvl6pPr>
+              <a:defRPr>
+                <a:latin typeface="+mj-lt"/>
+                <a:ea typeface="+mj-ea"/>
+                <a:cs typeface="+mj-cs"/>
+              </a:defRPr>
+            </a:lvl6pPr>
+            <a:lvl7pPr>
+              <a:defRPr>
+                <a:latin typeface="+mj-lt"/>
+                <a:ea typeface="+mj-ea"/>
+                <a:cs typeface="+mj-cs"/>
+              </a:defRPr>
+            </a:lvl7pPr>
+            <a:lvl8pPr>
+              <a:defRPr>
+                <a:latin typeface="+mj-lt"/>
+                <a:ea typeface="+mj-ea"/>
+                <a:cs typeface="+mj-cs"/>
+              </a:defRPr>
+            </a:lvl8pPr>
+            <a:lvl9pPr>
+              <a:defRPr>
+                <a:latin typeface="+mj-lt"/>
+                <a:ea typeface="+mj-ea"/>
+                <a:cs typeface="+mj-cs"/>
+              </a:defRPr>
+            </a:lvl9pPr>
+          </a:lstStyle>
+          <a:p>
+            <a:pPr algn="ctr"/>
+            <a:r>
+              <a:rPr lang="en-US" sz="1100" dirty="0">
+                <a:latin typeface="Arial" panose="020B0604020202020204" pitchFamily="34" charset="0"/>
+                <a:cs typeface="Arial" panose="020B0604020202020204" pitchFamily="34" charset="0"/>
+              </a:rPr>
+              <a:t>Alarm Topic</a:t>
+            </a:r>
+          </a:p>
+        </p:txBody>
+      </p:sp>
+      <p:pic>
+        <p:nvPicPr>
+          <p:cNvPr id="71" name="Graphic 29">
+            <a:extLst>
+              <a:ext uri="{FF2B5EF4-FFF2-40B4-BE49-F238E27FC236}">
+                <a16:creationId xmlns:a16="http://schemas.microsoft.com/office/drawing/2014/main" id="{194FE4AA-2936-344D-A3E1-AE2EEFC27286}"/>
+              </a:ext>
+            </a:extLst>
+          </p:cNvPr>
+          <p:cNvPicPr>
+            <a:picLocks noChangeAspect="1" noChangeArrowheads="1"/>
+          </p:cNvPicPr>
+          <p:nvPr/>
+        </p:nvPicPr>
+        <p:blipFill>
+          <a:blip r:embed="rId12">
+            <a:extLst>
+              <a:ext uri="{28A0092B-C50C-407E-A947-70E740481C1C}">
+                <a14:useLocalDpi xmlns:a14="http://schemas.microsoft.com/office/drawing/2010/main" val="0"/>
+              </a:ext>
+            </a:extLst>
+          </a:blip>
+          <a:srcRect/>
+          <a:stretch>
+            <a:fillRect/>
+          </a:stretch>
+        </p:blipFill>
+        <p:spPr bwMode="auto">
+          <a:xfrm>
+            <a:off x="4225601" y="1189945"/>
+            <a:ext cx="457200" cy="457200"/>
+          </a:xfrm>
+          <a:prstGeom prst="rect">
+            <a:avLst/>
+          </a:prstGeom>
+          <a:noFill/>
+          <a:ln>
+            <a:noFill/>
+          </a:ln>
+          <a:extLst>
+            <a:ext uri="{909E8E84-426E-40DD-AFC4-6F175D3DCCD1}">
+              <a14:hiddenFill xmlns:a14="http://schemas.microsoft.com/office/drawing/2010/main">
+                <a:solidFill>
+                  <a:srgbClr val="FFFFFF"/>
+                </a:solidFill>
+              </a14:hiddenFill>
+            </a:ext>
+            <a:ext uri="{91240B29-F687-4F45-9708-019B960494DF}">
+              <a14:hiddenLine xmlns:a14="http://schemas.microsoft.com/office/drawing/2010/main" w="9525">
+                <a:solidFill>
+                  <a:srgbClr val="000000"/>
+                </a:solidFill>
+                <a:miter lim="800000"/>
+                <a:headEnd/>
+                <a:tailEnd/>
+              </a14:hiddenLine>
+            </a:ext>
+          </a:extLst>
+        </p:spPr>
+      </p:pic>
+      <p:sp>
+        <p:nvSpPr>
+          <p:cNvPr id="73" name="TextBox 2">
+            <a:extLst>
+              <a:ext uri="{FF2B5EF4-FFF2-40B4-BE49-F238E27FC236}">
+                <a16:creationId xmlns:a16="http://schemas.microsoft.com/office/drawing/2014/main" id="{D007E6F1-DFB9-B848-B4EE-C8D278615335}"/>
+              </a:ext>
+            </a:extLst>
+          </p:cNvPr>
+          <p:cNvSpPr txBox="1"/>
+          <p:nvPr/>
+        </p:nvSpPr>
+        <p:spPr>
+          <a:xfrm>
+            <a:off x="3986795" y="1564434"/>
+            <a:ext cx="932275" cy="261610"/>
+          </a:xfrm>
+          <a:prstGeom prst="rect">
+            <a:avLst/>
+          </a:prstGeom>
+          <a:noFill/>
+        </p:spPr>
+        <p:style>
+          <a:lnRef idx="0">
+            <a:scrgbClr r="0" g="0" b="0"/>
+          </a:lnRef>
+          <a:fillRef idx="0">
+            <a:scrgbClr r="0" g="0" b="0"/>
+          </a:fillRef>
+          <a:effectRef idx="0">
+            <a:scrgbClr r="0" g="0" b="0"/>
+          </a:effectRef>
+          <a:fontRef idx="major"/>
+        </p:style>
+        <p:txBody>
+          <a:bodyPr wrap="square" rtlCol="0">
+            <a:spAutoFit/>
+          </a:bodyPr>
+          <a:lstStyle>
+            <a:lvl1pPr>
+              <a:defRPr>
+                <a:latin typeface="+mj-lt"/>
+                <a:ea typeface="+mj-ea"/>
+                <a:cs typeface="+mj-cs"/>
+              </a:defRPr>
+            </a:lvl1pPr>
+            <a:lvl2pPr>
+              <a:defRPr>
+                <a:latin typeface="+mj-lt"/>
+                <a:ea typeface="+mj-ea"/>
+                <a:cs typeface="+mj-cs"/>
+              </a:defRPr>
+            </a:lvl2pPr>
+            <a:lvl3pPr>
+              <a:defRPr>
+                <a:latin typeface="+mj-lt"/>
+                <a:ea typeface="+mj-ea"/>
+                <a:cs typeface="+mj-cs"/>
+              </a:defRPr>
+            </a:lvl3pPr>
+            <a:lvl4pPr>
+              <a:defRPr>
+                <a:latin typeface="+mj-lt"/>
+                <a:ea typeface="+mj-ea"/>
+                <a:cs typeface="+mj-cs"/>
+              </a:defRPr>
+            </a:lvl4pPr>
+            <a:lvl5pPr>
+              <a:defRPr>
+                <a:latin typeface="+mj-lt"/>
+                <a:ea typeface="+mj-ea"/>
+                <a:cs typeface="+mj-cs"/>
+              </a:defRPr>
+            </a:lvl5pPr>
+            <a:lvl6pPr>
+              <a:defRPr>
+                <a:latin typeface="+mj-lt"/>
+                <a:ea typeface="+mj-ea"/>
+                <a:cs typeface="+mj-cs"/>
+              </a:defRPr>
+            </a:lvl6pPr>
+            <a:lvl7pPr>
+              <a:defRPr>
+                <a:latin typeface="+mj-lt"/>
+                <a:ea typeface="+mj-ea"/>
+                <a:cs typeface="+mj-cs"/>
+              </a:defRPr>
+            </a:lvl7pPr>
+            <a:lvl8pPr>
+              <a:defRPr>
+                <a:latin typeface="+mj-lt"/>
+                <a:ea typeface="+mj-ea"/>
+                <a:cs typeface="+mj-cs"/>
+              </a:defRPr>
+            </a:lvl8pPr>
+            <a:lvl9pPr>
+              <a:defRPr>
+                <a:latin typeface="+mj-lt"/>
+                <a:ea typeface="+mj-ea"/>
+                <a:cs typeface="+mj-cs"/>
+              </a:defRPr>
+            </a:lvl9pPr>
+          </a:lstStyle>
+          <a:p>
+            <a:pPr algn="ctr"/>
+            <a:r>
+              <a:rPr lang="en-US" sz="1100" dirty="0">
+                <a:latin typeface="Arial" panose="020B0604020202020204" pitchFamily="34" charset="0"/>
+                <a:cs typeface="Arial" panose="020B0604020202020204" pitchFamily="34" charset="0"/>
+              </a:rPr>
+              <a:t>DLQ</a:t>
+            </a:r>
+          </a:p>
+        </p:txBody>
+      </p:sp>
+      <p:sp>
+        <p:nvSpPr>
+          <p:cNvPr id="74" name="Oval 73">
+            <a:extLst>
+              <a:ext uri="{FF2B5EF4-FFF2-40B4-BE49-F238E27FC236}">
+                <a16:creationId xmlns:a16="http://schemas.microsoft.com/office/drawing/2014/main" id="{C01BE76D-84FD-E447-9ECA-31AE37CC4949}"/>
+              </a:ext>
+            </a:extLst>
+          </p:cNvPr>
+          <p:cNvSpPr/>
+          <p:nvPr/>
+        </p:nvSpPr>
+        <p:spPr>
+          <a:xfrm>
+            <a:off x="4066185" y="1233969"/>
+            <a:ext cx="253435" cy="212902"/>
+          </a:xfrm>
+          <a:prstGeom prst="ellipse">
+            <a:avLst/>
+          </a:prstGeom>
+          <a:solidFill>
+            <a:schemeClr val="tx1"/>
+          </a:solidFill>
+          <a:ln>
+            <a:solidFill>
+              <a:schemeClr val="tx1"/>
+            </a:solidFill>
+          </a:ln>
+        </p:spPr>
+        <p:style>
+          <a:lnRef idx="2">
+            <a:schemeClr val="accent1">
+              <a:shade val="50000"/>
+            </a:schemeClr>
+          </a:lnRef>
+          <a:fillRef idx="1">
+            <a:schemeClr val="accent1"/>
+          </a:fillRef>
+          <a:effectRef idx="0">
+            <a:schemeClr val="accent1"/>
+          </a:effectRef>
+          <a:fontRef idx="minor">
+            <a:schemeClr val="lt1"/>
+          </a:fontRef>
+        </p:style>
+        <p:txBody>
+          <a:bodyPr lIns="0" tIns="0" rIns="0" bIns="0" rtlCol="0" anchor="ctr"/>
+          <a:lstStyle/>
+          <a:p>
+            <a:pPr algn="ctr"/>
+            <a:r>
+              <a:rPr lang="en-US" sz="800" dirty="0">
+                <a:latin typeface="Arial" panose="020B0604020202020204" pitchFamily="34" charset="0"/>
+                <a:cs typeface="Arial" panose="020B0604020202020204" pitchFamily="34" charset="0"/>
+              </a:rPr>
+              <a:t>1.5</a:t>
+            </a:r>
+          </a:p>
+        </p:txBody>
+      </p:sp>
+      <p:cxnSp>
+        <p:nvCxnSpPr>
+          <p:cNvPr id="77" name="Straight Arrow Connector 76">
+            <a:extLst>
+              <a:ext uri="{FF2B5EF4-FFF2-40B4-BE49-F238E27FC236}">
+                <a16:creationId xmlns:a16="http://schemas.microsoft.com/office/drawing/2014/main" id="{CF4820BB-6C7D-4B4A-ABA0-5D456AB281B9}"/>
+              </a:ext>
+            </a:extLst>
+          </p:cNvPr>
+          <p:cNvCxnSpPr>
+            <a:cxnSpLocks/>
+          </p:cNvCxnSpPr>
+          <p:nvPr/>
+        </p:nvCxnSpPr>
+        <p:spPr>
+          <a:xfrm>
+            <a:off x="4858784" y="1418931"/>
+            <a:ext cx="400920" cy="0"/>
+          </a:xfrm>
+          <a:prstGeom prst="straightConnector1">
+            <a:avLst/>
+          </a:prstGeom>
+          <a:ln>
+            <a:tailEnd type="triangle"/>
+          </a:ln>
+        </p:spPr>
+        <p:style>
+          <a:lnRef idx="1">
+            <a:schemeClr val="dk1"/>
+          </a:lnRef>
+          <a:fillRef idx="0">
+            <a:schemeClr val="dk1"/>
+          </a:fillRef>
+          <a:effectRef idx="0">
+            <a:schemeClr val="dk1"/>
+          </a:effectRef>
+          <a:fontRef idx="minor">
+            <a:schemeClr val="tx1"/>
+          </a:fontRef>
+        </p:style>
+      </p:cxnSp>
+      <p:sp>
+        <p:nvSpPr>
+          <p:cNvPr id="78" name="Oval 77">
+            <a:extLst>
+              <a:ext uri="{FF2B5EF4-FFF2-40B4-BE49-F238E27FC236}">
+                <a16:creationId xmlns:a16="http://schemas.microsoft.com/office/drawing/2014/main" id="{6D444918-7362-8849-9895-4FD3F7BB7C2A}"/>
+              </a:ext>
+            </a:extLst>
+          </p:cNvPr>
+          <p:cNvSpPr/>
+          <p:nvPr/>
+        </p:nvSpPr>
+        <p:spPr>
+          <a:xfrm>
+            <a:off x="5521030" y="1244715"/>
+            <a:ext cx="253435" cy="212902"/>
+          </a:xfrm>
+          <a:prstGeom prst="ellipse">
+            <a:avLst/>
+          </a:prstGeom>
+          <a:solidFill>
+            <a:schemeClr val="tx1"/>
+          </a:solidFill>
+          <a:ln>
+            <a:solidFill>
+              <a:schemeClr val="tx1"/>
+            </a:solidFill>
+          </a:ln>
+        </p:spPr>
+        <p:style>
+          <a:lnRef idx="2">
+            <a:schemeClr val="accent1">
+              <a:shade val="50000"/>
+            </a:schemeClr>
+          </a:lnRef>
+          <a:fillRef idx="1">
+            <a:schemeClr val="accent1"/>
+          </a:fillRef>
+          <a:effectRef idx="0">
+            <a:schemeClr val="accent1"/>
+          </a:effectRef>
+          <a:fontRef idx="minor">
+            <a:schemeClr val="lt1"/>
+          </a:fontRef>
+        </p:style>
+        <p:txBody>
+          <a:bodyPr lIns="0" tIns="0" rIns="0" bIns="0" rtlCol="0" anchor="ctr"/>
+          <a:lstStyle/>
+          <a:p>
+            <a:pPr algn="ctr"/>
+            <a:r>
+              <a:rPr lang="en-US" sz="800" dirty="0">
+                <a:latin typeface="Arial" panose="020B0604020202020204" pitchFamily="34" charset="0"/>
+                <a:cs typeface="Arial" panose="020B0604020202020204" pitchFamily="34" charset="0"/>
+              </a:rPr>
+              <a:t>1.8</a:t>
+            </a:r>
+          </a:p>
+        </p:txBody>
+      </p:sp>
+      <p:pic>
+        <p:nvPicPr>
+          <p:cNvPr id="79" name="Graphic 17">
+            <a:extLst>
+              <a:ext uri="{FF2B5EF4-FFF2-40B4-BE49-F238E27FC236}">
+                <a16:creationId xmlns:a16="http://schemas.microsoft.com/office/drawing/2014/main" id="{407B8ECC-E9DD-374C-9C8B-587A05F9D288}"/>
+              </a:ext>
+            </a:extLst>
+          </p:cNvPr>
+          <p:cNvPicPr>
+            <a:picLocks noChangeAspect="1" noChangeArrowheads="1"/>
+          </p:cNvPicPr>
+          <p:nvPr/>
+        </p:nvPicPr>
+        <p:blipFill>
+          <a:blip r:embed="rId11">
+            <a:extLst>
+              <a:ext uri="{28A0092B-C50C-407E-A947-70E740481C1C}">
+                <a14:useLocalDpi xmlns:a14="http://schemas.microsoft.com/office/drawing/2010/main" val="0"/>
+              </a:ext>
+            </a:extLst>
+          </a:blip>
+          <a:srcRect/>
+          <a:stretch>
+            <a:fillRect/>
+          </a:stretch>
+        </p:blipFill>
+        <p:spPr bwMode="auto">
+          <a:xfrm>
+            <a:off x="5491759" y="3452508"/>
+            <a:ext cx="457200" cy="457200"/>
+          </a:xfrm>
+          <a:prstGeom prst="rect">
+            <a:avLst/>
+          </a:prstGeom>
+          <a:noFill/>
+          <a:ln>
+            <a:noFill/>
+          </a:ln>
+          <a:extLst>
+            <a:ext uri="{909E8E84-426E-40DD-AFC4-6F175D3DCCD1}">
+              <a14:hiddenFill xmlns:a14="http://schemas.microsoft.com/office/drawing/2010/main">
+                <a:solidFill>
+                  <a:srgbClr val="FFFFFF"/>
+                </a:solidFill>
+              </a14:hiddenFill>
+            </a:ext>
+            <a:ext uri="{91240B29-F687-4F45-9708-019B960494DF}">
+              <a14:hiddenLine xmlns:a14="http://schemas.microsoft.com/office/drawing/2010/main" w="9525">
+                <a:solidFill>
+                  <a:srgbClr val="000000"/>
+                </a:solidFill>
+                <a:miter lim="800000"/>
+                <a:headEnd/>
+                <a:tailEnd/>
+              </a14:hiddenLine>
+            </a:ext>
+          </a:extLst>
+        </p:spPr>
+      </p:pic>
+      <p:sp>
+        <p:nvSpPr>
+          <p:cNvPr id="80" name="TextBox 2">
+            <a:extLst>
+              <a:ext uri="{FF2B5EF4-FFF2-40B4-BE49-F238E27FC236}">
+                <a16:creationId xmlns:a16="http://schemas.microsoft.com/office/drawing/2014/main" id="{744BF8B2-2FB2-1C4E-8F59-2BF6B92F1704}"/>
+              </a:ext>
+            </a:extLst>
+          </p:cNvPr>
+          <p:cNvSpPr txBox="1"/>
+          <p:nvPr/>
+        </p:nvSpPr>
+        <p:spPr>
+          <a:xfrm>
+            <a:off x="5257710" y="3859045"/>
+            <a:ext cx="917042" cy="261610"/>
+          </a:xfrm>
+          <a:prstGeom prst="rect">
+            <a:avLst/>
+          </a:prstGeom>
+          <a:noFill/>
+        </p:spPr>
+        <p:style>
+          <a:lnRef idx="0">
+            <a:scrgbClr r="0" g="0" b="0"/>
+          </a:lnRef>
+          <a:fillRef idx="0">
+            <a:scrgbClr r="0" g="0" b="0"/>
+          </a:fillRef>
+          <a:effectRef idx="0">
+            <a:scrgbClr r="0" g="0" b="0"/>
+          </a:effectRef>
+          <a:fontRef idx="major"/>
+        </p:style>
+        <p:txBody>
+          <a:bodyPr wrap="square" rtlCol="0">
+            <a:spAutoFit/>
+          </a:bodyPr>
+          <a:lstStyle>
+            <a:lvl1pPr>
+              <a:defRPr>
+                <a:latin typeface="+mj-lt"/>
+                <a:ea typeface="+mj-ea"/>
+                <a:cs typeface="+mj-cs"/>
+              </a:defRPr>
+            </a:lvl1pPr>
+            <a:lvl2pPr>
+              <a:defRPr>
+                <a:latin typeface="+mj-lt"/>
+                <a:ea typeface="+mj-ea"/>
+                <a:cs typeface="+mj-cs"/>
+              </a:defRPr>
+            </a:lvl2pPr>
+            <a:lvl3pPr>
+              <a:defRPr>
+                <a:latin typeface="+mj-lt"/>
+                <a:ea typeface="+mj-ea"/>
+                <a:cs typeface="+mj-cs"/>
+              </a:defRPr>
+            </a:lvl3pPr>
+            <a:lvl4pPr>
+              <a:defRPr>
+                <a:latin typeface="+mj-lt"/>
+                <a:ea typeface="+mj-ea"/>
+                <a:cs typeface="+mj-cs"/>
+              </a:defRPr>
+            </a:lvl4pPr>
+            <a:lvl5pPr>
+              <a:defRPr>
+                <a:latin typeface="+mj-lt"/>
+                <a:ea typeface="+mj-ea"/>
+                <a:cs typeface="+mj-cs"/>
+              </a:defRPr>
+            </a:lvl5pPr>
+            <a:lvl6pPr>
+              <a:defRPr>
+                <a:latin typeface="+mj-lt"/>
+                <a:ea typeface="+mj-ea"/>
+                <a:cs typeface="+mj-cs"/>
+              </a:defRPr>
+            </a:lvl6pPr>
+            <a:lvl7pPr>
+              <a:defRPr>
+                <a:latin typeface="+mj-lt"/>
+                <a:ea typeface="+mj-ea"/>
+                <a:cs typeface="+mj-cs"/>
+              </a:defRPr>
+            </a:lvl7pPr>
+            <a:lvl8pPr>
+              <a:defRPr>
+                <a:latin typeface="+mj-lt"/>
+                <a:ea typeface="+mj-ea"/>
+                <a:cs typeface="+mj-cs"/>
+              </a:defRPr>
+            </a:lvl8pPr>
+            <a:lvl9pPr>
+              <a:defRPr>
+                <a:latin typeface="+mj-lt"/>
+                <a:ea typeface="+mj-ea"/>
+                <a:cs typeface="+mj-cs"/>
+              </a:defRPr>
+            </a:lvl9pPr>
+          </a:lstStyle>
+          <a:p>
+            <a:pPr algn="ctr"/>
+            <a:r>
+              <a:rPr lang="en-US" sz="1100" dirty="0">
+                <a:latin typeface="Arial" panose="020B0604020202020204" pitchFamily="34" charset="0"/>
+                <a:cs typeface="Arial" panose="020B0604020202020204" pitchFamily="34" charset="0"/>
+              </a:rPr>
+              <a:t>SNS Topic</a:t>
+            </a:r>
+          </a:p>
+        </p:txBody>
+      </p:sp>
+      <p:sp>
+        <p:nvSpPr>
+          <p:cNvPr id="81" name="Oval 80">
+            <a:extLst>
+              <a:ext uri="{FF2B5EF4-FFF2-40B4-BE49-F238E27FC236}">
+                <a16:creationId xmlns:a16="http://schemas.microsoft.com/office/drawing/2014/main" id="{0F292D9A-83E2-194D-A5E7-0E7CAD5F03B2}"/>
+              </a:ext>
+            </a:extLst>
+          </p:cNvPr>
+          <p:cNvSpPr/>
+          <p:nvPr/>
+        </p:nvSpPr>
+        <p:spPr>
+          <a:xfrm>
+            <a:off x="5526124" y="3505349"/>
+            <a:ext cx="253435" cy="212902"/>
+          </a:xfrm>
+          <a:prstGeom prst="ellipse">
+            <a:avLst/>
+          </a:prstGeom>
+          <a:solidFill>
+            <a:schemeClr val="tx1"/>
+          </a:solidFill>
+          <a:ln>
+            <a:solidFill>
+              <a:schemeClr val="tx1"/>
+            </a:solidFill>
+          </a:ln>
+        </p:spPr>
+        <p:style>
+          <a:lnRef idx="2">
+            <a:schemeClr val="accent1">
+              <a:shade val="50000"/>
+            </a:schemeClr>
+          </a:lnRef>
+          <a:fillRef idx="1">
+            <a:schemeClr val="accent1"/>
+          </a:fillRef>
+          <a:effectRef idx="0">
+            <a:schemeClr val="accent1"/>
+          </a:effectRef>
+          <a:fontRef idx="minor">
+            <a:schemeClr val="lt1"/>
+          </a:fontRef>
+        </p:style>
+        <p:txBody>
+          <a:bodyPr lIns="0" tIns="0" rIns="0" bIns="0" rtlCol="0" anchor="ctr"/>
+          <a:lstStyle/>
+          <a:p>
+            <a:pPr algn="ctr"/>
+            <a:r>
+              <a:rPr lang="en-US" sz="800" dirty="0">
+                <a:latin typeface="Arial" panose="020B0604020202020204" pitchFamily="34" charset="0"/>
+                <a:cs typeface="Arial" panose="020B0604020202020204" pitchFamily="34" charset="0"/>
+              </a:rPr>
+              <a:t>1.9</a:t>
+            </a:r>
+          </a:p>
+        </p:txBody>
+      </p:sp>
+      <p:cxnSp>
+        <p:nvCxnSpPr>
+          <p:cNvPr id="83" name="Straight Arrow Connector 82">
+            <a:extLst>
+              <a:ext uri="{FF2B5EF4-FFF2-40B4-BE49-F238E27FC236}">
+                <a16:creationId xmlns:a16="http://schemas.microsoft.com/office/drawing/2014/main" id="{4D4EB46F-97AE-C949-BF9D-C7037F16D366}"/>
+              </a:ext>
+            </a:extLst>
+          </p:cNvPr>
+          <p:cNvCxnSpPr>
+            <a:cxnSpLocks/>
+          </p:cNvCxnSpPr>
+          <p:nvPr/>
+        </p:nvCxnSpPr>
+        <p:spPr>
+          <a:xfrm>
+            <a:off x="5077265" y="3082889"/>
+            <a:ext cx="370348" cy="341173"/>
+          </a:xfrm>
+          <a:prstGeom prst="straightConnector1">
+            <a:avLst/>
+          </a:prstGeom>
+          <a:ln>
+            <a:headEnd type="triangle"/>
+            <a:tailEnd type="triangle"/>
+          </a:ln>
+        </p:spPr>
+        <p:style>
+          <a:lnRef idx="1">
+            <a:schemeClr val="dk1"/>
+          </a:lnRef>
+          <a:fillRef idx="0">
+            <a:schemeClr val="dk1"/>
+          </a:fillRef>
+          <a:effectRef idx="0">
+            <a:schemeClr val="dk1"/>
+          </a:effectRef>
+          <a:fontRef idx="minor">
+            <a:schemeClr val="tx1"/>
+          </a:fontRef>
+        </p:style>
+      </p:cxnSp>
+      <p:cxnSp>
+        <p:nvCxnSpPr>
+          <p:cNvPr id="84" name="Straight Arrow Connector 83">
+            <a:extLst>
+              <a:ext uri="{FF2B5EF4-FFF2-40B4-BE49-F238E27FC236}">
+                <a16:creationId xmlns:a16="http://schemas.microsoft.com/office/drawing/2014/main" id="{D0A31A76-FB9F-0245-92CE-762688AFC7CA}"/>
+              </a:ext>
+            </a:extLst>
+          </p:cNvPr>
+          <p:cNvCxnSpPr>
+            <a:cxnSpLocks/>
+          </p:cNvCxnSpPr>
+          <p:nvPr/>
+        </p:nvCxnSpPr>
+        <p:spPr>
+          <a:xfrm>
+            <a:off x="3315974" y="2614959"/>
+            <a:ext cx="758458" cy="0"/>
+          </a:xfrm>
+          <a:prstGeom prst="straightConnector1">
+            <a:avLst/>
+          </a:prstGeom>
+          <a:ln>
+            <a:tailEnd type="triangle"/>
+          </a:ln>
+        </p:spPr>
+        <p:style>
+          <a:lnRef idx="1">
+            <a:schemeClr val="dk1"/>
+          </a:lnRef>
+          <a:fillRef idx="0">
+            <a:schemeClr val="dk1"/>
+          </a:fillRef>
+          <a:effectRef idx="0">
+            <a:schemeClr val="dk1"/>
+          </a:effectRef>
+          <a:fontRef idx="minor">
+            <a:schemeClr val="tx1"/>
+          </a:fontRef>
+        </p:style>
+      </p:cxnSp>
+      <p:cxnSp>
+        <p:nvCxnSpPr>
+          <p:cNvPr id="85" name="Straight Arrow Connector 84">
+            <a:extLst>
+              <a:ext uri="{FF2B5EF4-FFF2-40B4-BE49-F238E27FC236}">
+                <a16:creationId xmlns:a16="http://schemas.microsoft.com/office/drawing/2014/main" id="{27307A2D-4D98-7D47-A9B8-B876C9DCA11C}"/>
+              </a:ext>
+            </a:extLst>
+          </p:cNvPr>
+          <p:cNvCxnSpPr>
+            <a:cxnSpLocks/>
+          </p:cNvCxnSpPr>
+          <p:nvPr/>
+        </p:nvCxnSpPr>
+        <p:spPr>
+          <a:xfrm flipV="1">
+            <a:off x="4452933" y="1866674"/>
+            <a:ext cx="0" cy="361772"/>
+          </a:xfrm>
+          <a:prstGeom prst="straightConnector1">
+            <a:avLst/>
+          </a:prstGeom>
+          <a:ln>
+            <a:tailEnd type="triangle"/>
+          </a:ln>
+        </p:spPr>
+        <p:style>
+          <a:lnRef idx="1">
+            <a:schemeClr val="dk1"/>
+          </a:lnRef>
+          <a:fillRef idx="0">
+            <a:schemeClr val="dk1"/>
+          </a:fillRef>
+          <a:effectRef idx="0">
+            <a:schemeClr val="dk1"/>
+          </a:effectRef>
+          <a:fontRef idx="minor">
+            <a:schemeClr val="tx1"/>
+          </a:fontRef>
+        </p:style>
+      </p:cxnSp>
+      <p:sp>
+        <p:nvSpPr>
+          <p:cNvPr id="86" name="Oval 85">
+            <a:extLst>
+              <a:ext uri="{FF2B5EF4-FFF2-40B4-BE49-F238E27FC236}">
+                <a16:creationId xmlns:a16="http://schemas.microsoft.com/office/drawing/2014/main" id="{21EC7ABC-09D5-CE4C-B58F-E87B21A03C89}"/>
+              </a:ext>
+            </a:extLst>
+          </p:cNvPr>
+          <p:cNvSpPr/>
+          <p:nvPr/>
+        </p:nvSpPr>
+        <p:spPr>
+          <a:xfrm>
+            <a:off x="6193886" y="2386359"/>
+            <a:ext cx="300569" cy="204616"/>
+          </a:xfrm>
+          <a:prstGeom prst="ellipse">
+            <a:avLst/>
+          </a:prstGeom>
+          <a:solidFill>
+            <a:schemeClr val="tx1"/>
+          </a:solidFill>
+          <a:ln>
+            <a:solidFill>
+              <a:schemeClr val="tx1"/>
+            </a:solidFill>
+          </a:ln>
+        </p:spPr>
+        <p:style>
+          <a:lnRef idx="2">
+            <a:schemeClr val="accent1">
+              <a:shade val="50000"/>
+            </a:schemeClr>
+          </a:lnRef>
+          <a:fillRef idx="1">
+            <a:schemeClr val="accent1"/>
+          </a:fillRef>
+          <a:effectRef idx="0">
+            <a:schemeClr val="accent1"/>
+          </a:effectRef>
+          <a:fontRef idx="minor">
+            <a:schemeClr val="lt1"/>
+          </a:fontRef>
+        </p:style>
+        <p:txBody>
+          <a:bodyPr lIns="0" tIns="0" rIns="0" bIns="0" rtlCol="0" anchor="ctr"/>
+          <a:lstStyle/>
+          <a:p>
+            <a:pPr algn="ctr"/>
+            <a:r>
+              <a:rPr lang="en-US" sz="800" dirty="0">
+                <a:latin typeface="Arial" panose="020B0604020202020204" pitchFamily="34" charset="0"/>
+                <a:cs typeface="Arial" panose="020B0604020202020204" pitchFamily="34" charset="0"/>
+              </a:rPr>
+              <a:t>1.10</a:t>
             </a:r>
           </a:p>
         </p:txBody>
